--- a/7330 Twitter data project Presentation.pptx
+++ b/7330 Twitter data project Presentation.pptx
@@ -9,10 +9,11 @@
     <p:sldId id="257" r:id="rId3"/>
     <p:sldId id="258" r:id="rId4"/>
     <p:sldId id="260" r:id="rId5"/>
-    <p:sldId id="259" r:id="rId6"/>
-    <p:sldId id="262" r:id="rId7"/>
-    <p:sldId id="261" r:id="rId8"/>
-    <p:sldId id="263" r:id="rId9"/>
+    <p:sldId id="262" r:id="rId6"/>
+    <p:sldId id="261" r:id="rId7"/>
+    <p:sldId id="264" r:id="rId8"/>
+    <p:sldId id="259" r:id="rId9"/>
+    <p:sldId id="263" r:id="rId10"/>
   </p:sldIdLst>
   <p:sldSz cx="12192000" cy="6858000"/>
   <p:notesSz cx="6858000" cy="9144000"/>
@@ -169,7 +170,7 @@
           <a:noFill/>
           <a:extLst>
             <a:ext uri="{909E8E84-426E-40dd-AFC4-6F175D3DCCD1}">
-              <a14:hiddenFill xmlns:a14="http://schemas.microsoft.com/office/drawing/2010/main" xmlns="">
+              <a14:hiddenFill xmlns="" xmlns:a14="http://schemas.microsoft.com/office/drawing/2010/main">
                 <a:solidFill>
                   <a:srgbClr val="FFFFFF"/>
                 </a:solidFill>
@@ -229,7 +230,7 @@
             </a:ln>
             <a:extLst>
               <a:ext uri="{91240B29-F687-4f45-9708-019B960494DF}">
-                <a14:hiddenLine xmlns:a14="http://schemas.microsoft.com/office/drawing/2010/main" xmlns="" w="9525">
+                <a14:hiddenLine xmlns="" xmlns:a14="http://schemas.microsoft.com/office/drawing/2010/main" w="9525">
                   <a:solidFill>
                     <a:srgbClr val="000000"/>
                   </a:solidFill>
@@ -319,7 +320,7 @@
             </a:ln>
             <a:extLst>
               <a:ext uri="{91240B29-F687-4f45-9708-019B960494DF}">
-                <a14:hiddenLine xmlns:a14="http://schemas.microsoft.com/office/drawing/2010/main" xmlns="" w="9525">
+                <a14:hiddenLine xmlns="" xmlns:a14="http://schemas.microsoft.com/office/drawing/2010/main" w="9525">
                   <a:solidFill>
                     <a:srgbClr val="000000"/>
                   </a:solidFill>
@@ -409,7 +410,7 @@
             </a:ln>
             <a:extLst>
               <a:ext uri="{91240B29-F687-4f45-9708-019B960494DF}">
-                <a14:hiddenLine xmlns:a14="http://schemas.microsoft.com/office/drawing/2010/main" xmlns="" w="9525">
+                <a14:hiddenLine xmlns="" xmlns:a14="http://schemas.microsoft.com/office/drawing/2010/main" w="9525">
                   <a:solidFill>
                     <a:srgbClr val="000000"/>
                   </a:solidFill>
@@ -443,7 +444,7 @@
             </a:ln>
             <a:extLst>
               <a:ext uri="{91240B29-F687-4f45-9708-019B960494DF}">
-                <a14:hiddenLine xmlns:a14="http://schemas.microsoft.com/office/drawing/2010/main" xmlns="" w="9525">
+                <a14:hiddenLine xmlns="" xmlns:a14="http://schemas.microsoft.com/office/drawing/2010/main" w="9525">
                   <a:solidFill>
                     <a:srgbClr val="000000"/>
                   </a:solidFill>
@@ -533,7 +534,7 @@
             </a:ln>
             <a:extLst>
               <a:ext uri="{91240B29-F687-4f45-9708-019B960494DF}">
-                <a14:hiddenLine xmlns:a14="http://schemas.microsoft.com/office/drawing/2010/main" xmlns="" w="9525">
+                <a14:hiddenLine xmlns="" xmlns:a14="http://schemas.microsoft.com/office/drawing/2010/main" w="9525">
                   <a:solidFill>
                     <a:srgbClr val="000000"/>
                   </a:solidFill>
@@ -595,7 +596,7 @@
             </a:ln>
             <a:extLst>
               <a:ext uri="{91240B29-F687-4f45-9708-019B960494DF}">
-                <a14:hiddenLine xmlns:a14="http://schemas.microsoft.com/office/drawing/2010/main" xmlns="" w="9525">
+                <a14:hiddenLine xmlns="" xmlns:a14="http://schemas.microsoft.com/office/drawing/2010/main" w="9525">
                   <a:solidFill>
                     <a:srgbClr val="000000"/>
                   </a:solidFill>
@@ -657,7 +658,7 @@
             </a:ln>
             <a:extLst>
               <a:ext uri="{91240B29-F687-4f45-9708-019B960494DF}">
-                <a14:hiddenLine xmlns:a14="http://schemas.microsoft.com/office/drawing/2010/main" xmlns="" w="9525">
+                <a14:hiddenLine xmlns="" xmlns:a14="http://schemas.microsoft.com/office/drawing/2010/main" w="9525">
                   <a:solidFill>
                     <a:srgbClr val="000000"/>
                   </a:solidFill>
@@ -747,7 +748,7 @@
             </a:ln>
             <a:extLst>
               <a:ext uri="{91240B29-F687-4f45-9708-019B960494DF}">
-                <a14:hiddenLine xmlns:a14="http://schemas.microsoft.com/office/drawing/2010/main" xmlns="" w="9525">
+                <a14:hiddenLine xmlns="" xmlns:a14="http://schemas.microsoft.com/office/drawing/2010/main" w="9525">
                   <a:solidFill>
                     <a:srgbClr val="000000"/>
                   </a:solidFill>
@@ -809,7 +810,7 @@
             </a:ln>
             <a:extLst>
               <a:ext uri="{91240B29-F687-4f45-9708-019B960494DF}">
-                <a14:hiddenLine xmlns:a14="http://schemas.microsoft.com/office/drawing/2010/main" xmlns="" w="9525">
+                <a14:hiddenLine xmlns="" xmlns:a14="http://schemas.microsoft.com/office/drawing/2010/main" w="9525">
                   <a:solidFill>
                     <a:srgbClr val="000000"/>
                   </a:solidFill>
@@ -871,7 +872,7 @@
             </a:ln>
             <a:extLst>
               <a:ext uri="{91240B29-F687-4f45-9708-019B960494DF}">
-                <a14:hiddenLine xmlns:a14="http://schemas.microsoft.com/office/drawing/2010/main" xmlns="" w="9525">
+                <a14:hiddenLine xmlns="" xmlns:a14="http://schemas.microsoft.com/office/drawing/2010/main" w="9525">
                   <a:solidFill>
                     <a:srgbClr val="000000"/>
                   </a:solidFill>
@@ -961,7 +962,7 @@
             </a:ln>
             <a:extLst>
               <a:ext uri="{91240B29-F687-4f45-9708-019B960494DF}">
-                <a14:hiddenLine xmlns:a14="http://schemas.microsoft.com/office/drawing/2010/main" xmlns="" w="9525">
+                <a14:hiddenLine xmlns="" xmlns:a14="http://schemas.microsoft.com/office/drawing/2010/main" w="9525">
                   <a:solidFill>
                     <a:srgbClr val="000000"/>
                   </a:solidFill>
@@ -1051,7 +1052,7 @@
             </a:ln>
             <a:extLst>
               <a:ext uri="{91240B29-F687-4f45-9708-019B960494DF}">
-                <a14:hiddenLine xmlns:a14="http://schemas.microsoft.com/office/drawing/2010/main" xmlns="" w="9525">
+                <a14:hiddenLine xmlns="" xmlns:a14="http://schemas.microsoft.com/office/drawing/2010/main" w="9525">
                   <a:solidFill>
                     <a:srgbClr val="000000"/>
                   </a:solidFill>
@@ -1113,7 +1114,7 @@
             </a:ln>
             <a:extLst>
               <a:ext uri="{91240B29-F687-4f45-9708-019B960494DF}">
-                <a14:hiddenLine xmlns:a14="http://schemas.microsoft.com/office/drawing/2010/main" xmlns="" w="9525">
+                <a14:hiddenLine xmlns="" xmlns:a14="http://schemas.microsoft.com/office/drawing/2010/main" w="9525">
                   <a:solidFill>
                     <a:srgbClr val="000000"/>
                   </a:solidFill>
@@ -1223,7 +1224,7 @@
             </a:ln>
             <a:extLst>
               <a:ext uri="{91240B29-F687-4f45-9708-019B960494DF}">
-                <a14:hiddenLine xmlns:a14="http://schemas.microsoft.com/office/drawing/2010/main" xmlns="" w="9525">
+                <a14:hiddenLine xmlns="" xmlns:a14="http://schemas.microsoft.com/office/drawing/2010/main" w="9525">
                   <a:solidFill>
                     <a:srgbClr val="000000"/>
                   </a:solidFill>
@@ -1285,7 +1286,7 @@
             </a:ln>
             <a:extLst>
               <a:ext uri="{91240B29-F687-4f45-9708-019B960494DF}">
-                <a14:hiddenLine xmlns:a14="http://schemas.microsoft.com/office/drawing/2010/main" xmlns="" w="9525">
+                <a14:hiddenLine xmlns="" xmlns:a14="http://schemas.microsoft.com/office/drawing/2010/main" w="9525">
                   <a:solidFill>
                     <a:srgbClr val="000000"/>
                   </a:solidFill>
@@ -1375,7 +1376,7 @@
             </a:ln>
             <a:extLst>
               <a:ext uri="{91240B29-F687-4f45-9708-019B960494DF}">
-                <a14:hiddenLine xmlns:a14="http://schemas.microsoft.com/office/drawing/2010/main" xmlns="" w="9525">
+                <a14:hiddenLine xmlns="" xmlns:a14="http://schemas.microsoft.com/office/drawing/2010/main" w="9525">
                   <a:solidFill>
                     <a:srgbClr val="000000"/>
                   </a:solidFill>
@@ -1465,7 +1466,7 @@
             </a:ln>
             <a:extLst>
               <a:ext uri="{91240B29-F687-4f45-9708-019B960494DF}">
-                <a14:hiddenLine xmlns:a14="http://schemas.microsoft.com/office/drawing/2010/main" xmlns="" w="9525">
+                <a14:hiddenLine xmlns="" xmlns:a14="http://schemas.microsoft.com/office/drawing/2010/main" w="9525">
                   <a:solidFill>
                     <a:srgbClr val="000000"/>
                   </a:solidFill>
@@ -1527,7 +1528,7 @@
             </a:ln>
             <a:extLst>
               <a:ext uri="{91240B29-F687-4f45-9708-019B960494DF}">
-                <a14:hiddenLine xmlns:a14="http://schemas.microsoft.com/office/drawing/2010/main" xmlns="" w="9525">
+                <a14:hiddenLine xmlns="" xmlns:a14="http://schemas.microsoft.com/office/drawing/2010/main" w="9525">
                   <a:solidFill>
                     <a:srgbClr val="000000"/>
                   </a:solidFill>
@@ -1617,7 +1618,7 @@
             </a:ln>
             <a:extLst>
               <a:ext uri="{91240B29-F687-4f45-9708-019B960494DF}">
-                <a14:hiddenLine xmlns:a14="http://schemas.microsoft.com/office/drawing/2010/main" xmlns="" w="9525">
+                <a14:hiddenLine xmlns="" xmlns:a14="http://schemas.microsoft.com/office/drawing/2010/main" w="9525">
                   <a:solidFill>
                     <a:srgbClr val="000000"/>
                   </a:solidFill>
@@ -1707,7 +1708,7 @@
             </a:ln>
             <a:extLst>
               <a:ext uri="{91240B29-F687-4f45-9708-019B960494DF}">
-                <a14:hiddenLine xmlns:a14="http://schemas.microsoft.com/office/drawing/2010/main" xmlns="" w="9525">
+                <a14:hiddenLine xmlns="" xmlns:a14="http://schemas.microsoft.com/office/drawing/2010/main" w="9525">
                   <a:solidFill>
                     <a:srgbClr val="000000"/>
                   </a:solidFill>
@@ -1763,7 +1764,7 @@
             </a:ln>
             <a:extLst>
               <a:ext uri="{91240B29-F687-4f45-9708-019B960494DF}">
-                <a14:hiddenLine xmlns:a14="http://schemas.microsoft.com/office/drawing/2010/main" xmlns="" w="9525">
+                <a14:hiddenLine xmlns="" xmlns:a14="http://schemas.microsoft.com/office/drawing/2010/main" w="9525">
                   <a:solidFill>
                     <a:srgbClr val="000000"/>
                   </a:solidFill>
@@ -1853,7 +1854,7 @@
             </a:ln>
             <a:extLst>
               <a:ext uri="{91240B29-F687-4f45-9708-019B960494DF}">
-                <a14:hiddenLine xmlns:a14="http://schemas.microsoft.com/office/drawing/2010/main" xmlns="" w="9525">
+                <a14:hiddenLine xmlns="" xmlns:a14="http://schemas.microsoft.com/office/drawing/2010/main" w="9525">
                   <a:solidFill>
                     <a:srgbClr val="000000"/>
                   </a:solidFill>
@@ -1909,7 +1910,7 @@
             </a:ln>
             <a:extLst>
               <a:ext uri="{91240B29-F687-4f45-9708-019B960494DF}">
-                <a14:hiddenLine xmlns:a14="http://schemas.microsoft.com/office/drawing/2010/main" xmlns="" w="9525">
+                <a14:hiddenLine xmlns="" xmlns:a14="http://schemas.microsoft.com/office/drawing/2010/main" w="9525">
                   <a:solidFill>
                     <a:srgbClr val="000000"/>
                   </a:solidFill>
@@ -1999,7 +2000,7 @@
             </a:ln>
             <a:extLst>
               <a:ext uri="{91240B29-F687-4f45-9708-019B960494DF}">
-                <a14:hiddenLine xmlns:a14="http://schemas.microsoft.com/office/drawing/2010/main" xmlns="" w="9525">
+                <a14:hiddenLine xmlns="" xmlns:a14="http://schemas.microsoft.com/office/drawing/2010/main" w="9525">
                   <a:solidFill>
                     <a:srgbClr val="000000"/>
                   </a:solidFill>
@@ -2067,7 +2068,7 @@
             </a:ln>
             <a:extLst>
               <a:ext uri="{91240B29-F687-4f45-9708-019B960494DF}">
-                <a14:hiddenLine xmlns:a14="http://schemas.microsoft.com/office/drawing/2010/main" xmlns="" w="9525">
+                <a14:hiddenLine xmlns="" xmlns:a14="http://schemas.microsoft.com/office/drawing/2010/main" w="9525">
                   <a:solidFill>
                     <a:srgbClr val="000000"/>
                   </a:solidFill>
@@ -2157,7 +2158,7 @@
             </a:ln>
             <a:extLst>
               <a:ext uri="{91240B29-F687-4f45-9708-019B960494DF}">
-                <a14:hiddenLine xmlns:a14="http://schemas.microsoft.com/office/drawing/2010/main" xmlns="" w="9525">
+                <a14:hiddenLine xmlns="" xmlns:a14="http://schemas.microsoft.com/office/drawing/2010/main" w="9525">
                   <a:solidFill>
                     <a:srgbClr val="000000"/>
                   </a:solidFill>
@@ -2225,7 +2226,7 @@
             </a:ln>
             <a:extLst>
               <a:ext uri="{91240B29-F687-4f45-9708-019B960494DF}">
-                <a14:hiddenLine xmlns:a14="http://schemas.microsoft.com/office/drawing/2010/main" xmlns="" w="9525">
+                <a14:hiddenLine xmlns="" xmlns:a14="http://schemas.microsoft.com/office/drawing/2010/main" w="9525">
                   <a:solidFill>
                     <a:srgbClr val="000000"/>
                   </a:solidFill>
@@ -2315,7 +2316,7 @@
             </a:ln>
             <a:extLst>
               <a:ext uri="{91240B29-F687-4f45-9708-019B960494DF}">
-                <a14:hiddenLine xmlns:a14="http://schemas.microsoft.com/office/drawing/2010/main" xmlns="" w="9525">
+                <a14:hiddenLine xmlns="" xmlns:a14="http://schemas.microsoft.com/office/drawing/2010/main" w="9525">
                   <a:solidFill>
                     <a:srgbClr val="000000"/>
                   </a:solidFill>
@@ -2349,7 +2350,7 @@
             </a:ln>
             <a:extLst>
               <a:ext uri="{91240B29-F687-4f45-9708-019B960494DF}">
-                <a14:hiddenLine xmlns:a14="http://schemas.microsoft.com/office/drawing/2010/main" xmlns="" w="9525">
+                <a14:hiddenLine xmlns="" xmlns:a14="http://schemas.microsoft.com/office/drawing/2010/main" w="9525">
                   <a:solidFill>
                     <a:srgbClr val="000000"/>
                   </a:solidFill>
@@ -2439,7 +2440,7 @@
             </a:ln>
             <a:extLst>
               <a:ext uri="{91240B29-F687-4f45-9708-019B960494DF}">
-                <a14:hiddenLine xmlns:a14="http://schemas.microsoft.com/office/drawing/2010/main" xmlns="" w="9525">
+                <a14:hiddenLine xmlns="" xmlns:a14="http://schemas.microsoft.com/office/drawing/2010/main" w="9525">
                   <a:solidFill>
                     <a:srgbClr val="000000"/>
                   </a:solidFill>
@@ -2501,7 +2502,7 @@
             </a:ln>
             <a:extLst>
               <a:ext uri="{91240B29-F687-4f45-9708-019B960494DF}">
-                <a14:hiddenLine xmlns:a14="http://schemas.microsoft.com/office/drawing/2010/main" xmlns="" w="9525">
+                <a14:hiddenLine xmlns="" xmlns:a14="http://schemas.microsoft.com/office/drawing/2010/main" w="9525">
                   <a:solidFill>
                     <a:srgbClr val="000000"/>
                   </a:solidFill>
@@ -2563,7 +2564,7 @@
             </a:ln>
             <a:extLst>
               <a:ext uri="{91240B29-F687-4f45-9708-019B960494DF}">
-                <a14:hiddenLine xmlns:a14="http://schemas.microsoft.com/office/drawing/2010/main" xmlns="" w="9525">
+                <a14:hiddenLine xmlns="" xmlns:a14="http://schemas.microsoft.com/office/drawing/2010/main" w="9525">
                   <a:solidFill>
                     <a:srgbClr val="000000"/>
                   </a:solidFill>
@@ -2653,7 +2654,7 @@
             </a:ln>
             <a:extLst>
               <a:ext uri="{91240B29-F687-4f45-9708-019B960494DF}">
-                <a14:hiddenLine xmlns:a14="http://schemas.microsoft.com/office/drawing/2010/main" xmlns="" w="9525">
+                <a14:hiddenLine xmlns="" xmlns:a14="http://schemas.microsoft.com/office/drawing/2010/main" w="9525">
                   <a:solidFill>
                     <a:srgbClr val="000000"/>
                   </a:solidFill>
@@ -2721,7 +2722,7 @@
             </a:ln>
             <a:extLst>
               <a:ext uri="{91240B29-F687-4f45-9708-019B960494DF}">
-                <a14:hiddenLine xmlns:a14="http://schemas.microsoft.com/office/drawing/2010/main" xmlns="" w="9525">
+                <a14:hiddenLine xmlns="" xmlns:a14="http://schemas.microsoft.com/office/drawing/2010/main" w="9525">
                   <a:solidFill>
                     <a:srgbClr val="000000"/>
                   </a:solidFill>
@@ -2783,7 +2784,7 @@
             </a:ln>
             <a:extLst>
               <a:ext uri="{91240B29-F687-4f45-9708-019B960494DF}">
-                <a14:hiddenLine xmlns:a14="http://schemas.microsoft.com/office/drawing/2010/main" xmlns="" w="9525">
+                <a14:hiddenLine xmlns="" xmlns:a14="http://schemas.microsoft.com/office/drawing/2010/main" w="9525">
                   <a:solidFill>
                     <a:srgbClr val="000000"/>
                   </a:solidFill>
@@ -2873,7 +2874,7 @@
             </a:ln>
             <a:extLst>
               <a:ext uri="{91240B29-F687-4f45-9708-019B960494DF}">
-                <a14:hiddenLine xmlns:a14="http://schemas.microsoft.com/office/drawing/2010/main" xmlns="" w="9525">
+                <a14:hiddenLine xmlns="" xmlns:a14="http://schemas.microsoft.com/office/drawing/2010/main" w="9525">
                   <a:solidFill>
                     <a:srgbClr val="000000"/>
                   </a:solidFill>
@@ -2935,7 +2936,7 @@
             </a:ln>
             <a:extLst>
               <a:ext uri="{91240B29-F687-4f45-9708-019B960494DF}">
-                <a14:hiddenLine xmlns:a14="http://schemas.microsoft.com/office/drawing/2010/main" xmlns="" w="9525">
+                <a14:hiddenLine xmlns="" xmlns:a14="http://schemas.microsoft.com/office/drawing/2010/main" w="9525">
                   <a:solidFill>
                     <a:srgbClr val="000000"/>
                   </a:solidFill>
@@ -3025,7 +3026,7 @@
             </a:ln>
             <a:extLst>
               <a:ext uri="{91240B29-F687-4f45-9708-019B960494DF}">
-                <a14:hiddenLine xmlns:a14="http://schemas.microsoft.com/office/drawing/2010/main" xmlns="" w="9525">
+                <a14:hiddenLine xmlns="" xmlns:a14="http://schemas.microsoft.com/office/drawing/2010/main" w="9525">
                   <a:solidFill>
                     <a:srgbClr val="000000"/>
                   </a:solidFill>
@@ -3087,7 +3088,7 @@
             </a:ln>
             <a:extLst>
               <a:ext uri="{91240B29-F687-4f45-9708-019B960494DF}">
-                <a14:hiddenLine xmlns:a14="http://schemas.microsoft.com/office/drawing/2010/main" xmlns="" w="9525">
+                <a14:hiddenLine xmlns="" xmlns:a14="http://schemas.microsoft.com/office/drawing/2010/main" w="9525">
                   <a:solidFill>
                     <a:srgbClr val="000000"/>
                   </a:solidFill>
@@ -3177,7 +3178,7 @@
             </a:ln>
             <a:extLst>
               <a:ext uri="{91240B29-F687-4f45-9708-019B960494DF}">
-                <a14:hiddenLine xmlns:a14="http://schemas.microsoft.com/office/drawing/2010/main" xmlns="" w="9525">
+                <a14:hiddenLine xmlns="" xmlns:a14="http://schemas.microsoft.com/office/drawing/2010/main" w="9525">
                   <a:solidFill>
                     <a:srgbClr val="000000"/>
                   </a:solidFill>
@@ -3211,7 +3212,7 @@
             </a:ln>
             <a:extLst>
               <a:ext uri="{91240B29-F687-4f45-9708-019B960494DF}">
-                <a14:hiddenLine xmlns:a14="http://schemas.microsoft.com/office/drawing/2010/main" xmlns="" w="9525">
+                <a14:hiddenLine xmlns="" xmlns:a14="http://schemas.microsoft.com/office/drawing/2010/main" w="9525">
                   <a:solidFill>
                     <a:srgbClr val="000000"/>
                   </a:solidFill>
@@ -3276,7 +3277,7 @@
             </a:ln>
             <a:extLst>
               <a:ext uri="{91240B29-F687-4f45-9708-019B960494DF}">
-                <a14:hiddenLine xmlns:a14="http://schemas.microsoft.com/office/drawing/2010/main" xmlns="" w="9525">
+                <a14:hiddenLine xmlns="" xmlns:a14="http://schemas.microsoft.com/office/drawing/2010/main" w="9525">
                   <a:solidFill>
                     <a:srgbClr val="000000"/>
                   </a:solidFill>
@@ -3366,7 +3367,7 @@
             </a:ln>
             <a:extLst>
               <a:ext uri="{91240B29-F687-4f45-9708-019B960494DF}">
-                <a14:hiddenLine xmlns:a14="http://schemas.microsoft.com/office/drawing/2010/main" xmlns="" w="9525">
+                <a14:hiddenLine xmlns="" xmlns:a14="http://schemas.microsoft.com/office/drawing/2010/main" w="9525">
                   <a:solidFill>
                     <a:srgbClr val="000000"/>
                   </a:solidFill>
@@ -3428,7 +3429,7 @@
             </a:ln>
             <a:extLst>
               <a:ext uri="{91240B29-F687-4f45-9708-019B960494DF}">
-                <a14:hiddenLine xmlns:a14="http://schemas.microsoft.com/office/drawing/2010/main" xmlns="" w="9525">
+                <a14:hiddenLine xmlns="" xmlns:a14="http://schemas.microsoft.com/office/drawing/2010/main" w="9525">
                   <a:solidFill>
                     <a:srgbClr val="000000"/>
                   </a:solidFill>
@@ -3518,7 +3519,7 @@
             </a:ln>
             <a:extLst>
               <a:ext uri="{91240B29-F687-4f45-9708-019B960494DF}">
-                <a14:hiddenLine xmlns:a14="http://schemas.microsoft.com/office/drawing/2010/main" xmlns="" w="9525">
+                <a14:hiddenLine xmlns="" xmlns:a14="http://schemas.microsoft.com/office/drawing/2010/main" w="9525">
                   <a:solidFill>
                     <a:srgbClr val="000000"/>
                   </a:solidFill>
@@ -3608,7 +3609,7 @@
             </a:ln>
             <a:extLst>
               <a:ext uri="{91240B29-F687-4f45-9708-019B960494DF}">
-                <a14:hiddenLine xmlns:a14="http://schemas.microsoft.com/office/drawing/2010/main" xmlns="" w="9525">
+                <a14:hiddenLine xmlns="" xmlns:a14="http://schemas.microsoft.com/office/drawing/2010/main" w="9525">
                   <a:solidFill>
                     <a:srgbClr val="000000"/>
                   </a:solidFill>
@@ -3673,7 +3674,7 @@
             </a:ln>
             <a:extLst>
               <a:ext uri="{91240B29-F687-4f45-9708-019B960494DF}">
-                <a14:hiddenLine xmlns:a14="http://schemas.microsoft.com/office/drawing/2010/main" xmlns="" w="9525">
+                <a14:hiddenLine xmlns="" xmlns:a14="http://schemas.microsoft.com/office/drawing/2010/main" w="9525">
                   <a:solidFill>
                     <a:srgbClr val="000000"/>
                   </a:solidFill>
@@ -3735,7 +3736,7 @@
             </a:ln>
             <a:extLst>
               <a:ext uri="{91240B29-F687-4f45-9708-019B960494DF}">
-                <a14:hiddenLine xmlns:a14="http://schemas.microsoft.com/office/drawing/2010/main" xmlns="" w="9525">
+                <a14:hiddenLine xmlns="" xmlns:a14="http://schemas.microsoft.com/office/drawing/2010/main" w="9525">
                   <a:solidFill>
                     <a:srgbClr val="000000"/>
                   </a:solidFill>
@@ -3825,7 +3826,7 @@
             </a:ln>
             <a:extLst>
               <a:ext uri="{91240B29-F687-4f45-9708-019B960494DF}">
-                <a14:hiddenLine xmlns:a14="http://schemas.microsoft.com/office/drawing/2010/main" xmlns="" w="9525">
+                <a14:hiddenLine xmlns="" xmlns:a14="http://schemas.microsoft.com/office/drawing/2010/main" w="9525">
                   <a:solidFill>
                     <a:srgbClr val="000000"/>
                   </a:solidFill>
@@ -3915,7 +3916,7 @@
             </a:ln>
             <a:extLst>
               <a:ext uri="{91240B29-F687-4f45-9708-019B960494DF}">
-                <a14:hiddenLine xmlns:a14="http://schemas.microsoft.com/office/drawing/2010/main" xmlns="" w="9525">
+                <a14:hiddenLine xmlns="" xmlns:a14="http://schemas.microsoft.com/office/drawing/2010/main" w="9525">
                   <a:solidFill>
                     <a:srgbClr val="000000"/>
                   </a:solidFill>
@@ -3977,7 +3978,7 @@
             </a:ln>
             <a:extLst>
               <a:ext uri="{91240B29-F687-4f45-9708-019B960494DF}">
-                <a14:hiddenLine xmlns:a14="http://schemas.microsoft.com/office/drawing/2010/main" xmlns="" w="9525">
+                <a14:hiddenLine xmlns="" xmlns:a14="http://schemas.microsoft.com/office/drawing/2010/main" w="9525">
                   <a:solidFill>
                     <a:srgbClr val="000000"/>
                   </a:solidFill>
@@ -4097,7 +4098,7 @@
             </a:ln>
             <a:extLst>
               <a:ext uri="{91240B29-F687-4f45-9708-019B960494DF}">
-                <a14:hiddenLine xmlns:a14="http://schemas.microsoft.com/office/drawing/2010/main" xmlns="" w="9525">
+                <a14:hiddenLine xmlns="" xmlns:a14="http://schemas.microsoft.com/office/drawing/2010/main" w="9525">
                   <a:solidFill>
                     <a:srgbClr val="000000"/>
                   </a:solidFill>
@@ -4165,7 +4166,7 @@
             </a:ln>
             <a:extLst>
               <a:ext uri="{91240B29-F687-4f45-9708-019B960494DF}">
-                <a14:hiddenLine xmlns:a14="http://schemas.microsoft.com/office/drawing/2010/main" xmlns="" w="9525">
+                <a14:hiddenLine xmlns="" xmlns:a14="http://schemas.microsoft.com/office/drawing/2010/main" w="9525">
                   <a:solidFill>
                     <a:srgbClr val="000000"/>
                   </a:solidFill>
@@ -4255,7 +4256,7 @@
             </a:ln>
             <a:extLst>
               <a:ext uri="{91240B29-F687-4f45-9708-019B960494DF}">
-                <a14:hiddenLine xmlns:a14="http://schemas.microsoft.com/office/drawing/2010/main" xmlns="" w="9525">
+                <a14:hiddenLine xmlns="" xmlns:a14="http://schemas.microsoft.com/office/drawing/2010/main" w="9525">
                   <a:solidFill>
                     <a:srgbClr val="000000"/>
                   </a:solidFill>
@@ -8977,7 +8978,7 @@
           <a:noFill/>
           <a:extLst>
             <a:ext uri="{909E8E84-426E-40dd-AFC4-6F175D3DCCD1}">
-              <a14:hiddenFill xmlns:a14="http://schemas.microsoft.com/office/drawing/2010/main" xmlns="">
+              <a14:hiddenFill xmlns="" xmlns:a14="http://schemas.microsoft.com/office/drawing/2010/main">
                 <a:solidFill>
                   <a:srgbClr val="FFFFFF"/>
                 </a:solidFill>
@@ -9051,7 +9052,7 @@
               </a:ln>
               <a:extLst>
                 <a:ext uri="{91240B29-F687-4f45-9708-019B960494DF}">
-                  <a14:hiddenLine xmlns:a14="http://schemas.microsoft.com/office/drawing/2010/main" xmlns="" w="9525">
+                  <a14:hiddenLine xmlns="" xmlns:a14="http://schemas.microsoft.com/office/drawing/2010/main" w="9525">
                     <a:solidFill>
                       <a:srgbClr val="000000"/>
                     </a:solidFill>
@@ -9141,7 +9142,7 @@
               </a:ln>
               <a:extLst>
                 <a:ext uri="{91240B29-F687-4f45-9708-019B960494DF}">
-                  <a14:hiddenLine xmlns:a14="http://schemas.microsoft.com/office/drawing/2010/main" xmlns="" w="9525">
+                  <a14:hiddenLine xmlns="" xmlns:a14="http://schemas.microsoft.com/office/drawing/2010/main" w="9525">
                     <a:solidFill>
                       <a:srgbClr val="000000"/>
                     </a:solidFill>
@@ -9231,7 +9232,7 @@
               </a:ln>
               <a:extLst>
                 <a:ext uri="{91240B29-F687-4f45-9708-019B960494DF}">
-                  <a14:hiddenLine xmlns:a14="http://schemas.microsoft.com/office/drawing/2010/main" xmlns="" w="9525">
+                  <a14:hiddenLine xmlns="" xmlns:a14="http://schemas.microsoft.com/office/drawing/2010/main" w="9525">
                     <a:solidFill>
                       <a:srgbClr val="000000"/>
                     </a:solidFill>
@@ -9293,7 +9294,7 @@
               </a:ln>
               <a:extLst>
                 <a:ext uri="{91240B29-F687-4f45-9708-019B960494DF}">
-                  <a14:hiddenLine xmlns:a14="http://schemas.microsoft.com/office/drawing/2010/main" xmlns="" w="9525">
+                  <a14:hiddenLine xmlns="" xmlns:a14="http://schemas.microsoft.com/office/drawing/2010/main" w="9525">
                     <a:solidFill>
                       <a:srgbClr val="000000"/>
                     </a:solidFill>
@@ -9383,7 +9384,7 @@
               </a:ln>
               <a:extLst>
                 <a:ext uri="{91240B29-F687-4f45-9708-019B960494DF}">
-                  <a14:hiddenLine xmlns:a14="http://schemas.microsoft.com/office/drawing/2010/main" xmlns="" w="9525">
+                  <a14:hiddenLine xmlns="" xmlns:a14="http://schemas.microsoft.com/office/drawing/2010/main" w="9525">
                     <a:solidFill>
                       <a:srgbClr val="000000"/>
                     </a:solidFill>
@@ -9445,7 +9446,7 @@
               </a:ln>
               <a:extLst>
                 <a:ext uri="{91240B29-F687-4f45-9708-019B960494DF}">
-                  <a14:hiddenLine xmlns:a14="http://schemas.microsoft.com/office/drawing/2010/main" xmlns="" w="9525">
+                  <a14:hiddenLine xmlns="" xmlns:a14="http://schemas.microsoft.com/office/drawing/2010/main" w="9525">
                     <a:solidFill>
                       <a:srgbClr val="000000"/>
                     </a:solidFill>
@@ -9507,7 +9508,7 @@
               </a:ln>
               <a:extLst>
                 <a:ext uri="{91240B29-F687-4f45-9708-019B960494DF}">
-                  <a14:hiddenLine xmlns:a14="http://schemas.microsoft.com/office/drawing/2010/main" xmlns="" w="9525">
+                  <a14:hiddenLine xmlns="" xmlns:a14="http://schemas.microsoft.com/office/drawing/2010/main" w="9525">
                     <a:solidFill>
                       <a:srgbClr val="000000"/>
                     </a:solidFill>
@@ -9597,7 +9598,7 @@
               </a:ln>
               <a:extLst>
                 <a:ext uri="{91240B29-F687-4f45-9708-019B960494DF}">
-                  <a14:hiddenLine xmlns:a14="http://schemas.microsoft.com/office/drawing/2010/main" xmlns="" w="9525">
+                  <a14:hiddenLine xmlns="" xmlns:a14="http://schemas.microsoft.com/office/drawing/2010/main" w="9525">
                     <a:solidFill>
                       <a:srgbClr val="000000"/>
                     </a:solidFill>
@@ -9687,7 +9688,7 @@
               </a:ln>
               <a:extLst>
                 <a:ext uri="{91240B29-F687-4f45-9708-019B960494DF}">
-                  <a14:hiddenLine xmlns:a14="http://schemas.microsoft.com/office/drawing/2010/main" xmlns="" w="9525">
+                  <a14:hiddenLine xmlns="" xmlns:a14="http://schemas.microsoft.com/office/drawing/2010/main" w="9525">
                     <a:solidFill>
                       <a:srgbClr val="000000"/>
                     </a:solidFill>
@@ -9749,7 +9750,7 @@
               </a:ln>
               <a:extLst>
                 <a:ext uri="{91240B29-F687-4f45-9708-019B960494DF}">
-                  <a14:hiddenLine xmlns:a14="http://schemas.microsoft.com/office/drawing/2010/main" xmlns="" w="9525">
+                  <a14:hiddenLine xmlns="" xmlns:a14="http://schemas.microsoft.com/office/drawing/2010/main" w="9525">
                     <a:solidFill>
                       <a:srgbClr val="000000"/>
                     </a:solidFill>
@@ -9859,7 +9860,7 @@
               </a:ln>
               <a:extLst>
                 <a:ext uri="{91240B29-F687-4f45-9708-019B960494DF}">
-                  <a14:hiddenLine xmlns:a14="http://schemas.microsoft.com/office/drawing/2010/main" xmlns="" w="9525">
+                  <a14:hiddenLine xmlns="" xmlns:a14="http://schemas.microsoft.com/office/drawing/2010/main" w="9525">
                     <a:solidFill>
                       <a:srgbClr val="000000"/>
                     </a:solidFill>
@@ -9943,7 +9944,7 @@
               </a:ln>
               <a:extLst>
                 <a:ext uri="{91240B29-F687-4f45-9708-019B960494DF}">
-                  <a14:hiddenLine xmlns:a14="http://schemas.microsoft.com/office/drawing/2010/main" xmlns="" w="9525">
+                  <a14:hiddenLine xmlns="" xmlns:a14="http://schemas.microsoft.com/office/drawing/2010/main" w="9525">
                     <a:solidFill>
                       <a:srgbClr val="000000"/>
                     </a:solidFill>
@@ -10005,7 +10006,7 @@
               </a:ln>
               <a:extLst>
                 <a:ext uri="{91240B29-F687-4f45-9708-019B960494DF}">
-                  <a14:hiddenLine xmlns:a14="http://schemas.microsoft.com/office/drawing/2010/main" xmlns="" w="9525">
+                  <a14:hiddenLine xmlns="" xmlns:a14="http://schemas.microsoft.com/office/drawing/2010/main" w="9525">
                     <a:solidFill>
                       <a:srgbClr val="000000"/>
                     </a:solidFill>
@@ -10067,7 +10068,7 @@
               </a:ln>
               <a:extLst>
                 <a:ext uri="{91240B29-F687-4f45-9708-019B960494DF}">
-                  <a14:hiddenLine xmlns:a14="http://schemas.microsoft.com/office/drawing/2010/main" xmlns="" w="9525">
+                  <a14:hiddenLine xmlns="" xmlns:a14="http://schemas.microsoft.com/office/drawing/2010/main" w="9525">
                     <a:solidFill>
                       <a:srgbClr val="000000"/>
                     </a:solidFill>
@@ -10157,7 +10158,7 @@
               </a:ln>
               <a:extLst>
                 <a:ext uri="{91240B29-F687-4f45-9708-019B960494DF}">
-                  <a14:hiddenLine xmlns:a14="http://schemas.microsoft.com/office/drawing/2010/main" xmlns="" w="9525">
+                  <a14:hiddenLine xmlns="" xmlns:a14="http://schemas.microsoft.com/office/drawing/2010/main" w="9525">
                     <a:solidFill>
                       <a:srgbClr val="000000"/>
                     </a:solidFill>
@@ -10191,7 +10192,7 @@
               </a:ln>
               <a:extLst>
                 <a:ext uri="{91240B29-F687-4f45-9708-019B960494DF}">
-                  <a14:hiddenLine xmlns:a14="http://schemas.microsoft.com/office/drawing/2010/main" xmlns="" w="9525">
+                  <a14:hiddenLine xmlns="" xmlns:a14="http://schemas.microsoft.com/office/drawing/2010/main" w="9525">
                     <a:solidFill>
                       <a:srgbClr val="000000"/>
                     </a:solidFill>
@@ -10256,7 +10257,7 @@
               </a:ln>
               <a:extLst>
                 <a:ext uri="{91240B29-F687-4f45-9708-019B960494DF}">
-                  <a14:hiddenLine xmlns:a14="http://schemas.microsoft.com/office/drawing/2010/main" xmlns="" w="9525">
+                  <a14:hiddenLine xmlns="" xmlns:a14="http://schemas.microsoft.com/office/drawing/2010/main" w="9525">
                     <a:solidFill>
                       <a:srgbClr val="000000"/>
                     </a:solidFill>
@@ -10346,7 +10347,7 @@
               </a:ln>
               <a:extLst>
                 <a:ext uri="{91240B29-F687-4f45-9708-019B960494DF}">
-                  <a14:hiddenLine xmlns:a14="http://schemas.microsoft.com/office/drawing/2010/main" xmlns="" w="9525">
+                  <a14:hiddenLine xmlns="" xmlns:a14="http://schemas.microsoft.com/office/drawing/2010/main" w="9525">
                     <a:solidFill>
                       <a:srgbClr val="000000"/>
                     </a:solidFill>
@@ -10408,7 +10409,7 @@
               </a:ln>
               <a:extLst>
                 <a:ext uri="{91240B29-F687-4f45-9708-019B960494DF}">
-                  <a14:hiddenLine xmlns:a14="http://schemas.microsoft.com/office/drawing/2010/main" xmlns="" w="9525">
+                  <a14:hiddenLine xmlns="" xmlns:a14="http://schemas.microsoft.com/office/drawing/2010/main" w="9525">
                     <a:solidFill>
                       <a:srgbClr val="000000"/>
                     </a:solidFill>
@@ -10498,7 +10499,7 @@
               </a:ln>
               <a:extLst>
                 <a:ext uri="{91240B29-F687-4f45-9708-019B960494DF}">
-                  <a14:hiddenLine xmlns:a14="http://schemas.microsoft.com/office/drawing/2010/main" xmlns="" w="9525">
+                  <a14:hiddenLine xmlns="" xmlns:a14="http://schemas.microsoft.com/office/drawing/2010/main" w="9525">
                     <a:solidFill>
                       <a:srgbClr val="000000"/>
                     </a:solidFill>
@@ -10563,7 +10564,7 @@
               </a:ln>
               <a:extLst>
                 <a:ext uri="{91240B29-F687-4f45-9708-019B960494DF}">
-                  <a14:hiddenLine xmlns:a14="http://schemas.microsoft.com/office/drawing/2010/main" xmlns="" w="9525">
+                  <a14:hiddenLine xmlns="" xmlns:a14="http://schemas.microsoft.com/office/drawing/2010/main" w="9525">
                     <a:solidFill>
                       <a:srgbClr val="000000"/>
                     </a:solidFill>
@@ -10625,7 +10626,7 @@
               </a:ln>
               <a:extLst>
                 <a:ext uri="{91240B29-F687-4f45-9708-019B960494DF}">
-                  <a14:hiddenLine xmlns:a14="http://schemas.microsoft.com/office/drawing/2010/main" xmlns="" w="9525">
+                  <a14:hiddenLine xmlns="" xmlns:a14="http://schemas.microsoft.com/office/drawing/2010/main" w="9525">
                     <a:solidFill>
                       <a:srgbClr val="000000"/>
                     </a:solidFill>
@@ -10715,7 +10716,7 @@
               </a:ln>
               <a:extLst>
                 <a:ext uri="{91240B29-F687-4f45-9708-019B960494DF}">
-                  <a14:hiddenLine xmlns:a14="http://schemas.microsoft.com/office/drawing/2010/main" xmlns="" w="9525">
+                  <a14:hiddenLine xmlns="" xmlns:a14="http://schemas.microsoft.com/office/drawing/2010/main" w="9525">
                     <a:solidFill>
                       <a:srgbClr val="000000"/>
                     </a:solidFill>
@@ -10805,7 +10806,7 @@
               </a:ln>
               <a:extLst>
                 <a:ext uri="{91240B29-F687-4f45-9708-019B960494DF}">
-                  <a14:hiddenLine xmlns:a14="http://schemas.microsoft.com/office/drawing/2010/main" xmlns="" w="9525">
+                  <a14:hiddenLine xmlns="" xmlns:a14="http://schemas.microsoft.com/office/drawing/2010/main" w="9525">
                     <a:solidFill>
                       <a:srgbClr val="000000"/>
                     </a:solidFill>
@@ -10870,7 +10871,7 @@
               </a:ln>
               <a:extLst>
                 <a:ext uri="{91240B29-F687-4f45-9708-019B960494DF}">
-                  <a14:hiddenLine xmlns:a14="http://schemas.microsoft.com/office/drawing/2010/main" xmlns="" w="9525">
+                  <a14:hiddenLine xmlns="" xmlns:a14="http://schemas.microsoft.com/office/drawing/2010/main" w="9525">
                     <a:solidFill>
                       <a:srgbClr val="000000"/>
                     </a:solidFill>
@@ -10990,7 +10991,7 @@
               </a:ln>
               <a:extLst>
                 <a:ext uri="{91240B29-F687-4f45-9708-019B960494DF}">
-                  <a14:hiddenLine xmlns:a14="http://schemas.microsoft.com/office/drawing/2010/main" xmlns="" w="9525">
+                  <a14:hiddenLine xmlns="" xmlns:a14="http://schemas.microsoft.com/office/drawing/2010/main" w="9525">
                     <a:solidFill>
                       <a:srgbClr val="000000"/>
                     </a:solidFill>
@@ -11088,7 +11089,7 @@
               </a:ln>
               <a:extLst>
                 <a:ext uri="{91240B29-F687-4f45-9708-019B960494DF}">
-                  <a14:hiddenLine xmlns:a14="http://schemas.microsoft.com/office/drawing/2010/main" xmlns="" w="9525">
+                  <a14:hiddenLine xmlns="" xmlns:a14="http://schemas.microsoft.com/office/drawing/2010/main" w="9525">
                     <a:solidFill>
                       <a:srgbClr val="000000"/>
                     </a:solidFill>
@@ -11203,7 +11204,7 @@
               </a:ln>
               <a:extLst>
                 <a:ext uri="{91240B29-F687-4f45-9708-019B960494DF}">
-                  <a14:hiddenLine xmlns:a14="http://schemas.microsoft.com/office/drawing/2010/main" xmlns="" w="9525">
+                  <a14:hiddenLine xmlns="" xmlns:a14="http://schemas.microsoft.com/office/drawing/2010/main" w="9525">
                     <a:solidFill>
                       <a:srgbClr val="000000"/>
                     </a:solidFill>
@@ -11293,7 +11294,7 @@
               </a:ln>
               <a:extLst>
                 <a:ext uri="{91240B29-F687-4f45-9708-019B960494DF}">
-                  <a14:hiddenLine xmlns:a14="http://schemas.microsoft.com/office/drawing/2010/main" xmlns="" w="9525">
+                  <a14:hiddenLine xmlns="" xmlns:a14="http://schemas.microsoft.com/office/drawing/2010/main" w="9525">
                     <a:solidFill>
                       <a:srgbClr val="000000"/>
                     </a:solidFill>
@@ -11358,7 +11359,7 @@
               </a:ln>
               <a:extLst>
                 <a:ext uri="{91240B29-F687-4f45-9708-019B960494DF}">
-                  <a14:hiddenLine xmlns:a14="http://schemas.microsoft.com/office/drawing/2010/main" xmlns="" w="9525">
+                  <a14:hiddenLine xmlns="" xmlns:a14="http://schemas.microsoft.com/office/drawing/2010/main" w="9525">
                     <a:solidFill>
                       <a:srgbClr val="000000"/>
                     </a:solidFill>
@@ -11448,7 +11449,7 @@
               </a:ln>
               <a:extLst>
                 <a:ext uri="{91240B29-F687-4f45-9708-019B960494DF}">
-                  <a14:hiddenLine xmlns:a14="http://schemas.microsoft.com/office/drawing/2010/main" xmlns="" w="9525">
+                  <a14:hiddenLine xmlns="" xmlns:a14="http://schemas.microsoft.com/office/drawing/2010/main" w="9525">
                     <a:solidFill>
                       <a:srgbClr val="000000"/>
                     </a:solidFill>
@@ -11516,7 +11517,7 @@
               </a:ln>
               <a:extLst>
                 <a:ext uri="{91240B29-F687-4f45-9708-019B960494DF}">
-                  <a14:hiddenLine xmlns:a14="http://schemas.microsoft.com/office/drawing/2010/main" xmlns="" w="9525">
+                  <a14:hiddenLine xmlns="" xmlns:a14="http://schemas.microsoft.com/office/drawing/2010/main" w="9525">
                     <a:solidFill>
                       <a:srgbClr val="000000"/>
                     </a:solidFill>
@@ -11606,7 +11607,7 @@
               </a:ln>
               <a:extLst>
                 <a:ext uri="{91240B29-F687-4f45-9708-019B960494DF}">
-                  <a14:hiddenLine xmlns:a14="http://schemas.microsoft.com/office/drawing/2010/main" xmlns="" w="9525">
+                  <a14:hiddenLine xmlns="" xmlns:a14="http://schemas.microsoft.com/office/drawing/2010/main" w="9525">
                     <a:solidFill>
                       <a:srgbClr val="000000"/>
                     </a:solidFill>
@@ -11674,7 +11675,7 @@
               </a:ln>
               <a:extLst>
                 <a:ext uri="{91240B29-F687-4f45-9708-019B960494DF}">
-                  <a14:hiddenLine xmlns:a14="http://schemas.microsoft.com/office/drawing/2010/main" xmlns="" w="9525">
+                  <a14:hiddenLine xmlns="" xmlns:a14="http://schemas.microsoft.com/office/drawing/2010/main" w="9525">
                     <a:solidFill>
                       <a:srgbClr val="000000"/>
                     </a:solidFill>
@@ -11764,7 +11765,7 @@
               </a:ln>
               <a:extLst>
                 <a:ext uri="{91240B29-F687-4f45-9708-019B960494DF}">
-                  <a14:hiddenLine xmlns:a14="http://schemas.microsoft.com/office/drawing/2010/main" xmlns="" w="9525">
+                  <a14:hiddenLine xmlns="" xmlns:a14="http://schemas.microsoft.com/office/drawing/2010/main" w="9525">
                     <a:solidFill>
                       <a:srgbClr val="000000"/>
                     </a:solidFill>
@@ -11798,7 +11799,7 @@
               </a:ln>
               <a:extLst>
                 <a:ext uri="{91240B29-F687-4f45-9708-019B960494DF}">
-                  <a14:hiddenLine xmlns:a14="http://schemas.microsoft.com/office/drawing/2010/main" xmlns="" w="9525">
+                  <a14:hiddenLine xmlns="" xmlns:a14="http://schemas.microsoft.com/office/drawing/2010/main" w="9525">
                     <a:solidFill>
                       <a:srgbClr val="000000"/>
                     </a:solidFill>
@@ -12864,7 +12865,7 @@
           <a:p>
             <a:r>
               <a:rPr lang="en-US" dirty="0"/>
-              <a:t>How the code works</a:t>
+              <a:t>Streaming vs batching vs history</a:t>
             </a:r>
           </a:p>
         </p:txBody>
@@ -12885,19 +12886,88 @@
             <p:ph idx="1"/>
           </p:nvPr>
         </p:nvSpPr>
-        <p:spPr/>
+        <p:spPr>
+          <a:xfrm>
+            <a:off x="1141412" y="1959429"/>
+            <a:ext cx="9905999" cy="3831772"/>
+          </a:xfrm>
+        </p:spPr>
         <p:txBody>
-          <a:bodyPr/>
+          <a:bodyPr>
+            <a:normAutofit fontScale="92500" lnSpcReduction="20000"/>
+          </a:bodyPr>
           <a:lstStyle/>
           <a:p>
+            <a:r>
+              <a:rPr lang="en-US" dirty="0"/>
+              <a:t>Streaming allows for the intake of twitter data in real time</a:t>
+            </a:r>
+          </a:p>
+          <a:p>
+            <a:pPr lvl="1"/>
+            <a:r>
+              <a:rPr lang="en-US" dirty="0"/>
+              <a:t>This allows for broader searches where a user can take in data by text, hashtags, </a:t>
+            </a:r>
+            <a:r>
+              <a:rPr lang="en-US" dirty="0" err="1"/>
+              <a:t>etc</a:t>
+            </a:r>
             <a:endParaRPr lang="en-US" dirty="0"/>
+          </a:p>
+          <a:p>
+            <a:pPr lvl="1"/>
+            <a:r>
+              <a:rPr lang="en-US" dirty="0"/>
+              <a:t>Allows the ability to quickly get a pulse for activity</a:t>
+            </a:r>
+          </a:p>
+          <a:p>
+            <a:r>
+              <a:rPr lang="en-US" dirty="0"/>
+              <a:t>Batching twitter data often involves pulling historical data from defined users</a:t>
+            </a:r>
+          </a:p>
+          <a:p>
+            <a:pPr lvl="1"/>
+            <a:r>
+              <a:rPr lang="en-US" dirty="0"/>
+              <a:t>Often this is referring to enterprise grade licensing, but can also refer to user data pulled in a batch.</a:t>
+            </a:r>
+          </a:p>
+          <a:p>
+            <a:pPr lvl="1"/>
+            <a:r>
+              <a:rPr lang="en-US" dirty="0"/>
+              <a:t>This somewhat limits the scope since getting historical hashtag data is nearly impossible</a:t>
+            </a:r>
+          </a:p>
+          <a:p>
+            <a:r>
+              <a:rPr lang="en-US" dirty="0"/>
+              <a:t>Enterprise grade batch/History data</a:t>
+            </a:r>
+          </a:p>
+          <a:p>
+            <a:pPr lvl="1"/>
+            <a:r>
+              <a:rPr lang="en-US" dirty="0"/>
+              <a:t>Can be purchased through an enterprise license, not available freely without restrictions</a:t>
+            </a:r>
+          </a:p>
+          <a:p>
+            <a:pPr lvl="1"/>
+            <a:r>
+              <a:rPr lang="en-US" dirty="0"/>
+              <a:t>Will not be in scope as it is only available on contractual basis for a cost.</a:t>
+            </a:r>
           </a:p>
         </p:txBody>
       </p:sp>
     </p:spTree>
     <p:extLst>
       <p:ext uri="{BB962C8B-B14F-4D97-AF65-F5344CB8AC3E}">
-        <p14:creationId xmlns:p14="http://schemas.microsoft.com/office/powerpoint/2010/main" val="1421168158"/>
+        <p14:creationId xmlns:p14="http://schemas.microsoft.com/office/powerpoint/2010/main" val="146655575"/>
       </p:ext>
     </p:extLst>
   </p:cSld>
@@ -12929,7 +12999,7 @@
           <p:cNvPr id="2" name="Title 1">
             <a:extLst>
               <a:ext uri="{FF2B5EF4-FFF2-40B4-BE49-F238E27FC236}">
-                <a16:creationId xmlns:a16="http://schemas.microsoft.com/office/drawing/2014/main" id="{8E7FDDD9-1C92-4F98-AD9E-C0A04C2FF4F1}"/>
+                <a16:creationId xmlns:a16="http://schemas.microsoft.com/office/drawing/2014/main" id="{D6ED6944-D8CA-45F7-A54E-60E892D23081}"/>
               </a:ext>
             </a:extLst>
           </p:cNvPr>
@@ -12947,7 +13017,7 @@
           <a:p>
             <a:r>
               <a:rPr lang="en-US" dirty="0"/>
-              <a:t>Streaming vs batching vs history</a:t>
+              <a:t>Performance - streaming</a:t>
             </a:r>
           </a:p>
         </p:txBody>
@@ -12957,7 +13027,7 @@
           <p:cNvPr id="3" name="Content Placeholder 2">
             <a:extLst>
               <a:ext uri="{FF2B5EF4-FFF2-40B4-BE49-F238E27FC236}">
-                <a16:creationId xmlns:a16="http://schemas.microsoft.com/office/drawing/2014/main" id="{0C50E380-B816-4A32-BE9D-5257489DB456}"/>
+                <a16:creationId xmlns:a16="http://schemas.microsoft.com/office/drawing/2014/main" id="{EFA470FE-90EB-44EA-8722-0FC54521352C}"/>
               </a:ext>
             </a:extLst>
           </p:cNvPr>
@@ -12970,62 +13040,38 @@
         </p:nvSpPr>
         <p:spPr>
           <a:xfrm>
-            <a:off x="1141412" y="1959429"/>
-            <a:ext cx="9905999" cy="3831772"/>
+            <a:off x="1023257" y="2249487"/>
+            <a:ext cx="10156371" cy="3541714"/>
           </a:xfrm>
         </p:spPr>
         <p:txBody>
-          <a:bodyPr/>
+          <a:bodyPr>
+            <a:normAutofit/>
+          </a:bodyPr>
           <a:lstStyle/>
           <a:p>
             <a:r>
               <a:rPr lang="en-US" dirty="0"/>
-              <a:t>Streaming allows for the intake of twitter data in real time</a:t>
+              <a:t>Streaming requires the program to be active, which does greatly limit practicality in events of a crash</a:t>
+            </a:r>
+          </a:p>
+          <a:p>
+            <a:r>
+              <a:rPr lang="en-US" dirty="0"/>
+              <a:t>Being limited by program uptime also greatly limits the amount of data that can be collected in reasonable periods of time</a:t>
+            </a:r>
+          </a:p>
+          <a:p>
+            <a:r>
+              <a:rPr lang="en-US" dirty="0"/>
+              <a:t>There is a rate limiter in place for tweet streaming so some data may be missed</a:t>
             </a:r>
           </a:p>
           <a:p>
             <a:pPr lvl="1"/>
             <a:r>
               <a:rPr lang="en-US" dirty="0"/>
-              <a:t>This allows for broader searches where a user can take in data by text, hashtags, </a:t>
-            </a:r>
-            <a:r>
-              <a:rPr lang="en-US" dirty="0" err="1"/>
-              <a:t>etc</a:t>
-            </a:r>
-            <a:endParaRPr lang="en-US" dirty="0"/>
-          </a:p>
-          <a:p>
-            <a:pPr lvl="1"/>
-            <a:r>
-              <a:rPr lang="en-US" dirty="0"/>
-              <a:t>Allows the ability to quickly get a pulse for activity</a:t>
-            </a:r>
-          </a:p>
-          <a:p>
-            <a:r>
-              <a:rPr lang="en-US" dirty="0"/>
-              <a:t>Batching twitter data often involves pulling historical data from defined users</a:t>
-            </a:r>
-          </a:p>
-          <a:p>
-            <a:pPr lvl="1"/>
-            <a:r>
-              <a:rPr lang="en-US" dirty="0"/>
-              <a:t>This somewhat limits the scope since getting historical hashtag data is nearly impossible</a:t>
-            </a:r>
-          </a:p>
-          <a:p>
-            <a:r>
-              <a:rPr lang="en-US" dirty="0"/>
-              <a:t>History</a:t>
-            </a:r>
-          </a:p>
-          <a:p>
-            <a:pPr lvl="1"/>
-            <a:r>
-              <a:rPr lang="en-US" dirty="0"/>
-              <a:t>Can be purchased through an enterprise license, not available freely without restrictions</a:t>
+              <a:t>30 requests/min or 10 requests/sec</a:t>
             </a:r>
           </a:p>
         </p:txBody>
@@ -13033,7 +13079,7 @@
     </p:spTree>
     <p:extLst>
       <p:ext uri="{BB962C8B-B14F-4D97-AF65-F5344CB8AC3E}">
-        <p14:creationId xmlns:p14="http://schemas.microsoft.com/office/powerpoint/2010/main" val="146655575"/>
+        <p14:creationId xmlns:p14="http://schemas.microsoft.com/office/powerpoint/2010/main" val="4216146171"/>
       </p:ext>
     </p:extLst>
   </p:cSld>
@@ -13083,7 +13129,7 @@
           <a:p>
             <a:r>
               <a:rPr lang="en-US" dirty="0"/>
-              <a:t>performance</a:t>
+              <a:t>Performance - Batch</a:t>
             </a:r>
           </a:p>
         </p:txBody>
@@ -13111,26 +13157,7 @@
           <a:p>
             <a:r>
               <a:rPr lang="en-US" dirty="0"/>
-              <a:t>Practicality of streaming forever….</a:t>
-            </a:r>
-          </a:p>
-          <a:p>
-            <a:r>
-              <a:rPr lang="en-US" dirty="0"/>
-              <a:t>Scalability of mongo</a:t>
-            </a:r>
-          </a:p>
-          <a:p>
-            <a:r>
-              <a:rPr lang="en-US" dirty="0"/>
-              <a:t>Being kicked for overpulling</a:t>
-            </a:r>
-          </a:p>
-          <a:p>
-            <a:pPr lvl="1"/>
-            <a:r>
-              <a:rPr lang="en-US" dirty="0"/>
-              <a:t>Twitter does have failsafe protocols in place to ensure “bad actors” don’t overload there server</a:t>
+              <a:t>Bat</a:t>
             </a:r>
           </a:p>
         </p:txBody>
@@ -13138,7 +13165,7 @@
     </p:spTree>
     <p:extLst>
       <p:ext uri="{BB962C8B-B14F-4D97-AF65-F5344CB8AC3E}">
-        <p14:creationId xmlns:p14="http://schemas.microsoft.com/office/powerpoint/2010/main" val="4216146171"/>
+        <p14:creationId xmlns:p14="http://schemas.microsoft.com/office/powerpoint/2010/main" val="2586301821"/>
       </p:ext>
     </p:extLst>
   </p:cSld>
@@ -13149,6 +13176,89 @@
 </file>
 
 <file path=ppt/slides/slide8.xml><?xml version="1.0" encoding="utf-8"?>
+<p:sld xmlns:a="http://schemas.openxmlformats.org/drawingml/2006/main" xmlns:r="http://schemas.openxmlformats.org/officeDocument/2006/relationships" xmlns:p="http://schemas.openxmlformats.org/presentationml/2006/main">
+  <p:cSld>
+    <p:spTree>
+      <p:nvGrpSpPr>
+        <p:cNvPr id="1" name=""/>
+        <p:cNvGrpSpPr/>
+        <p:nvPr/>
+      </p:nvGrpSpPr>
+      <p:grpSpPr>
+        <a:xfrm>
+          <a:off x="0" y="0"/>
+          <a:ext cx="0" cy="0"/>
+          <a:chOff x="0" y="0"/>
+          <a:chExt cx="0" cy="0"/>
+        </a:xfrm>
+      </p:grpSpPr>
+      <p:sp>
+        <p:nvSpPr>
+          <p:cNvPr id="2" name="Title 1">
+            <a:extLst>
+              <a:ext uri="{FF2B5EF4-FFF2-40B4-BE49-F238E27FC236}">
+                <a16:creationId xmlns:a16="http://schemas.microsoft.com/office/drawing/2014/main" id="{8E7FDDD9-1C92-4F98-AD9E-C0A04C2FF4F1}"/>
+              </a:ext>
+            </a:extLst>
+          </p:cNvPr>
+          <p:cNvSpPr>
+            <a:spLocks noGrp="1"/>
+          </p:cNvSpPr>
+          <p:nvPr>
+            <p:ph type="title"/>
+          </p:nvPr>
+        </p:nvSpPr>
+        <p:spPr/>
+        <p:txBody>
+          <a:bodyPr/>
+          <a:lstStyle/>
+          <a:p>
+            <a:r>
+              <a:rPr lang="en-US" dirty="0"/>
+              <a:t>How the code works</a:t>
+            </a:r>
+          </a:p>
+        </p:txBody>
+      </p:sp>
+      <p:sp>
+        <p:nvSpPr>
+          <p:cNvPr id="3" name="Content Placeholder 2">
+            <a:extLst>
+              <a:ext uri="{FF2B5EF4-FFF2-40B4-BE49-F238E27FC236}">
+                <a16:creationId xmlns:a16="http://schemas.microsoft.com/office/drawing/2014/main" id="{0C50E380-B816-4A32-BE9D-5257489DB456}"/>
+              </a:ext>
+            </a:extLst>
+          </p:cNvPr>
+          <p:cNvSpPr>
+            <a:spLocks noGrp="1"/>
+          </p:cNvSpPr>
+          <p:nvPr>
+            <p:ph idx="1"/>
+          </p:nvPr>
+        </p:nvSpPr>
+        <p:spPr/>
+        <p:txBody>
+          <a:bodyPr/>
+          <a:lstStyle/>
+          <a:p>
+            <a:endParaRPr lang="en-US" dirty="0"/>
+          </a:p>
+        </p:txBody>
+      </p:sp>
+    </p:spTree>
+    <p:extLst>
+      <p:ext uri="{BB962C8B-B14F-4D97-AF65-F5344CB8AC3E}">
+        <p14:creationId xmlns:p14="http://schemas.microsoft.com/office/powerpoint/2010/main" val="1421168158"/>
+      </p:ext>
+    </p:extLst>
+  </p:cSld>
+  <p:clrMapOvr>
+    <a:masterClrMapping/>
+  </p:clrMapOvr>
+</p:sld>
+</file>
+
+<file path=ppt/slides/slide9.xml><?xml version="1.0" encoding="utf-8"?>
 <p:sld xmlns:a="http://schemas.openxmlformats.org/drawingml/2006/main" xmlns:r="http://schemas.openxmlformats.org/officeDocument/2006/relationships" xmlns:p="http://schemas.openxmlformats.org/presentationml/2006/main">
   <p:cSld>
     <p:spTree>

--- a/7330 Twitter data project Presentation.pptx
+++ b/7330 Twitter data project Presentation.pptx
@@ -170,7 +170,7 @@
           <a:noFill/>
           <a:extLst>
             <a:ext uri="{909E8E84-426E-40dd-AFC4-6F175D3DCCD1}">
-              <a14:hiddenFill xmlns="" xmlns:a14="http://schemas.microsoft.com/office/drawing/2010/main">
+              <a14:hiddenFill xmlns:a14="http://schemas.microsoft.com/office/drawing/2010/main" xmlns="">
                 <a:solidFill>
                   <a:srgbClr val="FFFFFF"/>
                 </a:solidFill>
@@ -230,7 +230,7 @@
             </a:ln>
             <a:extLst>
               <a:ext uri="{91240B29-F687-4f45-9708-019B960494DF}">
-                <a14:hiddenLine xmlns="" xmlns:a14="http://schemas.microsoft.com/office/drawing/2010/main" w="9525">
+                <a14:hiddenLine xmlns:a14="http://schemas.microsoft.com/office/drawing/2010/main" xmlns="" w="9525">
                   <a:solidFill>
                     <a:srgbClr val="000000"/>
                   </a:solidFill>
@@ -320,7 +320,7 @@
             </a:ln>
             <a:extLst>
               <a:ext uri="{91240B29-F687-4f45-9708-019B960494DF}">
-                <a14:hiddenLine xmlns="" xmlns:a14="http://schemas.microsoft.com/office/drawing/2010/main" w="9525">
+                <a14:hiddenLine xmlns:a14="http://schemas.microsoft.com/office/drawing/2010/main" xmlns="" w="9525">
                   <a:solidFill>
                     <a:srgbClr val="000000"/>
                   </a:solidFill>
@@ -410,7 +410,7 @@
             </a:ln>
             <a:extLst>
               <a:ext uri="{91240B29-F687-4f45-9708-019B960494DF}">
-                <a14:hiddenLine xmlns="" xmlns:a14="http://schemas.microsoft.com/office/drawing/2010/main" w="9525">
+                <a14:hiddenLine xmlns:a14="http://schemas.microsoft.com/office/drawing/2010/main" xmlns="" w="9525">
                   <a:solidFill>
                     <a:srgbClr val="000000"/>
                   </a:solidFill>
@@ -444,7 +444,7 @@
             </a:ln>
             <a:extLst>
               <a:ext uri="{91240B29-F687-4f45-9708-019B960494DF}">
-                <a14:hiddenLine xmlns="" xmlns:a14="http://schemas.microsoft.com/office/drawing/2010/main" w="9525">
+                <a14:hiddenLine xmlns:a14="http://schemas.microsoft.com/office/drawing/2010/main" xmlns="" w="9525">
                   <a:solidFill>
                     <a:srgbClr val="000000"/>
                   </a:solidFill>
@@ -534,7 +534,7 @@
             </a:ln>
             <a:extLst>
               <a:ext uri="{91240B29-F687-4f45-9708-019B960494DF}">
-                <a14:hiddenLine xmlns="" xmlns:a14="http://schemas.microsoft.com/office/drawing/2010/main" w="9525">
+                <a14:hiddenLine xmlns:a14="http://schemas.microsoft.com/office/drawing/2010/main" xmlns="" w="9525">
                   <a:solidFill>
                     <a:srgbClr val="000000"/>
                   </a:solidFill>
@@ -596,7 +596,7 @@
             </a:ln>
             <a:extLst>
               <a:ext uri="{91240B29-F687-4f45-9708-019B960494DF}">
-                <a14:hiddenLine xmlns="" xmlns:a14="http://schemas.microsoft.com/office/drawing/2010/main" w="9525">
+                <a14:hiddenLine xmlns:a14="http://schemas.microsoft.com/office/drawing/2010/main" xmlns="" w="9525">
                   <a:solidFill>
                     <a:srgbClr val="000000"/>
                   </a:solidFill>
@@ -658,7 +658,7 @@
             </a:ln>
             <a:extLst>
               <a:ext uri="{91240B29-F687-4f45-9708-019B960494DF}">
-                <a14:hiddenLine xmlns="" xmlns:a14="http://schemas.microsoft.com/office/drawing/2010/main" w="9525">
+                <a14:hiddenLine xmlns:a14="http://schemas.microsoft.com/office/drawing/2010/main" xmlns="" w="9525">
                   <a:solidFill>
                     <a:srgbClr val="000000"/>
                   </a:solidFill>
@@ -748,7 +748,7 @@
             </a:ln>
             <a:extLst>
               <a:ext uri="{91240B29-F687-4f45-9708-019B960494DF}">
-                <a14:hiddenLine xmlns="" xmlns:a14="http://schemas.microsoft.com/office/drawing/2010/main" w="9525">
+                <a14:hiddenLine xmlns:a14="http://schemas.microsoft.com/office/drawing/2010/main" xmlns="" w="9525">
                   <a:solidFill>
                     <a:srgbClr val="000000"/>
                   </a:solidFill>
@@ -810,7 +810,7 @@
             </a:ln>
             <a:extLst>
               <a:ext uri="{91240B29-F687-4f45-9708-019B960494DF}">
-                <a14:hiddenLine xmlns="" xmlns:a14="http://schemas.microsoft.com/office/drawing/2010/main" w="9525">
+                <a14:hiddenLine xmlns:a14="http://schemas.microsoft.com/office/drawing/2010/main" xmlns="" w="9525">
                   <a:solidFill>
                     <a:srgbClr val="000000"/>
                   </a:solidFill>
@@ -872,7 +872,7 @@
             </a:ln>
             <a:extLst>
               <a:ext uri="{91240B29-F687-4f45-9708-019B960494DF}">
-                <a14:hiddenLine xmlns="" xmlns:a14="http://schemas.microsoft.com/office/drawing/2010/main" w="9525">
+                <a14:hiddenLine xmlns:a14="http://schemas.microsoft.com/office/drawing/2010/main" xmlns="" w="9525">
                   <a:solidFill>
                     <a:srgbClr val="000000"/>
                   </a:solidFill>
@@ -962,7 +962,7 @@
             </a:ln>
             <a:extLst>
               <a:ext uri="{91240B29-F687-4f45-9708-019B960494DF}">
-                <a14:hiddenLine xmlns="" xmlns:a14="http://schemas.microsoft.com/office/drawing/2010/main" w="9525">
+                <a14:hiddenLine xmlns:a14="http://schemas.microsoft.com/office/drawing/2010/main" xmlns="" w="9525">
                   <a:solidFill>
                     <a:srgbClr val="000000"/>
                   </a:solidFill>
@@ -1052,7 +1052,7 @@
             </a:ln>
             <a:extLst>
               <a:ext uri="{91240B29-F687-4f45-9708-019B960494DF}">
-                <a14:hiddenLine xmlns="" xmlns:a14="http://schemas.microsoft.com/office/drawing/2010/main" w="9525">
+                <a14:hiddenLine xmlns:a14="http://schemas.microsoft.com/office/drawing/2010/main" xmlns="" w="9525">
                   <a:solidFill>
                     <a:srgbClr val="000000"/>
                   </a:solidFill>
@@ -1114,7 +1114,7 @@
             </a:ln>
             <a:extLst>
               <a:ext uri="{91240B29-F687-4f45-9708-019B960494DF}">
-                <a14:hiddenLine xmlns="" xmlns:a14="http://schemas.microsoft.com/office/drawing/2010/main" w="9525">
+                <a14:hiddenLine xmlns:a14="http://schemas.microsoft.com/office/drawing/2010/main" xmlns="" w="9525">
                   <a:solidFill>
                     <a:srgbClr val="000000"/>
                   </a:solidFill>
@@ -1224,7 +1224,7 @@
             </a:ln>
             <a:extLst>
               <a:ext uri="{91240B29-F687-4f45-9708-019B960494DF}">
-                <a14:hiddenLine xmlns="" xmlns:a14="http://schemas.microsoft.com/office/drawing/2010/main" w="9525">
+                <a14:hiddenLine xmlns:a14="http://schemas.microsoft.com/office/drawing/2010/main" xmlns="" w="9525">
                   <a:solidFill>
                     <a:srgbClr val="000000"/>
                   </a:solidFill>
@@ -1286,7 +1286,7 @@
             </a:ln>
             <a:extLst>
               <a:ext uri="{91240B29-F687-4f45-9708-019B960494DF}">
-                <a14:hiddenLine xmlns="" xmlns:a14="http://schemas.microsoft.com/office/drawing/2010/main" w="9525">
+                <a14:hiddenLine xmlns:a14="http://schemas.microsoft.com/office/drawing/2010/main" xmlns="" w="9525">
                   <a:solidFill>
                     <a:srgbClr val="000000"/>
                   </a:solidFill>
@@ -1376,7 +1376,7 @@
             </a:ln>
             <a:extLst>
               <a:ext uri="{91240B29-F687-4f45-9708-019B960494DF}">
-                <a14:hiddenLine xmlns="" xmlns:a14="http://schemas.microsoft.com/office/drawing/2010/main" w="9525">
+                <a14:hiddenLine xmlns:a14="http://schemas.microsoft.com/office/drawing/2010/main" xmlns="" w="9525">
                   <a:solidFill>
                     <a:srgbClr val="000000"/>
                   </a:solidFill>
@@ -1466,7 +1466,7 @@
             </a:ln>
             <a:extLst>
               <a:ext uri="{91240B29-F687-4f45-9708-019B960494DF}">
-                <a14:hiddenLine xmlns="" xmlns:a14="http://schemas.microsoft.com/office/drawing/2010/main" w="9525">
+                <a14:hiddenLine xmlns:a14="http://schemas.microsoft.com/office/drawing/2010/main" xmlns="" w="9525">
                   <a:solidFill>
                     <a:srgbClr val="000000"/>
                   </a:solidFill>
@@ -1528,7 +1528,7 @@
             </a:ln>
             <a:extLst>
               <a:ext uri="{91240B29-F687-4f45-9708-019B960494DF}">
-                <a14:hiddenLine xmlns="" xmlns:a14="http://schemas.microsoft.com/office/drawing/2010/main" w="9525">
+                <a14:hiddenLine xmlns:a14="http://schemas.microsoft.com/office/drawing/2010/main" xmlns="" w="9525">
                   <a:solidFill>
                     <a:srgbClr val="000000"/>
                   </a:solidFill>
@@ -1618,7 +1618,7 @@
             </a:ln>
             <a:extLst>
               <a:ext uri="{91240B29-F687-4f45-9708-019B960494DF}">
-                <a14:hiddenLine xmlns="" xmlns:a14="http://schemas.microsoft.com/office/drawing/2010/main" w="9525">
+                <a14:hiddenLine xmlns:a14="http://schemas.microsoft.com/office/drawing/2010/main" xmlns="" w="9525">
                   <a:solidFill>
                     <a:srgbClr val="000000"/>
                   </a:solidFill>
@@ -1708,7 +1708,7 @@
             </a:ln>
             <a:extLst>
               <a:ext uri="{91240B29-F687-4f45-9708-019B960494DF}">
-                <a14:hiddenLine xmlns="" xmlns:a14="http://schemas.microsoft.com/office/drawing/2010/main" w="9525">
+                <a14:hiddenLine xmlns:a14="http://schemas.microsoft.com/office/drawing/2010/main" xmlns="" w="9525">
                   <a:solidFill>
                     <a:srgbClr val="000000"/>
                   </a:solidFill>
@@ -1764,7 +1764,7 @@
             </a:ln>
             <a:extLst>
               <a:ext uri="{91240B29-F687-4f45-9708-019B960494DF}">
-                <a14:hiddenLine xmlns="" xmlns:a14="http://schemas.microsoft.com/office/drawing/2010/main" w="9525">
+                <a14:hiddenLine xmlns:a14="http://schemas.microsoft.com/office/drawing/2010/main" xmlns="" w="9525">
                   <a:solidFill>
                     <a:srgbClr val="000000"/>
                   </a:solidFill>
@@ -1854,7 +1854,7 @@
             </a:ln>
             <a:extLst>
               <a:ext uri="{91240B29-F687-4f45-9708-019B960494DF}">
-                <a14:hiddenLine xmlns="" xmlns:a14="http://schemas.microsoft.com/office/drawing/2010/main" w="9525">
+                <a14:hiddenLine xmlns:a14="http://schemas.microsoft.com/office/drawing/2010/main" xmlns="" w="9525">
                   <a:solidFill>
                     <a:srgbClr val="000000"/>
                   </a:solidFill>
@@ -1910,7 +1910,7 @@
             </a:ln>
             <a:extLst>
               <a:ext uri="{91240B29-F687-4f45-9708-019B960494DF}">
-                <a14:hiddenLine xmlns="" xmlns:a14="http://schemas.microsoft.com/office/drawing/2010/main" w="9525">
+                <a14:hiddenLine xmlns:a14="http://schemas.microsoft.com/office/drawing/2010/main" xmlns="" w="9525">
                   <a:solidFill>
                     <a:srgbClr val="000000"/>
                   </a:solidFill>
@@ -2000,7 +2000,7 @@
             </a:ln>
             <a:extLst>
               <a:ext uri="{91240B29-F687-4f45-9708-019B960494DF}">
-                <a14:hiddenLine xmlns="" xmlns:a14="http://schemas.microsoft.com/office/drawing/2010/main" w="9525">
+                <a14:hiddenLine xmlns:a14="http://schemas.microsoft.com/office/drawing/2010/main" xmlns="" w="9525">
                   <a:solidFill>
                     <a:srgbClr val="000000"/>
                   </a:solidFill>
@@ -2068,7 +2068,7 @@
             </a:ln>
             <a:extLst>
               <a:ext uri="{91240B29-F687-4f45-9708-019B960494DF}">
-                <a14:hiddenLine xmlns="" xmlns:a14="http://schemas.microsoft.com/office/drawing/2010/main" w="9525">
+                <a14:hiddenLine xmlns:a14="http://schemas.microsoft.com/office/drawing/2010/main" xmlns="" w="9525">
                   <a:solidFill>
                     <a:srgbClr val="000000"/>
                   </a:solidFill>
@@ -2158,7 +2158,7 @@
             </a:ln>
             <a:extLst>
               <a:ext uri="{91240B29-F687-4f45-9708-019B960494DF}">
-                <a14:hiddenLine xmlns="" xmlns:a14="http://schemas.microsoft.com/office/drawing/2010/main" w="9525">
+                <a14:hiddenLine xmlns:a14="http://schemas.microsoft.com/office/drawing/2010/main" xmlns="" w="9525">
                   <a:solidFill>
                     <a:srgbClr val="000000"/>
                   </a:solidFill>
@@ -2226,7 +2226,7 @@
             </a:ln>
             <a:extLst>
               <a:ext uri="{91240B29-F687-4f45-9708-019B960494DF}">
-                <a14:hiddenLine xmlns="" xmlns:a14="http://schemas.microsoft.com/office/drawing/2010/main" w="9525">
+                <a14:hiddenLine xmlns:a14="http://schemas.microsoft.com/office/drawing/2010/main" xmlns="" w="9525">
                   <a:solidFill>
                     <a:srgbClr val="000000"/>
                   </a:solidFill>
@@ -2316,7 +2316,7 @@
             </a:ln>
             <a:extLst>
               <a:ext uri="{91240B29-F687-4f45-9708-019B960494DF}">
-                <a14:hiddenLine xmlns="" xmlns:a14="http://schemas.microsoft.com/office/drawing/2010/main" w="9525">
+                <a14:hiddenLine xmlns:a14="http://schemas.microsoft.com/office/drawing/2010/main" xmlns="" w="9525">
                   <a:solidFill>
                     <a:srgbClr val="000000"/>
                   </a:solidFill>
@@ -2350,7 +2350,7 @@
             </a:ln>
             <a:extLst>
               <a:ext uri="{91240B29-F687-4f45-9708-019B960494DF}">
-                <a14:hiddenLine xmlns="" xmlns:a14="http://schemas.microsoft.com/office/drawing/2010/main" w="9525">
+                <a14:hiddenLine xmlns:a14="http://schemas.microsoft.com/office/drawing/2010/main" xmlns="" w="9525">
                   <a:solidFill>
                     <a:srgbClr val="000000"/>
                   </a:solidFill>
@@ -2440,7 +2440,7 @@
             </a:ln>
             <a:extLst>
               <a:ext uri="{91240B29-F687-4f45-9708-019B960494DF}">
-                <a14:hiddenLine xmlns="" xmlns:a14="http://schemas.microsoft.com/office/drawing/2010/main" w="9525">
+                <a14:hiddenLine xmlns:a14="http://schemas.microsoft.com/office/drawing/2010/main" xmlns="" w="9525">
                   <a:solidFill>
                     <a:srgbClr val="000000"/>
                   </a:solidFill>
@@ -2502,7 +2502,7 @@
             </a:ln>
             <a:extLst>
               <a:ext uri="{91240B29-F687-4f45-9708-019B960494DF}">
-                <a14:hiddenLine xmlns="" xmlns:a14="http://schemas.microsoft.com/office/drawing/2010/main" w="9525">
+                <a14:hiddenLine xmlns:a14="http://schemas.microsoft.com/office/drawing/2010/main" xmlns="" w="9525">
                   <a:solidFill>
                     <a:srgbClr val="000000"/>
                   </a:solidFill>
@@ -2564,7 +2564,7 @@
             </a:ln>
             <a:extLst>
               <a:ext uri="{91240B29-F687-4f45-9708-019B960494DF}">
-                <a14:hiddenLine xmlns="" xmlns:a14="http://schemas.microsoft.com/office/drawing/2010/main" w="9525">
+                <a14:hiddenLine xmlns:a14="http://schemas.microsoft.com/office/drawing/2010/main" xmlns="" w="9525">
                   <a:solidFill>
                     <a:srgbClr val="000000"/>
                   </a:solidFill>
@@ -2654,7 +2654,7 @@
             </a:ln>
             <a:extLst>
               <a:ext uri="{91240B29-F687-4f45-9708-019B960494DF}">
-                <a14:hiddenLine xmlns="" xmlns:a14="http://schemas.microsoft.com/office/drawing/2010/main" w="9525">
+                <a14:hiddenLine xmlns:a14="http://schemas.microsoft.com/office/drawing/2010/main" xmlns="" w="9525">
                   <a:solidFill>
                     <a:srgbClr val="000000"/>
                   </a:solidFill>
@@ -2722,7 +2722,7 @@
             </a:ln>
             <a:extLst>
               <a:ext uri="{91240B29-F687-4f45-9708-019B960494DF}">
-                <a14:hiddenLine xmlns="" xmlns:a14="http://schemas.microsoft.com/office/drawing/2010/main" w="9525">
+                <a14:hiddenLine xmlns:a14="http://schemas.microsoft.com/office/drawing/2010/main" xmlns="" w="9525">
                   <a:solidFill>
                     <a:srgbClr val="000000"/>
                   </a:solidFill>
@@ -2784,7 +2784,7 @@
             </a:ln>
             <a:extLst>
               <a:ext uri="{91240B29-F687-4f45-9708-019B960494DF}">
-                <a14:hiddenLine xmlns="" xmlns:a14="http://schemas.microsoft.com/office/drawing/2010/main" w="9525">
+                <a14:hiddenLine xmlns:a14="http://schemas.microsoft.com/office/drawing/2010/main" xmlns="" w="9525">
                   <a:solidFill>
                     <a:srgbClr val="000000"/>
                   </a:solidFill>
@@ -2874,7 +2874,7 @@
             </a:ln>
             <a:extLst>
               <a:ext uri="{91240B29-F687-4f45-9708-019B960494DF}">
-                <a14:hiddenLine xmlns="" xmlns:a14="http://schemas.microsoft.com/office/drawing/2010/main" w="9525">
+                <a14:hiddenLine xmlns:a14="http://schemas.microsoft.com/office/drawing/2010/main" xmlns="" w="9525">
                   <a:solidFill>
                     <a:srgbClr val="000000"/>
                   </a:solidFill>
@@ -2936,7 +2936,7 @@
             </a:ln>
             <a:extLst>
               <a:ext uri="{91240B29-F687-4f45-9708-019B960494DF}">
-                <a14:hiddenLine xmlns="" xmlns:a14="http://schemas.microsoft.com/office/drawing/2010/main" w="9525">
+                <a14:hiddenLine xmlns:a14="http://schemas.microsoft.com/office/drawing/2010/main" xmlns="" w="9525">
                   <a:solidFill>
                     <a:srgbClr val="000000"/>
                   </a:solidFill>
@@ -3026,7 +3026,7 @@
             </a:ln>
             <a:extLst>
               <a:ext uri="{91240B29-F687-4f45-9708-019B960494DF}">
-                <a14:hiddenLine xmlns="" xmlns:a14="http://schemas.microsoft.com/office/drawing/2010/main" w="9525">
+                <a14:hiddenLine xmlns:a14="http://schemas.microsoft.com/office/drawing/2010/main" xmlns="" w="9525">
                   <a:solidFill>
                     <a:srgbClr val="000000"/>
                   </a:solidFill>
@@ -3088,7 +3088,7 @@
             </a:ln>
             <a:extLst>
               <a:ext uri="{91240B29-F687-4f45-9708-019B960494DF}">
-                <a14:hiddenLine xmlns="" xmlns:a14="http://schemas.microsoft.com/office/drawing/2010/main" w="9525">
+                <a14:hiddenLine xmlns:a14="http://schemas.microsoft.com/office/drawing/2010/main" xmlns="" w="9525">
                   <a:solidFill>
                     <a:srgbClr val="000000"/>
                   </a:solidFill>
@@ -3178,7 +3178,7 @@
             </a:ln>
             <a:extLst>
               <a:ext uri="{91240B29-F687-4f45-9708-019B960494DF}">
-                <a14:hiddenLine xmlns="" xmlns:a14="http://schemas.microsoft.com/office/drawing/2010/main" w="9525">
+                <a14:hiddenLine xmlns:a14="http://schemas.microsoft.com/office/drawing/2010/main" xmlns="" w="9525">
                   <a:solidFill>
                     <a:srgbClr val="000000"/>
                   </a:solidFill>
@@ -3212,7 +3212,7 @@
             </a:ln>
             <a:extLst>
               <a:ext uri="{91240B29-F687-4f45-9708-019B960494DF}">
-                <a14:hiddenLine xmlns="" xmlns:a14="http://schemas.microsoft.com/office/drawing/2010/main" w="9525">
+                <a14:hiddenLine xmlns:a14="http://schemas.microsoft.com/office/drawing/2010/main" xmlns="" w="9525">
                   <a:solidFill>
                     <a:srgbClr val="000000"/>
                   </a:solidFill>
@@ -3277,7 +3277,7 @@
             </a:ln>
             <a:extLst>
               <a:ext uri="{91240B29-F687-4f45-9708-019B960494DF}">
-                <a14:hiddenLine xmlns="" xmlns:a14="http://schemas.microsoft.com/office/drawing/2010/main" w="9525">
+                <a14:hiddenLine xmlns:a14="http://schemas.microsoft.com/office/drawing/2010/main" xmlns="" w="9525">
                   <a:solidFill>
                     <a:srgbClr val="000000"/>
                   </a:solidFill>
@@ -3367,7 +3367,7 @@
             </a:ln>
             <a:extLst>
               <a:ext uri="{91240B29-F687-4f45-9708-019B960494DF}">
-                <a14:hiddenLine xmlns="" xmlns:a14="http://schemas.microsoft.com/office/drawing/2010/main" w="9525">
+                <a14:hiddenLine xmlns:a14="http://schemas.microsoft.com/office/drawing/2010/main" xmlns="" w="9525">
                   <a:solidFill>
                     <a:srgbClr val="000000"/>
                   </a:solidFill>
@@ -3429,7 +3429,7 @@
             </a:ln>
             <a:extLst>
               <a:ext uri="{91240B29-F687-4f45-9708-019B960494DF}">
-                <a14:hiddenLine xmlns="" xmlns:a14="http://schemas.microsoft.com/office/drawing/2010/main" w="9525">
+                <a14:hiddenLine xmlns:a14="http://schemas.microsoft.com/office/drawing/2010/main" xmlns="" w="9525">
                   <a:solidFill>
                     <a:srgbClr val="000000"/>
                   </a:solidFill>
@@ -3519,7 +3519,7 @@
             </a:ln>
             <a:extLst>
               <a:ext uri="{91240B29-F687-4f45-9708-019B960494DF}">
-                <a14:hiddenLine xmlns="" xmlns:a14="http://schemas.microsoft.com/office/drawing/2010/main" w="9525">
+                <a14:hiddenLine xmlns:a14="http://schemas.microsoft.com/office/drawing/2010/main" xmlns="" w="9525">
                   <a:solidFill>
                     <a:srgbClr val="000000"/>
                   </a:solidFill>
@@ -3609,7 +3609,7 @@
             </a:ln>
             <a:extLst>
               <a:ext uri="{91240B29-F687-4f45-9708-019B960494DF}">
-                <a14:hiddenLine xmlns="" xmlns:a14="http://schemas.microsoft.com/office/drawing/2010/main" w="9525">
+                <a14:hiddenLine xmlns:a14="http://schemas.microsoft.com/office/drawing/2010/main" xmlns="" w="9525">
                   <a:solidFill>
                     <a:srgbClr val="000000"/>
                   </a:solidFill>
@@ -3674,7 +3674,7 @@
             </a:ln>
             <a:extLst>
               <a:ext uri="{91240B29-F687-4f45-9708-019B960494DF}">
-                <a14:hiddenLine xmlns="" xmlns:a14="http://schemas.microsoft.com/office/drawing/2010/main" w="9525">
+                <a14:hiddenLine xmlns:a14="http://schemas.microsoft.com/office/drawing/2010/main" xmlns="" w="9525">
                   <a:solidFill>
                     <a:srgbClr val="000000"/>
                   </a:solidFill>
@@ -3736,7 +3736,7 @@
             </a:ln>
             <a:extLst>
               <a:ext uri="{91240B29-F687-4f45-9708-019B960494DF}">
-                <a14:hiddenLine xmlns="" xmlns:a14="http://schemas.microsoft.com/office/drawing/2010/main" w="9525">
+                <a14:hiddenLine xmlns:a14="http://schemas.microsoft.com/office/drawing/2010/main" xmlns="" w="9525">
                   <a:solidFill>
                     <a:srgbClr val="000000"/>
                   </a:solidFill>
@@ -3826,7 +3826,7 @@
             </a:ln>
             <a:extLst>
               <a:ext uri="{91240B29-F687-4f45-9708-019B960494DF}">
-                <a14:hiddenLine xmlns="" xmlns:a14="http://schemas.microsoft.com/office/drawing/2010/main" w="9525">
+                <a14:hiddenLine xmlns:a14="http://schemas.microsoft.com/office/drawing/2010/main" xmlns="" w="9525">
                   <a:solidFill>
                     <a:srgbClr val="000000"/>
                   </a:solidFill>
@@ -3916,7 +3916,7 @@
             </a:ln>
             <a:extLst>
               <a:ext uri="{91240B29-F687-4f45-9708-019B960494DF}">
-                <a14:hiddenLine xmlns="" xmlns:a14="http://schemas.microsoft.com/office/drawing/2010/main" w="9525">
+                <a14:hiddenLine xmlns:a14="http://schemas.microsoft.com/office/drawing/2010/main" xmlns="" w="9525">
                   <a:solidFill>
                     <a:srgbClr val="000000"/>
                   </a:solidFill>
@@ -3978,7 +3978,7 @@
             </a:ln>
             <a:extLst>
               <a:ext uri="{91240B29-F687-4f45-9708-019B960494DF}">
-                <a14:hiddenLine xmlns="" xmlns:a14="http://schemas.microsoft.com/office/drawing/2010/main" w="9525">
+                <a14:hiddenLine xmlns:a14="http://schemas.microsoft.com/office/drawing/2010/main" xmlns="" w="9525">
                   <a:solidFill>
                     <a:srgbClr val="000000"/>
                   </a:solidFill>
@@ -4098,7 +4098,7 @@
             </a:ln>
             <a:extLst>
               <a:ext uri="{91240B29-F687-4f45-9708-019B960494DF}">
-                <a14:hiddenLine xmlns="" xmlns:a14="http://schemas.microsoft.com/office/drawing/2010/main" w="9525">
+                <a14:hiddenLine xmlns:a14="http://schemas.microsoft.com/office/drawing/2010/main" xmlns="" w="9525">
                   <a:solidFill>
                     <a:srgbClr val="000000"/>
                   </a:solidFill>
@@ -4166,7 +4166,7 @@
             </a:ln>
             <a:extLst>
               <a:ext uri="{91240B29-F687-4f45-9708-019B960494DF}">
-                <a14:hiddenLine xmlns="" xmlns:a14="http://schemas.microsoft.com/office/drawing/2010/main" w="9525">
+                <a14:hiddenLine xmlns:a14="http://schemas.microsoft.com/office/drawing/2010/main" xmlns="" w="9525">
                   <a:solidFill>
                     <a:srgbClr val="000000"/>
                   </a:solidFill>
@@ -4256,7 +4256,7 @@
             </a:ln>
             <a:extLst>
               <a:ext uri="{91240B29-F687-4f45-9708-019B960494DF}">
-                <a14:hiddenLine xmlns="" xmlns:a14="http://schemas.microsoft.com/office/drawing/2010/main" w="9525">
+                <a14:hiddenLine xmlns:a14="http://schemas.microsoft.com/office/drawing/2010/main" xmlns="" w="9525">
                   <a:solidFill>
                     <a:srgbClr val="000000"/>
                   </a:solidFill>
@@ -8978,7 +8978,7 @@
           <a:noFill/>
           <a:extLst>
             <a:ext uri="{909E8E84-426E-40dd-AFC4-6F175D3DCCD1}">
-              <a14:hiddenFill xmlns="" xmlns:a14="http://schemas.microsoft.com/office/drawing/2010/main">
+              <a14:hiddenFill xmlns:a14="http://schemas.microsoft.com/office/drawing/2010/main" xmlns="">
                 <a:solidFill>
                   <a:srgbClr val="FFFFFF"/>
                 </a:solidFill>
@@ -9052,7 +9052,7 @@
               </a:ln>
               <a:extLst>
                 <a:ext uri="{91240B29-F687-4f45-9708-019B960494DF}">
-                  <a14:hiddenLine xmlns="" xmlns:a14="http://schemas.microsoft.com/office/drawing/2010/main" w="9525">
+                  <a14:hiddenLine xmlns:a14="http://schemas.microsoft.com/office/drawing/2010/main" xmlns="" w="9525">
                     <a:solidFill>
                       <a:srgbClr val="000000"/>
                     </a:solidFill>
@@ -9142,7 +9142,7 @@
               </a:ln>
               <a:extLst>
                 <a:ext uri="{91240B29-F687-4f45-9708-019B960494DF}">
-                  <a14:hiddenLine xmlns="" xmlns:a14="http://schemas.microsoft.com/office/drawing/2010/main" w="9525">
+                  <a14:hiddenLine xmlns:a14="http://schemas.microsoft.com/office/drawing/2010/main" xmlns="" w="9525">
                     <a:solidFill>
                       <a:srgbClr val="000000"/>
                     </a:solidFill>
@@ -9232,7 +9232,7 @@
               </a:ln>
               <a:extLst>
                 <a:ext uri="{91240B29-F687-4f45-9708-019B960494DF}">
-                  <a14:hiddenLine xmlns="" xmlns:a14="http://schemas.microsoft.com/office/drawing/2010/main" w="9525">
+                  <a14:hiddenLine xmlns:a14="http://schemas.microsoft.com/office/drawing/2010/main" xmlns="" w="9525">
                     <a:solidFill>
                       <a:srgbClr val="000000"/>
                     </a:solidFill>
@@ -9294,7 +9294,7 @@
               </a:ln>
               <a:extLst>
                 <a:ext uri="{91240B29-F687-4f45-9708-019B960494DF}">
-                  <a14:hiddenLine xmlns="" xmlns:a14="http://schemas.microsoft.com/office/drawing/2010/main" w="9525">
+                  <a14:hiddenLine xmlns:a14="http://schemas.microsoft.com/office/drawing/2010/main" xmlns="" w="9525">
                     <a:solidFill>
                       <a:srgbClr val="000000"/>
                     </a:solidFill>
@@ -9384,7 +9384,7 @@
               </a:ln>
               <a:extLst>
                 <a:ext uri="{91240B29-F687-4f45-9708-019B960494DF}">
-                  <a14:hiddenLine xmlns="" xmlns:a14="http://schemas.microsoft.com/office/drawing/2010/main" w="9525">
+                  <a14:hiddenLine xmlns:a14="http://schemas.microsoft.com/office/drawing/2010/main" xmlns="" w="9525">
                     <a:solidFill>
                       <a:srgbClr val="000000"/>
                     </a:solidFill>
@@ -9446,7 +9446,7 @@
               </a:ln>
               <a:extLst>
                 <a:ext uri="{91240B29-F687-4f45-9708-019B960494DF}">
-                  <a14:hiddenLine xmlns="" xmlns:a14="http://schemas.microsoft.com/office/drawing/2010/main" w="9525">
+                  <a14:hiddenLine xmlns:a14="http://schemas.microsoft.com/office/drawing/2010/main" xmlns="" w="9525">
                     <a:solidFill>
                       <a:srgbClr val="000000"/>
                     </a:solidFill>
@@ -9508,7 +9508,7 @@
               </a:ln>
               <a:extLst>
                 <a:ext uri="{91240B29-F687-4f45-9708-019B960494DF}">
-                  <a14:hiddenLine xmlns="" xmlns:a14="http://schemas.microsoft.com/office/drawing/2010/main" w="9525">
+                  <a14:hiddenLine xmlns:a14="http://schemas.microsoft.com/office/drawing/2010/main" xmlns="" w="9525">
                     <a:solidFill>
                       <a:srgbClr val="000000"/>
                     </a:solidFill>
@@ -9598,7 +9598,7 @@
               </a:ln>
               <a:extLst>
                 <a:ext uri="{91240B29-F687-4f45-9708-019B960494DF}">
-                  <a14:hiddenLine xmlns="" xmlns:a14="http://schemas.microsoft.com/office/drawing/2010/main" w="9525">
+                  <a14:hiddenLine xmlns:a14="http://schemas.microsoft.com/office/drawing/2010/main" xmlns="" w="9525">
                     <a:solidFill>
                       <a:srgbClr val="000000"/>
                     </a:solidFill>
@@ -9688,7 +9688,7 @@
               </a:ln>
               <a:extLst>
                 <a:ext uri="{91240B29-F687-4f45-9708-019B960494DF}">
-                  <a14:hiddenLine xmlns="" xmlns:a14="http://schemas.microsoft.com/office/drawing/2010/main" w="9525">
+                  <a14:hiddenLine xmlns:a14="http://schemas.microsoft.com/office/drawing/2010/main" xmlns="" w="9525">
                     <a:solidFill>
                       <a:srgbClr val="000000"/>
                     </a:solidFill>
@@ -9750,7 +9750,7 @@
               </a:ln>
               <a:extLst>
                 <a:ext uri="{91240B29-F687-4f45-9708-019B960494DF}">
-                  <a14:hiddenLine xmlns="" xmlns:a14="http://schemas.microsoft.com/office/drawing/2010/main" w="9525">
+                  <a14:hiddenLine xmlns:a14="http://schemas.microsoft.com/office/drawing/2010/main" xmlns="" w="9525">
                     <a:solidFill>
                       <a:srgbClr val="000000"/>
                     </a:solidFill>
@@ -9860,7 +9860,7 @@
               </a:ln>
               <a:extLst>
                 <a:ext uri="{91240B29-F687-4f45-9708-019B960494DF}">
-                  <a14:hiddenLine xmlns="" xmlns:a14="http://schemas.microsoft.com/office/drawing/2010/main" w="9525">
+                  <a14:hiddenLine xmlns:a14="http://schemas.microsoft.com/office/drawing/2010/main" xmlns="" w="9525">
                     <a:solidFill>
                       <a:srgbClr val="000000"/>
                     </a:solidFill>
@@ -9944,7 +9944,7 @@
               </a:ln>
               <a:extLst>
                 <a:ext uri="{91240B29-F687-4f45-9708-019B960494DF}">
-                  <a14:hiddenLine xmlns="" xmlns:a14="http://schemas.microsoft.com/office/drawing/2010/main" w="9525">
+                  <a14:hiddenLine xmlns:a14="http://schemas.microsoft.com/office/drawing/2010/main" xmlns="" w="9525">
                     <a:solidFill>
                       <a:srgbClr val="000000"/>
                     </a:solidFill>
@@ -10006,7 +10006,7 @@
               </a:ln>
               <a:extLst>
                 <a:ext uri="{91240B29-F687-4f45-9708-019B960494DF}">
-                  <a14:hiddenLine xmlns="" xmlns:a14="http://schemas.microsoft.com/office/drawing/2010/main" w="9525">
+                  <a14:hiddenLine xmlns:a14="http://schemas.microsoft.com/office/drawing/2010/main" xmlns="" w="9525">
                     <a:solidFill>
                       <a:srgbClr val="000000"/>
                     </a:solidFill>
@@ -10068,7 +10068,7 @@
               </a:ln>
               <a:extLst>
                 <a:ext uri="{91240B29-F687-4f45-9708-019B960494DF}">
-                  <a14:hiddenLine xmlns="" xmlns:a14="http://schemas.microsoft.com/office/drawing/2010/main" w="9525">
+                  <a14:hiddenLine xmlns:a14="http://schemas.microsoft.com/office/drawing/2010/main" xmlns="" w="9525">
                     <a:solidFill>
                       <a:srgbClr val="000000"/>
                     </a:solidFill>
@@ -10158,7 +10158,7 @@
               </a:ln>
               <a:extLst>
                 <a:ext uri="{91240B29-F687-4f45-9708-019B960494DF}">
-                  <a14:hiddenLine xmlns="" xmlns:a14="http://schemas.microsoft.com/office/drawing/2010/main" w="9525">
+                  <a14:hiddenLine xmlns:a14="http://schemas.microsoft.com/office/drawing/2010/main" xmlns="" w="9525">
                     <a:solidFill>
                       <a:srgbClr val="000000"/>
                     </a:solidFill>
@@ -10192,7 +10192,7 @@
               </a:ln>
               <a:extLst>
                 <a:ext uri="{91240B29-F687-4f45-9708-019B960494DF}">
-                  <a14:hiddenLine xmlns="" xmlns:a14="http://schemas.microsoft.com/office/drawing/2010/main" w="9525">
+                  <a14:hiddenLine xmlns:a14="http://schemas.microsoft.com/office/drawing/2010/main" xmlns="" w="9525">
                     <a:solidFill>
                       <a:srgbClr val="000000"/>
                     </a:solidFill>
@@ -10257,7 +10257,7 @@
               </a:ln>
               <a:extLst>
                 <a:ext uri="{91240B29-F687-4f45-9708-019B960494DF}">
-                  <a14:hiddenLine xmlns="" xmlns:a14="http://schemas.microsoft.com/office/drawing/2010/main" w="9525">
+                  <a14:hiddenLine xmlns:a14="http://schemas.microsoft.com/office/drawing/2010/main" xmlns="" w="9525">
                     <a:solidFill>
                       <a:srgbClr val="000000"/>
                     </a:solidFill>
@@ -10347,7 +10347,7 @@
               </a:ln>
               <a:extLst>
                 <a:ext uri="{91240B29-F687-4f45-9708-019B960494DF}">
-                  <a14:hiddenLine xmlns="" xmlns:a14="http://schemas.microsoft.com/office/drawing/2010/main" w="9525">
+                  <a14:hiddenLine xmlns:a14="http://schemas.microsoft.com/office/drawing/2010/main" xmlns="" w="9525">
                     <a:solidFill>
                       <a:srgbClr val="000000"/>
                     </a:solidFill>
@@ -10409,7 +10409,7 @@
               </a:ln>
               <a:extLst>
                 <a:ext uri="{91240B29-F687-4f45-9708-019B960494DF}">
-                  <a14:hiddenLine xmlns="" xmlns:a14="http://schemas.microsoft.com/office/drawing/2010/main" w="9525">
+                  <a14:hiddenLine xmlns:a14="http://schemas.microsoft.com/office/drawing/2010/main" xmlns="" w="9525">
                     <a:solidFill>
                       <a:srgbClr val="000000"/>
                     </a:solidFill>
@@ -10499,7 +10499,7 @@
               </a:ln>
               <a:extLst>
                 <a:ext uri="{91240B29-F687-4f45-9708-019B960494DF}">
-                  <a14:hiddenLine xmlns="" xmlns:a14="http://schemas.microsoft.com/office/drawing/2010/main" w="9525">
+                  <a14:hiddenLine xmlns:a14="http://schemas.microsoft.com/office/drawing/2010/main" xmlns="" w="9525">
                     <a:solidFill>
                       <a:srgbClr val="000000"/>
                     </a:solidFill>
@@ -10564,7 +10564,7 @@
               </a:ln>
               <a:extLst>
                 <a:ext uri="{91240B29-F687-4f45-9708-019B960494DF}">
-                  <a14:hiddenLine xmlns="" xmlns:a14="http://schemas.microsoft.com/office/drawing/2010/main" w="9525">
+                  <a14:hiddenLine xmlns:a14="http://schemas.microsoft.com/office/drawing/2010/main" xmlns="" w="9525">
                     <a:solidFill>
                       <a:srgbClr val="000000"/>
                     </a:solidFill>
@@ -10626,7 +10626,7 @@
               </a:ln>
               <a:extLst>
                 <a:ext uri="{91240B29-F687-4f45-9708-019B960494DF}">
-                  <a14:hiddenLine xmlns="" xmlns:a14="http://schemas.microsoft.com/office/drawing/2010/main" w="9525">
+                  <a14:hiddenLine xmlns:a14="http://schemas.microsoft.com/office/drawing/2010/main" xmlns="" w="9525">
                     <a:solidFill>
                       <a:srgbClr val="000000"/>
                     </a:solidFill>
@@ -10716,7 +10716,7 @@
               </a:ln>
               <a:extLst>
                 <a:ext uri="{91240B29-F687-4f45-9708-019B960494DF}">
-                  <a14:hiddenLine xmlns="" xmlns:a14="http://schemas.microsoft.com/office/drawing/2010/main" w="9525">
+                  <a14:hiddenLine xmlns:a14="http://schemas.microsoft.com/office/drawing/2010/main" xmlns="" w="9525">
                     <a:solidFill>
                       <a:srgbClr val="000000"/>
                     </a:solidFill>
@@ -10806,7 +10806,7 @@
               </a:ln>
               <a:extLst>
                 <a:ext uri="{91240B29-F687-4f45-9708-019B960494DF}">
-                  <a14:hiddenLine xmlns="" xmlns:a14="http://schemas.microsoft.com/office/drawing/2010/main" w="9525">
+                  <a14:hiddenLine xmlns:a14="http://schemas.microsoft.com/office/drawing/2010/main" xmlns="" w="9525">
                     <a:solidFill>
                       <a:srgbClr val="000000"/>
                     </a:solidFill>
@@ -10871,7 +10871,7 @@
               </a:ln>
               <a:extLst>
                 <a:ext uri="{91240B29-F687-4f45-9708-019B960494DF}">
-                  <a14:hiddenLine xmlns="" xmlns:a14="http://schemas.microsoft.com/office/drawing/2010/main" w="9525">
+                  <a14:hiddenLine xmlns:a14="http://schemas.microsoft.com/office/drawing/2010/main" xmlns="" w="9525">
                     <a:solidFill>
                       <a:srgbClr val="000000"/>
                     </a:solidFill>
@@ -10991,7 +10991,7 @@
               </a:ln>
               <a:extLst>
                 <a:ext uri="{91240B29-F687-4f45-9708-019B960494DF}">
-                  <a14:hiddenLine xmlns="" xmlns:a14="http://schemas.microsoft.com/office/drawing/2010/main" w="9525">
+                  <a14:hiddenLine xmlns:a14="http://schemas.microsoft.com/office/drawing/2010/main" xmlns="" w="9525">
                     <a:solidFill>
                       <a:srgbClr val="000000"/>
                     </a:solidFill>
@@ -11089,7 +11089,7 @@
               </a:ln>
               <a:extLst>
                 <a:ext uri="{91240B29-F687-4f45-9708-019B960494DF}">
-                  <a14:hiddenLine xmlns="" xmlns:a14="http://schemas.microsoft.com/office/drawing/2010/main" w="9525">
+                  <a14:hiddenLine xmlns:a14="http://schemas.microsoft.com/office/drawing/2010/main" xmlns="" w="9525">
                     <a:solidFill>
                       <a:srgbClr val="000000"/>
                     </a:solidFill>
@@ -11204,7 +11204,7 @@
               </a:ln>
               <a:extLst>
                 <a:ext uri="{91240B29-F687-4f45-9708-019B960494DF}">
-                  <a14:hiddenLine xmlns="" xmlns:a14="http://schemas.microsoft.com/office/drawing/2010/main" w="9525">
+                  <a14:hiddenLine xmlns:a14="http://schemas.microsoft.com/office/drawing/2010/main" xmlns="" w="9525">
                     <a:solidFill>
                       <a:srgbClr val="000000"/>
                     </a:solidFill>
@@ -11294,7 +11294,7 @@
               </a:ln>
               <a:extLst>
                 <a:ext uri="{91240B29-F687-4f45-9708-019B960494DF}">
-                  <a14:hiddenLine xmlns="" xmlns:a14="http://schemas.microsoft.com/office/drawing/2010/main" w="9525">
+                  <a14:hiddenLine xmlns:a14="http://schemas.microsoft.com/office/drawing/2010/main" xmlns="" w="9525">
                     <a:solidFill>
                       <a:srgbClr val="000000"/>
                     </a:solidFill>
@@ -11359,7 +11359,7 @@
               </a:ln>
               <a:extLst>
                 <a:ext uri="{91240B29-F687-4f45-9708-019B960494DF}">
-                  <a14:hiddenLine xmlns="" xmlns:a14="http://schemas.microsoft.com/office/drawing/2010/main" w="9525">
+                  <a14:hiddenLine xmlns:a14="http://schemas.microsoft.com/office/drawing/2010/main" xmlns="" w="9525">
                     <a:solidFill>
                       <a:srgbClr val="000000"/>
                     </a:solidFill>
@@ -11449,7 +11449,7 @@
               </a:ln>
               <a:extLst>
                 <a:ext uri="{91240B29-F687-4f45-9708-019B960494DF}">
-                  <a14:hiddenLine xmlns="" xmlns:a14="http://schemas.microsoft.com/office/drawing/2010/main" w="9525">
+                  <a14:hiddenLine xmlns:a14="http://schemas.microsoft.com/office/drawing/2010/main" xmlns="" w="9525">
                     <a:solidFill>
                       <a:srgbClr val="000000"/>
                     </a:solidFill>
@@ -11517,7 +11517,7 @@
               </a:ln>
               <a:extLst>
                 <a:ext uri="{91240B29-F687-4f45-9708-019B960494DF}">
-                  <a14:hiddenLine xmlns="" xmlns:a14="http://schemas.microsoft.com/office/drawing/2010/main" w="9525">
+                  <a14:hiddenLine xmlns:a14="http://schemas.microsoft.com/office/drawing/2010/main" xmlns="" w="9525">
                     <a:solidFill>
                       <a:srgbClr val="000000"/>
                     </a:solidFill>
@@ -11607,7 +11607,7 @@
               </a:ln>
               <a:extLst>
                 <a:ext uri="{91240B29-F687-4f45-9708-019B960494DF}">
-                  <a14:hiddenLine xmlns="" xmlns:a14="http://schemas.microsoft.com/office/drawing/2010/main" w="9525">
+                  <a14:hiddenLine xmlns:a14="http://schemas.microsoft.com/office/drawing/2010/main" xmlns="" w="9525">
                     <a:solidFill>
                       <a:srgbClr val="000000"/>
                     </a:solidFill>
@@ -11675,7 +11675,7 @@
               </a:ln>
               <a:extLst>
                 <a:ext uri="{91240B29-F687-4f45-9708-019B960494DF}">
-                  <a14:hiddenLine xmlns="" xmlns:a14="http://schemas.microsoft.com/office/drawing/2010/main" w="9525">
+                  <a14:hiddenLine xmlns:a14="http://schemas.microsoft.com/office/drawing/2010/main" xmlns="" w="9525">
                     <a:solidFill>
                       <a:srgbClr val="000000"/>
                     </a:solidFill>
@@ -11765,7 +11765,7 @@
               </a:ln>
               <a:extLst>
                 <a:ext uri="{91240B29-F687-4f45-9708-019B960494DF}">
-                  <a14:hiddenLine xmlns="" xmlns:a14="http://schemas.microsoft.com/office/drawing/2010/main" w="9525">
+                  <a14:hiddenLine xmlns:a14="http://schemas.microsoft.com/office/drawing/2010/main" xmlns="" w="9525">
                     <a:solidFill>
                       <a:srgbClr val="000000"/>
                     </a:solidFill>
@@ -11799,7 +11799,7 @@
               </a:ln>
               <a:extLst>
                 <a:ext uri="{91240B29-F687-4f45-9708-019B960494DF}">
-                  <a14:hiddenLine xmlns="" xmlns:a14="http://schemas.microsoft.com/office/drawing/2010/main" w="9525">
+                  <a14:hiddenLine xmlns:a14="http://schemas.microsoft.com/office/drawing/2010/main" xmlns="" w="9525">
                     <a:solidFill>
                       <a:srgbClr val="000000"/>
                     </a:solidFill>
@@ -12495,17 +12495,19 @@
           <a:p>
             <a:r>
               <a:rPr lang="en-US" dirty="0"/>
-              <a:t>Twitter has wealth of data</a:t>
-            </a:r>
-          </a:p>
-          <a:p>
-            <a:r>
-              <a:rPr lang="en-US" dirty="0" err="1"/>
-              <a:t>Tmobile</a:t>
-            </a:r>
+              <a:t>Twitter has wealth of data that can be used for various forms of analysis but it can be a bit daunting to tackle</a:t>
+            </a:r>
+          </a:p>
+          <a:p>
             <a:r>
               <a:rPr lang="en-US" dirty="0"/>
-              <a:t> merger</a:t>
+              <a:t>We will be discussing how to develop a twitter streaming script and pull the data into a database (MongoDB) </a:t>
+            </a:r>
+          </a:p>
+          <a:p>
+            <a:r>
+              <a:rPr lang="en-US" dirty="0"/>
+              <a:t>Specifically, we have an interest in examining how much attention is being generated related to the T-Mobile &amp; Sprint merger</a:t>
             </a:r>
           </a:p>
         </p:txBody>
@@ -12592,15 +12594,9 @@
         </p:spPr>
         <p:txBody>
           <a:bodyPr>
-            <a:normAutofit fontScale="92500" lnSpcReduction="10000"/>
+            <a:normAutofit/>
           </a:bodyPr>
           <a:lstStyle/>
-          <a:p>
-            <a:r>
-              <a:rPr lang="en-US" dirty="0"/>
-              <a:t>With recent bad press related to fake news, concerns about usage of data, and general nefarious bot spam, Twitter has tightened access to data</a:t>
-            </a:r>
-          </a:p>
           <a:p>
             <a:r>
               <a:rPr lang="en-US" dirty="0"/>
@@ -12779,7 +12775,12 @@
             <p:ph idx="1"/>
           </p:nvPr>
         </p:nvSpPr>
-        <p:spPr/>
+        <p:spPr>
+          <a:xfrm>
+            <a:off x="1141412" y="2249487"/>
+            <a:ext cx="9905999" cy="4388380"/>
+          </a:xfrm>
+        </p:spPr>
         <p:txBody>
           <a:bodyPr/>
           <a:lstStyle/>
@@ -12793,7 +12794,7 @@
             <a:pPr lvl="1"/>
             <a:r>
               <a:rPr lang="en-US" dirty="0"/>
-              <a:t>We know things like mentions, hashtags, and general formats that can be used, but we really don’t what will and will not be included as it is up to the user</a:t>
+              <a:t>We know things like mentions, hashtags, and general formats that can be used, but we really don’t what will and will not be included for each tweet</a:t>
             </a:r>
           </a:p>
           <a:p>
@@ -12810,8 +12811,77 @@
               <a:t> solution with MongoDB makes sense.</a:t>
             </a:r>
           </a:p>
+          <a:p>
+            <a:pPr lvl="1"/>
+            <a:r>
+              <a:rPr lang="en-US" dirty="0"/>
+              <a:t>This allows for much more flexibility in data that is captured and is actually easier to develop for.</a:t>
+            </a:r>
+          </a:p>
+          <a:p>
+            <a:pPr lvl="1"/>
+            <a:r>
+              <a:rPr lang="en-US" dirty="0"/>
+              <a:t>Did examine pushing data into a </a:t>
+            </a:r>
+            <a:r>
+              <a:rPr lang="en-US" dirty="0" err="1"/>
+              <a:t>MySql</a:t>
+            </a:r>
+            <a:r>
+              <a:rPr lang="en-US" dirty="0"/>
+              <a:t> Solution, but this presents limited flexibility and many compromises since the developer would need to </a:t>
+            </a:r>
+          </a:p>
         </p:txBody>
       </p:sp>
+      <p:pic>
+        <p:nvPicPr>
+          <p:cNvPr id="1026" name="Picture 2" descr="Image result for mongodb">
+            <a:extLst>
+              <a:ext uri="{FF2B5EF4-FFF2-40B4-BE49-F238E27FC236}">
+                <a16:creationId xmlns:a16="http://schemas.microsoft.com/office/drawing/2014/main" id="{2605B9FF-C944-4E98-A472-8A9E5451FFA6}"/>
+              </a:ext>
+            </a:extLst>
+          </p:cNvPr>
+          <p:cNvPicPr>
+            <a:picLocks noChangeAspect="1" noChangeArrowheads="1"/>
+          </p:cNvPicPr>
+          <p:nvPr/>
+        </p:nvPicPr>
+        <p:blipFill>
+          <a:blip r:embed="rId2">
+            <a:extLst>
+              <a:ext uri="{28A0092B-C50C-407E-A947-70E740481C1C}">
+                <a14:useLocalDpi xmlns:a14="http://schemas.microsoft.com/office/drawing/2010/main" val="0"/>
+              </a:ext>
+            </a:extLst>
+          </a:blip>
+          <a:srcRect/>
+          <a:stretch>
+            <a:fillRect/>
+          </a:stretch>
+        </p:blipFill>
+        <p:spPr bwMode="auto">
+          <a:xfrm>
+            <a:off x="9008533" y="-152401"/>
+            <a:ext cx="2438400" cy="2438400"/>
+          </a:xfrm>
+          <a:prstGeom prst="rect">
+            <a:avLst/>
+          </a:prstGeom>
+          <a:noFill/>
+          <a:extLst>
+            <a:ext uri="{909E8E84-426E-40DD-AFC4-6F175D3DCCD1}">
+              <a14:hiddenFill xmlns:a14="http://schemas.microsoft.com/office/drawing/2010/main">
+                <a:solidFill>
+                  <a:srgbClr val="FFFFFF"/>
+                </a:solidFill>
+              </a14:hiddenFill>
+            </a:ext>
+          </a:extLst>
+        </p:spPr>
+      </p:pic>
     </p:spTree>
     <p:extLst>
       <p:ext uri="{BB962C8B-B14F-4D97-AF65-F5344CB8AC3E}">
@@ -12865,7 +12935,7 @@
           <a:p>
             <a:r>
               <a:rPr lang="en-US" dirty="0"/>
-              <a:t>Streaming vs batching vs history</a:t>
+              <a:t>Streaming vs batching vs historical</a:t>
             </a:r>
           </a:p>
         </p:txBody>
@@ -13122,14 +13192,19 @@
             <p:ph type="title"/>
           </p:nvPr>
         </p:nvSpPr>
-        <p:spPr/>
+        <p:spPr>
+          <a:xfrm>
+            <a:off x="1141412" y="683832"/>
+            <a:ext cx="9905998" cy="1478570"/>
+          </a:xfrm>
+        </p:spPr>
         <p:txBody>
           <a:bodyPr/>
           <a:lstStyle/>
           <a:p>
             <a:r>
               <a:rPr lang="en-US" dirty="0"/>
-              <a:t>Performance - Batch</a:t>
+              <a:t>Performance – Batch/User Based</a:t>
             </a:r>
           </a:p>
         </p:txBody>
@@ -13157,7 +13232,20 @@
           <a:p>
             <a:r>
               <a:rPr lang="en-US" dirty="0"/>
-              <a:t>Bat</a:t>
+              <a:t>Batch based analysis can be done pull historical data from 1 or more users</a:t>
+            </a:r>
+          </a:p>
+          <a:p>
+            <a:r>
+              <a:rPr lang="en-US" dirty="0"/>
+              <a:t>This does allow for deeper dives into targeted historical data</a:t>
+            </a:r>
+          </a:p>
+          <a:p>
+            <a:pPr lvl="1"/>
+            <a:r>
+              <a:rPr lang="en-US" dirty="0"/>
+              <a:t>This does greatly limit our ability to sample the population however</a:t>
             </a:r>
           </a:p>
         </p:txBody>

--- a/7330 Twitter data project Presentation.pptx
+++ b/7330 Twitter data project Presentation.pptx
@@ -13,7 +13,8 @@
     <p:sldId id="261" r:id="rId7"/>
     <p:sldId id="264" r:id="rId8"/>
     <p:sldId id="259" r:id="rId9"/>
-    <p:sldId id="263" r:id="rId10"/>
+    <p:sldId id="266" r:id="rId10"/>
+    <p:sldId id="263" r:id="rId11"/>
   </p:sldIdLst>
   <p:sldSz cx="12192000" cy="6858000"/>
   <p:notesSz cx="6858000" cy="9144000"/>
@@ -170,7 +171,7 @@
           <a:noFill/>
           <a:extLst>
             <a:ext uri="{909E8E84-426E-40dd-AFC4-6F175D3DCCD1}">
-              <a14:hiddenFill xmlns:a14="http://schemas.microsoft.com/office/drawing/2010/main" xmlns="">
+              <a14:hiddenFill xmlns="" xmlns:a14="http://schemas.microsoft.com/office/drawing/2010/main">
                 <a:solidFill>
                   <a:srgbClr val="FFFFFF"/>
                 </a:solidFill>
@@ -230,7 +231,7 @@
             </a:ln>
             <a:extLst>
               <a:ext uri="{91240B29-F687-4f45-9708-019B960494DF}">
-                <a14:hiddenLine xmlns:a14="http://schemas.microsoft.com/office/drawing/2010/main" xmlns="" w="9525">
+                <a14:hiddenLine xmlns="" xmlns:a14="http://schemas.microsoft.com/office/drawing/2010/main" w="9525">
                   <a:solidFill>
                     <a:srgbClr val="000000"/>
                   </a:solidFill>
@@ -320,7 +321,7 @@
             </a:ln>
             <a:extLst>
               <a:ext uri="{91240B29-F687-4f45-9708-019B960494DF}">
-                <a14:hiddenLine xmlns:a14="http://schemas.microsoft.com/office/drawing/2010/main" xmlns="" w="9525">
+                <a14:hiddenLine xmlns="" xmlns:a14="http://schemas.microsoft.com/office/drawing/2010/main" w="9525">
                   <a:solidFill>
                     <a:srgbClr val="000000"/>
                   </a:solidFill>
@@ -410,7 +411,7 @@
             </a:ln>
             <a:extLst>
               <a:ext uri="{91240B29-F687-4f45-9708-019B960494DF}">
-                <a14:hiddenLine xmlns:a14="http://schemas.microsoft.com/office/drawing/2010/main" xmlns="" w="9525">
+                <a14:hiddenLine xmlns="" xmlns:a14="http://schemas.microsoft.com/office/drawing/2010/main" w="9525">
                   <a:solidFill>
                     <a:srgbClr val="000000"/>
                   </a:solidFill>
@@ -444,7 +445,7 @@
             </a:ln>
             <a:extLst>
               <a:ext uri="{91240B29-F687-4f45-9708-019B960494DF}">
-                <a14:hiddenLine xmlns:a14="http://schemas.microsoft.com/office/drawing/2010/main" xmlns="" w="9525">
+                <a14:hiddenLine xmlns="" xmlns:a14="http://schemas.microsoft.com/office/drawing/2010/main" w="9525">
                   <a:solidFill>
                     <a:srgbClr val="000000"/>
                   </a:solidFill>
@@ -534,7 +535,7 @@
             </a:ln>
             <a:extLst>
               <a:ext uri="{91240B29-F687-4f45-9708-019B960494DF}">
-                <a14:hiddenLine xmlns:a14="http://schemas.microsoft.com/office/drawing/2010/main" xmlns="" w="9525">
+                <a14:hiddenLine xmlns="" xmlns:a14="http://schemas.microsoft.com/office/drawing/2010/main" w="9525">
                   <a:solidFill>
                     <a:srgbClr val="000000"/>
                   </a:solidFill>
@@ -596,7 +597,7 @@
             </a:ln>
             <a:extLst>
               <a:ext uri="{91240B29-F687-4f45-9708-019B960494DF}">
-                <a14:hiddenLine xmlns:a14="http://schemas.microsoft.com/office/drawing/2010/main" xmlns="" w="9525">
+                <a14:hiddenLine xmlns="" xmlns:a14="http://schemas.microsoft.com/office/drawing/2010/main" w="9525">
                   <a:solidFill>
                     <a:srgbClr val="000000"/>
                   </a:solidFill>
@@ -658,7 +659,7 @@
             </a:ln>
             <a:extLst>
               <a:ext uri="{91240B29-F687-4f45-9708-019B960494DF}">
-                <a14:hiddenLine xmlns:a14="http://schemas.microsoft.com/office/drawing/2010/main" xmlns="" w="9525">
+                <a14:hiddenLine xmlns="" xmlns:a14="http://schemas.microsoft.com/office/drawing/2010/main" w="9525">
                   <a:solidFill>
                     <a:srgbClr val="000000"/>
                   </a:solidFill>
@@ -748,7 +749,7 @@
             </a:ln>
             <a:extLst>
               <a:ext uri="{91240B29-F687-4f45-9708-019B960494DF}">
-                <a14:hiddenLine xmlns:a14="http://schemas.microsoft.com/office/drawing/2010/main" xmlns="" w="9525">
+                <a14:hiddenLine xmlns="" xmlns:a14="http://schemas.microsoft.com/office/drawing/2010/main" w="9525">
                   <a:solidFill>
                     <a:srgbClr val="000000"/>
                   </a:solidFill>
@@ -810,7 +811,7 @@
             </a:ln>
             <a:extLst>
               <a:ext uri="{91240B29-F687-4f45-9708-019B960494DF}">
-                <a14:hiddenLine xmlns:a14="http://schemas.microsoft.com/office/drawing/2010/main" xmlns="" w="9525">
+                <a14:hiddenLine xmlns="" xmlns:a14="http://schemas.microsoft.com/office/drawing/2010/main" w="9525">
                   <a:solidFill>
                     <a:srgbClr val="000000"/>
                   </a:solidFill>
@@ -872,7 +873,7 @@
             </a:ln>
             <a:extLst>
               <a:ext uri="{91240B29-F687-4f45-9708-019B960494DF}">
-                <a14:hiddenLine xmlns:a14="http://schemas.microsoft.com/office/drawing/2010/main" xmlns="" w="9525">
+                <a14:hiddenLine xmlns="" xmlns:a14="http://schemas.microsoft.com/office/drawing/2010/main" w="9525">
                   <a:solidFill>
                     <a:srgbClr val="000000"/>
                   </a:solidFill>
@@ -962,7 +963,7 @@
             </a:ln>
             <a:extLst>
               <a:ext uri="{91240B29-F687-4f45-9708-019B960494DF}">
-                <a14:hiddenLine xmlns:a14="http://schemas.microsoft.com/office/drawing/2010/main" xmlns="" w="9525">
+                <a14:hiddenLine xmlns="" xmlns:a14="http://schemas.microsoft.com/office/drawing/2010/main" w="9525">
                   <a:solidFill>
                     <a:srgbClr val="000000"/>
                   </a:solidFill>
@@ -1052,7 +1053,7 @@
             </a:ln>
             <a:extLst>
               <a:ext uri="{91240B29-F687-4f45-9708-019B960494DF}">
-                <a14:hiddenLine xmlns:a14="http://schemas.microsoft.com/office/drawing/2010/main" xmlns="" w="9525">
+                <a14:hiddenLine xmlns="" xmlns:a14="http://schemas.microsoft.com/office/drawing/2010/main" w="9525">
                   <a:solidFill>
                     <a:srgbClr val="000000"/>
                   </a:solidFill>
@@ -1114,7 +1115,7 @@
             </a:ln>
             <a:extLst>
               <a:ext uri="{91240B29-F687-4f45-9708-019B960494DF}">
-                <a14:hiddenLine xmlns:a14="http://schemas.microsoft.com/office/drawing/2010/main" xmlns="" w="9525">
+                <a14:hiddenLine xmlns="" xmlns:a14="http://schemas.microsoft.com/office/drawing/2010/main" w="9525">
                   <a:solidFill>
                     <a:srgbClr val="000000"/>
                   </a:solidFill>
@@ -1224,7 +1225,7 @@
             </a:ln>
             <a:extLst>
               <a:ext uri="{91240B29-F687-4f45-9708-019B960494DF}">
-                <a14:hiddenLine xmlns:a14="http://schemas.microsoft.com/office/drawing/2010/main" xmlns="" w="9525">
+                <a14:hiddenLine xmlns="" xmlns:a14="http://schemas.microsoft.com/office/drawing/2010/main" w="9525">
                   <a:solidFill>
                     <a:srgbClr val="000000"/>
                   </a:solidFill>
@@ -1286,7 +1287,7 @@
             </a:ln>
             <a:extLst>
               <a:ext uri="{91240B29-F687-4f45-9708-019B960494DF}">
-                <a14:hiddenLine xmlns:a14="http://schemas.microsoft.com/office/drawing/2010/main" xmlns="" w="9525">
+                <a14:hiddenLine xmlns="" xmlns:a14="http://schemas.microsoft.com/office/drawing/2010/main" w="9525">
                   <a:solidFill>
                     <a:srgbClr val="000000"/>
                   </a:solidFill>
@@ -1376,7 +1377,7 @@
             </a:ln>
             <a:extLst>
               <a:ext uri="{91240B29-F687-4f45-9708-019B960494DF}">
-                <a14:hiddenLine xmlns:a14="http://schemas.microsoft.com/office/drawing/2010/main" xmlns="" w="9525">
+                <a14:hiddenLine xmlns="" xmlns:a14="http://schemas.microsoft.com/office/drawing/2010/main" w="9525">
                   <a:solidFill>
                     <a:srgbClr val="000000"/>
                   </a:solidFill>
@@ -1466,7 +1467,7 @@
             </a:ln>
             <a:extLst>
               <a:ext uri="{91240B29-F687-4f45-9708-019B960494DF}">
-                <a14:hiddenLine xmlns:a14="http://schemas.microsoft.com/office/drawing/2010/main" xmlns="" w="9525">
+                <a14:hiddenLine xmlns="" xmlns:a14="http://schemas.microsoft.com/office/drawing/2010/main" w="9525">
                   <a:solidFill>
                     <a:srgbClr val="000000"/>
                   </a:solidFill>
@@ -1528,7 +1529,7 @@
             </a:ln>
             <a:extLst>
               <a:ext uri="{91240B29-F687-4f45-9708-019B960494DF}">
-                <a14:hiddenLine xmlns:a14="http://schemas.microsoft.com/office/drawing/2010/main" xmlns="" w="9525">
+                <a14:hiddenLine xmlns="" xmlns:a14="http://schemas.microsoft.com/office/drawing/2010/main" w="9525">
                   <a:solidFill>
                     <a:srgbClr val="000000"/>
                   </a:solidFill>
@@ -1618,7 +1619,7 @@
             </a:ln>
             <a:extLst>
               <a:ext uri="{91240B29-F687-4f45-9708-019B960494DF}">
-                <a14:hiddenLine xmlns:a14="http://schemas.microsoft.com/office/drawing/2010/main" xmlns="" w="9525">
+                <a14:hiddenLine xmlns="" xmlns:a14="http://schemas.microsoft.com/office/drawing/2010/main" w="9525">
                   <a:solidFill>
                     <a:srgbClr val="000000"/>
                   </a:solidFill>
@@ -1708,7 +1709,7 @@
             </a:ln>
             <a:extLst>
               <a:ext uri="{91240B29-F687-4f45-9708-019B960494DF}">
-                <a14:hiddenLine xmlns:a14="http://schemas.microsoft.com/office/drawing/2010/main" xmlns="" w="9525">
+                <a14:hiddenLine xmlns="" xmlns:a14="http://schemas.microsoft.com/office/drawing/2010/main" w="9525">
                   <a:solidFill>
                     <a:srgbClr val="000000"/>
                   </a:solidFill>
@@ -1764,7 +1765,7 @@
             </a:ln>
             <a:extLst>
               <a:ext uri="{91240B29-F687-4f45-9708-019B960494DF}">
-                <a14:hiddenLine xmlns:a14="http://schemas.microsoft.com/office/drawing/2010/main" xmlns="" w="9525">
+                <a14:hiddenLine xmlns="" xmlns:a14="http://schemas.microsoft.com/office/drawing/2010/main" w="9525">
                   <a:solidFill>
                     <a:srgbClr val="000000"/>
                   </a:solidFill>
@@ -1854,7 +1855,7 @@
             </a:ln>
             <a:extLst>
               <a:ext uri="{91240B29-F687-4f45-9708-019B960494DF}">
-                <a14:hiddenLine xmlns:a14="http://schemas.microsoft.com/office/drawing/2010/main" xmlns="" w="9525">
+                <a14:hiddenLine xmlns="" xmlns:a14="http://schemas.microsoft.com/office/drawing/2010/main" w="9525">
                   <a:solidFill>
                     <a:srgbClr val="000000"/>
                   </a:solidFill>
@@ -1910,7 +1911,7 @@
             </a:ln>
             <a:extLst>
               <a:ext uri="{91240B29-F687-4f45-9708-019B960494DF}">
-                <a14:hiddenLine xmlns:a14="http://schemas.microsoft.com/office/drawing/2010/main" xmlns="" w="9525">
+                <a14:hiddenLine xmlns="" xmlns:a14="http://schemas.microsoft.com/office/drawing/2010/main" w="9525">
                   <a:solidFill>
                     <a:srgbClr val="000000"/>
                   </a:solidFill>
@@ -2000,7 +2001,7 @@
             </a:ln>
             <a:extLst>
               <a:ext uri="{91240B29-F687-4f45-9708-019B960494DF}">
-                <a14:hiddenLine xmlns:a14="http://schemas.microsoft.com/office/drawing/2010/main" xmlns="" w="9525">
+                <a14:hiddenLine xmlns="" xmlns:a14="http://schemas.microsoft.com/office/drawing/2010/main" w="9525">
                   <a:solidFill>
                     <a:srgbClr val="000000"/>
                   </a:solidFill>
@@ -2068,7 +2069,7 @@
             </a:ln>
             <a:extLst>
               <a:ext uri="{91240B29-F687-4f45-9708-019B960494DF}">
-                <a14:hiddenLine xmlns:a14="http://schemas.microsoft.com/office/drawing/2010/main" xmlns="" w="9525">
+                <a14:hiddenLine xmlns="" xmlns:a14="http://schemas.microsoft.com/office/drawing/2010/main" w="9525">
                   <a:solidFill>
                     <a:srgbClr val="000000"/>
                   </a:solidFill>
@@ -2158,7 +2159,7 @@
             </a:ln>
             <a:extLst>
               <a:ext uri="{91240B29-F687-4f45-9708-019B960494DF}">
-                <a14:hiddenLine xmlns:a14="http://schemas.microsoft.com/office/drawing/2010/main" xmlns="" w="9525">
+                <a14:hiddenLine xmlns="" xmlns:a14="http://schemas.microsoft.com/office/drawing/2010/main" w="9525">
                   <a:solidFill>
                     <a:srgbClr val="000000"/>
                   </a:solidFill>
@@ -2226,7 +2227,7 @@
             </a:ln>
             <a:extLst>
               <a:ext uri="{91240B29-F687-4f45-9708-019B960494DF}">
-                <a14:hiddenLine xmlns:a14="http://schemas.microsoft.com/office/drawing/2010/main" xmlns="" w="9525">
+                <a14:hiddenLine xmlns="" xmlns:a14="http://schemas.microsoft.com/office/drawing/2010/main" w="9525">
                   <a:solidFill>
                     <a:srgbClr val="000000"/>
                   </a:solidFill>
@@ -2316,7 +2317,7 @@
             </a:ln>
             <a:extLst>
               <a:ext uri="{91240B29-F687-4f45-9708-019B960494DF}">
-                <a14:hiddenLine xmlns:a14="http://schemas.microsoft.com/office/drawing/2010/main" xmlns="" w="9525">
+                <a14:hiddenLine xmlns="" xmlns:a14="http://schemas.microsoft.com/office/drawing/2010/main" w="9525">
                   <a:solidFill>
                     <a:srgbClr val="000000"/>
                   </a:solidFill>
@@ -2350,7 +2351,7 @@
             </a:ln>
             <a:extLst>
               <a:ext uri="{91240B29-F687-4f45-9708-019B960494DF}">
-                <a14:hiddenLine xmlns:a14="http://schemas.microsoft.com/office/drawing/2010/main" xmlns="" w="9525">
+                <a14:hiddenLine xmlns="" xmlns:a14="http://schemas.microsoft.com/office/drawing/2010/main" w="9525">
                   <a:solidFill>
                     <a:srgbClr val="000000"/>
                   </a:solidFill>
@@ -2440,7 +2441,7 @@
             </a:ln>
             <a:extLst>
               <a:ext uri="{91240B29-F687-4f45-9708-019B960494DF}">
-                <a14:hiddenLine xmlns:a14="http://schemas.microsoft.com/office/drawing/2010/main" xmlns="" w="9525">
+                <a14:hiddenLine xmlns="" xmlns:a14="http://schemas.microsoft.com/office/drawing/2010/main" w="9525">
                   <a:solidFill>
                     <a:srgbClr val="000000"/>
                   </a:solidFill>
@@ -2502,7 +2503,7 @@
             </a:ln>
             <a:extLst>
               <a:ext uri="{91240B29-F687-4f45-9708-019B960494DF}">
-                <a14:hiddenLine xmlns:a14="http://schemas.microsoft.com/office/drawing/2010/main" xmlns="" w="9525">
+                <a14:hiddenLine xmlns="" xmlns:a14="http://schemas.microsoft.com/office/drawing/2010/main" w="9525">
                   <a:solidFill>
                     <a:srgbClr val="000000"/>
                   </a:solidFill>
@@ -2564,7 +2565,7 @@
             </a:ln>
             <a:extLst>
               <a:ext uri="{91240B29-F687-4f45-9708-019B960494DF}">
-                <a14:hiddenLine xmlns:a14="http://schemas.microsoft.com/office/drawing/2010/main" xmlns="" w="9525">
+                <a14:hiddenLine xmlns="" xmlns:a14="http://schemas.microsoft.com/office/drawing/2010/main" w="9525">
                   <a:solidFill>
                     <a:srgbClr val="000000"/>
                   </a:solidFill>
@@ -2654,7 +2655,7 @@
             </a:ln>
             <a:extLst>
               <a:ext uri="{91240B29-F687-4f45-9708-019B960494DF}">
-                <a14:hiddenLine xmlns:a14="http://schemas.microsoft.com/office/drawing/2010/main" xmlns="" w="9525">
+                <a14:hiddenLine xmlns="" xmlns:a14="http://schemas.microsoft.com/office/drawing/2010/main" w="9525">
                   <a:solidFill>
                     <a:srgbClr val="000000"/>
                   </a:solidFill>
@@ -2722,7 +2723,7 @@
             </a:ln>
             <a:extLst>
               <a:ext uri="{91240B29-F687-4f45-9708-019B960494DF}">
-                <a14:hiddenLine xmlns:a14="http://schemas.microsoft.com/office/drawing/2010/main" xmlns="" w="9525">
+                <a14:hiddenLine xmlns="" xmlns:a14="http://schemas.microsoft.com/office/drawing/2010/main" w="9525">
                   <a:solidFill>
                     <a:srgbClr val="000000"/>
                   </a:solidFill>
@@ -2784,7 +2785,7 @@
             </a:ln>
             <a:extLst>
               <a:ext uri="{91240B29-F687-4f45-9708-019B960494DF}">
-                <a14:hiddenLine xmlns:a14="http://schemas.microsoft.com/office/drawing/2010/main" xmlns="" w="9525">
+                <a14:hiddenLine xmlns="" xmlns:a14="http://schemas.microsoft.com/office/drawing/2010/main" w="9525">
                   <a:solidFill>
                     <a:srgbClr val="000000"/>
                   </a:solidFill>
@@ -2874,7 +2875,7 @@
             </a:ln>
             <a:extLst>
               <a:ext uri="{91240B29-F687-4f45-9708-019B960494DF}">
-                <a14:hiddenLine xmlns:a14="http://schemas.microsoft.com/office/drawing/2010/main" xmlns="" w="9525">
+                <a14:hiddenLine xmlns="" xmlns:a14="http://schemas.microsoft.com/office/drawing/2010/main" w="9525">
                   <a:solidFill>
                     <a:srgbClr val="000000"/>
                   </a:solidFill>
@@ -2936,7 +2937,7 @@
             </a:ln>
             <a:extLst>
               <a:ext uri="{91240B29-F687-4f45-9708-019B960494DF}">
-                <a14:hiddenLine xmlns:a14="http://schemas.microsoft.com/office/drawing/2010/main" xmlns="" w="9525">
+                <a14:hiddenLine xmlns="" xmlns:a14="http://schemas.microsoft.com/office/drawing/2010/main" w="9525">
                   <a:solidFill>
                     <a:srgbClr val="000000"/>
                   </a:solidFill>
@@ -3026,7 +3027,7 @@
             </a:ln>
             <a:extLst>
               <a:ext uri="{91240B29-F687-4f45-9708-019B960494DF}">
-                <a14:hiddenLine xmlns:a14="http://schemas.microsoft.com/office/drawing/2010/main" xmlns="" w="9525">
+                <a14:hiddenLine xmlns="" xmlns:a14="http://schemas.microsoft.com/office/drawing/2010/main" w="9525">
                   <a:solidFill>
                     <a:srgbClr val="000000"/>
                   </a:solidFill>
@@ -3088,7 +3089,7 @@
             </a:ln>
             <a:extLst>
               <a:ext uri="{91240B29-F687-4f45-9708-019B960494DF}">
-                <a14:hiddenLine xmlns:a14="http://schemas.microsoft.com/office/drawing/2010/main" xmlns="" w="9525">
+                <a14:hiddenLine xmlns="" xmlns:a14="http://schemas.microsoft.com/office/drawing/2010/main" w="9525">
                   <a:solidFill>
                     <a:srgbClr val="000000"/>
                   </a:solidFill>
@@ -3178,7 +3179,7 @@
             </a:ln>
             <a:extLst>
               <a:ext uri="{91240B29-F687-4f45-9708-019B960494DF}">
-                <a14:hiddenLine xmlns:a14="http://schemas.microsoft.com/office/drawing/2010/main" xmlns="" w="9525">
+                <a14:hiddenLine xmlns="" xmlns:a14="http://schemas.microsoft.com/office/drawing/2010/main" w="9525">
                   <a:solidFill>
                     <a:srgbClr val="000000"/>
                   </a:solidFill>
@@ -3212,7 +3213,7 @@
             </a:ln>
             <a:extLst>
               <a:ext uri="{91240B29-F687-4f45-9708-019B960494DF}">
-                <a14:hiddenLine xmlns:a14="http://schemas.microsoft.com/office/drawing/2010/main" xmlns="" w="9525">
+                <a14:hiddenLine xmlns="" xmlns:a14="http://schemas.microsoft.com/office/drawing/2010/main" w="9525">
                   <a:solidFill>
                     <a:srgbClr val="000000"/>
                   </a:solidFill>
@@ -3277,7 +3278,7 @@
             </a:ln>
             <a:extLst>
               <a:ext uri="{91240B29-F687-4f45-9708-019B960494DF}">
-                <a14:hiddenLine xmlns:a14="http://schemas.microsoft.com/office/drawing/2010/main" xmlns="" w="9525">
+                <a14:hiddenLine xmlns="" xmlns:a14="http://schemas.microsoft.com/office/drawing/2010/main" w="9525">
                   <a:solidFill>
                     <a:srgbClr val="000000"/>
                   </a:solidFill>
@@ -3367,7 +3368,7 @@
             </a:ln>
             <a:extLst>
               <a:ext uri="{91240B29-F687-4f45-9708-019B960494DF}">
-                <a14:hiddenLine xmlns:a14="http://schemas.microsoft.com/office/drawing/2010/main" xmlns="" w="9525">
+                <a14:hiddenLine xmlns="" xmlns:a14="http://schemas.microsoft.com/office/drawing/2010/main" w="9525">
                   <a:solidFill>
                     <a:srgbClr val="000000"/>
                   </a:solidFill>
@@ -3429,7 +3430,7 @@
             </a:ln>
             <a:extLst>
               <a:ext uri="{91240B29-F687-4f45-9708-019B960494DF}">
-                <a14:hiddenLine xmlns:a14="http://schemas.microsoft.com/office/drawing/2010/main" xmlns="" w="9525">
+                <a14:hiddenLine xmlns="" xmlns:a14="http://schemas.microsoft.com/office/drawing/2010/main" w="9525">
                   <a:solidFill>
                     <a:srgbClr val="000000"/>
                   </a:solidFill>
@@ -3519,7 +3520,7 @@
             </a:ln>
             <a:extLst>
               <a:ext uri="{91240B29-F687-4f45-9708-019B960494DF}">
-                <a14:hiddenLine xmlns:a14="http://schemas.microsoft.com/office/drawing/2010/main" xmlns="" w="9525">
+                <a14:hiddenLine xmlns="" xmlns:a14="http://schemas.microsoft.com/office/drawing/2010/main" w="9525">
                   <a:solidFill>
                     <a:srgbClr val="000000"/>
                   </a:solidFill>
@@ -3609,7 +3610,7 @@
             </a:ln>
             <a:extLst>
               <a:ext uri="{91240B29-F687-4f45-9708-019B960494DF}">
-                <a14:hiddenLine xmlns:a14="http://schemas.microsoft.com/office/drawing/2010/main" xmlns="" w="9525">
+                <a14:hiddenLine xmlns="" xmlns:a14="http://schemas.microsoft.com/office/drawing/2010/main" w="9525">
                   <a:solidFill>
                     <a:srgbClr val="000000"/>
                   </a:solidFill>
@@ -3674,7 +3675,7 @@
             </a:ln>
             <a:extLst>
               <a:ext uri="{91240B29-F687-4f45-9708-019B960494DF}">
-                <a14:hiddenLine xmlns:a14="http://schemas.microsoft.com/office/drawing/2010/main" xmlns="" w="9525">
+                <a14:hiddenLine xmlns="" xmlns:a14="http://schemas.microsoft.com/office/drawing/2010/main" w="9525">
                   <a:solidFill>
                     <a:srgbClr val="000000"/>
                   </a:solidFill>
@@ -3736,7 +3737,7 @@
             </a:ln>
             <a:extLst>
               <a:ext uri="{91240B29-F687-4f45-9708-019B960494DF}">
-                <a14:hiddenLine xmlns:a14="http://schemas.microsoft.com/office/drawing/2010/main" xmlns="" w="9525">
+                <a14:hiddenLine xmlns="" xmlns:a14="http://schemas.microsoft.com/office/drawing/2010/main" w="9525">
                   <a:solidFill>
                     <a:srgbClr val="000000"/>
                   </a:solidFill>
@@ -3826,7 +3827,7 @@
             </a:ln>
             <a:extLst>
               <a:ext uri="{91240B29-F687-4f45-9708-019B960494DF}">
-                <a14:hiddenLine xmlns:a14="http://schemas.microsoft.com/office/drawing/2010/main" xmlns="" w="9525">
+                <a14:hiddenLine xmlns="" xmlns:a14="http://schemas.microsoft.com/office/drawing/2010/main" w="9525">
                   <a:solidFill>
                     <a:srgbClr val="000000"/>
                   </a:solidFill>
@@ -3916,7 +3917,7 @@
             </a:ln>
             <a:extLst>
               <a:ext uri="{91240B29-F687-4f45-9708-019B960494DF}">
-                <a14:hiddenLine xmlns:a14="http://schemas.microsoft.com/office/drawing/2010/main" xmlns="" w="9525">
+                <a14:hiddenLine xmlns="" xmlns:a14="http://schemas.microsoft.com/office/drawing/2010/main" w="9525">
                   <a:solidFill>
                     <a:srgbClr val="000000"/>
                   </a:solidFill>
@@ -3978,7 +3979,7 @@
             </a:ln>
             <a:extLst>
               <a:ext uri="{91240B29-F687-4f45-9708-019B960494DF}">
-                <a14:hiddenLine xmlns:a14="http://schemas.microsoft.com/office/drawing/2010/main" xmlns="" w="9525">
+                <a14:hiddenLine xmlns="" xmlns:a14="http://schemas.microsoft.com/office/drawing/2010/main" w="9525">
                   <a:solidFill>
                     <a:srgbClr val="000000"/>
                   </a:solidFill>
@@ -4098,7 +4099,7 @@
             </a:ln>
             <a:extLst>
               <a:ext uri="{91240B29-F687-4f45-9708-019B960494DF}">
-                <a14:hiddenLine xmlns:a14="http://schemas.microsoft.com/office/drawing/2010/main" xmlns="" w="9525">
+                <a14:hiddenLine xmlns="" xmlns:a14="http://schemas.microsoft.com/office/drawing/2010/main" w="9525">
                   <a:solidFill>
                     <a:srgbClr val="000000"/>
                   </a:solidFill>
@@ -4166,7 +4167,7 @@
             </a:ln>
             <a:extLst>
               <a:ext uri="{91240B29-F687-4f45-9708-019B960494DF}">
-                <a14:hiddenLine xmlns:a14="http://schemas.microsoft.com/office/drawing/2010/main" xmlns="" w="9525">
+                <a14:hiddenLine xmlns="" xmlns:a14="http://schemas.microsoft.com/office/drawing/2010/main" w="9525">
                   <a:solidFill>
                     <a:srgbClr val="000000"/>
                   </a:solidFill>
@@ -4256,7 +4257,7 @@
             </a:ln>
             <a:extLst>
               <a:ext uri="{91240B29-F687-4f45-9708-019B960494DF}">
-                <a14:hiddenLine xmlns:a14="http://schemas.microsoft.com/office/drawing/2010/main" xmlns="" w="9525">
+                <a14:hiddenLine xmlns="" xmlns:a14="http://schemas.microsoft.com/office/drawing/2010/main" w="9525">
                   <a:solidFill>
                     <a:srgbClr val="000000"/>
                   </a:solidFill>
@@ -8978,7 +8979,7 @@
           <a:noFill/>
           <a:extLst>
             <a:ext uri="{909E8E84-426E-40dd-AFC4-6F175D3DCCD1}">
-              <a14:hiddenFill xmlns:a14="http://schemas.microsoft.com/office/drawing/2010/main" xmlns="">
+              <a14:hiddenFill xmlns="" xmlns:a14="http://schemas.microsoft.com/office/drawing/2010/main">
                 <a:solidFill>
                   <a:srgbClr val="FFFFFF"/>
                 </a:solidFill>
@@ -9052,7 +9053,7 @@
               </a:ln>
               <a:extLst>
                 <a:ext uri="{91240B29-F687-4f45-9708-019B960494DF}">
-                  <a14:hiddenLine xmlns:a14="http://schemas.microsoft.com/office/drawing/2010/main" xmlns="" w="9525">
+                  <a14:hiddenLine xmlns="" xmlns:a14="http://schemas.microsoft.com/office/drawing/2010/main" w="9525">
                     <a:solidFill>
                       <a:srgbClr val="000000"/>
                     </a:solidFill>
@@ -9142,7 +9143,7 @@
               </a:ln>
               <a:extLst>
                 <a:ext uri="{91240B29-F687-4f45-9708-019B960494DF}">
-                  <a14:hiddenLine xmlns:a14="http://schemas.microsoft.com/office/drawing/2010/main" xmlns="" w="9525">
+                  <a14:hiddenLine xmlns="" xmlns:a14="http://schemas.microsoft.com/office/drawing/2010/main" w="9525">
                     <a:solidFill>
                       <a:srgbClr val="000000"/>
                     </a:solidFill>
@@ -9232,7 +9233,7 @@
               </a:ln>
               <a:extLst>
                 <a:ext uri="{91240B29-F687-4f45-9708-019B960494DF}">
-                  <a14:hiddenLine xmlns:a14="http://schemas.microsoft.com/office/drawing/2010/main" xmlns="" w="9525">
+                  <a14:hiddenLine xmlns="" xmlns:a14="http://schemas.microsoft.com/office/drawing/2010/main" w="9525">
                     <a:solidFill>
                       <a:srgbClr val="000000"/>
                     </a:solidFill>
@@ -9294,7 +9295,7 @@
               </a:ln>
               <a:extLst>
                 <a:ext uri="{91240B29-F687-4f45-9708-019B960494DF}">
-                  <a14:hiddenLine xmlns:a14="http://schemas.microsoft.com/office/drawing/2010/main" xmlns="" w="9525">
+                  <a14:hiddenLine xmlns="" xmlns:a14="http://schemas.microsoft.com/office/drawing/2010/main" w="9525">
                     <a:solidFill>
                       <a:srgbClr val="000000"/>
                     </a:solidFill>
@@ -9384,7 +9385,7 @@
               </a:ln>
               <a:extLst>
                 <a:ext uri="{91240B29-F687-4f45-9708-019B960494DF}">
-                  <a14:hiddenLine xmlns:a14="http://schemas.microsoft.com/office/drawing/2010/main" xmlns="" w="9525">
+                  <a14:hiddenLine xmlns="" xmlns:a14="http://schemas.microsoft.com/office/drawing/2010/main" w="9525">
                     <a:solidFill>
                       <a:srgbClr val="000000"/>
                     </a:solidFill>
@@ -9446,7 +9447,7 @@
               </a:ln>
               <a:extLst>
                 <a:ext uri="{91240B29-F687-4f45-9708-019B960494DF}">
-                  <a14:hiddenLine xmlns:a14="http://schemas.microsoft.com/office/drawing/2010/main" xmlns="" w="9525">
+                  <a14:hiddenLine xmlns="" xmlns:a14="http://schemas.microsoft.com/office/drawing/2010/main" w="9525">
                     <a:solidFill>
                       <a:srgbClr val="000000"/>
                     </a:solidFill>
@@ -9508,7 +9509,7 @@
               </a:ln>
               <a:extLst>
                 <a:ext uri="{91240B29-F687-4f45-9708-019B960494DF}">
-                  <a14:hiddenLine xmlns:a14="http://schemas.microsoft.com/office/drawing/2010/main" xmlns="" w="9525">
+                  <a14:hiddenLine xmlns="" xmlns:a14="http://schemas.microsoft.com/office/drawing/2010/main" w="9525">
                     <a:solidFill>
                       <a:srgbClr val="000000"/>
                     </a:solidFill>
@@ -9598,7 +9599,7 @@
               </a:ln>
               <a:extLst>
                 <a:ext uri="{91240B29-F687-4f45-9708-019B960494DF}">
-                  <a14:hiddenLine xmlns:a14="http://schemas.microsoft.com/office/drawing/2010/main" xmlns="" w="9525">
+                  <a14:hiddenLine xmlns="" xmlns:a14="http://schemas.microsoft.com/office/drawing/2010/main" w="9525">
                     <a:solidFill>
                       <a:srgbClr val="000000"/>
                     </a:solidFill>
@@ -9688,7 +9689,7 @@
               </a:ln>
               <a:extLst>
                 <a:ext uri="{91240B29-F687-4f45-9708-019B960494DF}">
-                  <a14:hiddenLine xmlns:a14="http://schemas.microsoft.com/office/drawing/2010/main" xmlns="" w="9525">
+                  <a14:hiddenLine xmlns="" xmlns:a14="http://schemas.microsoft.com/office/drawing/2010/main" w="9525">
                     <a:solidFill>
                       <a:srgbClr val="000000"/>
                     </a:solidFill>
@@ -9750,7 +9751,7 @@
               </a:ln>
               <a:extLst>
                 <a:ext uri="{91240B29-F687-4f45-9708-019B960494DF}">
-                  <a14:hiddenLine xmlns:a14="http://schemas.microsoft.com/office/drawing/2010/main" xmlns="" w="9525">
+                  <a14:hiddenLine xmlns="" xmlns:a14="http://schemas.microsoft.com/office/drawing/2010/main" w="9525">
                     <a:solidFill>
                       <a:srgbClr val="000000"/>
                     </a:solidFill>
@@ -9860,7 +9861,7 @@
               </a:ln>
               <a:extLst>
                 <a:ext uri="{91240B29-F687-4f45-9708-019B960494DF}">
-                  <a14:hiddenLine xmlns:a14="http://schemas.microsoft.com/office/drawing/2010/main" xmlns="" w="9525">
+                  <a14:hiddenLine xmlns="" xmlns:a14="http://schemas.microsoft.com/office/drawing/2010/main" w="9525">
                     <a:solidFill>
                       <a:srgbClr val="000000"/>
                     </a:solidFill>
@@ -9944,7 +9945,7 @@
               </a:ln>
               <a:extLst>
                 <a:ext uri="{91240B29-F687-4f45-9708-019B960494DF}">
-                  <a14:hiddenLine xmlns:a14="http://schemas.microsoft.com/office/drawing/2010/main" xmlns="" w="9525">
+                  <a14:hiddenLine xmlns="" xmlns:a14="http://schemas.microsoft.com/office/drawing/2010/main" w="9525">
                     <a:solidFill>
                       <a:srgbClr val="000000"/>
                     </a:solidFill>
@@ -10006,7 +10007,7 @@
               </a:ln>
               <a:extLst>
                 <a:ext uri="{91240B29-F687-4f45-9708-019B960494DF}">
-                  <a14:hiddenLine xmlns:a14="http://schemas.microsoft.com/office/drawing/2010/main" xmlns="" w="9525">
+                  <a14:hiddenLine xmlns="" xmlns:a14="http://schemas.microsoft.com/office/drawing/2010/main" w="9525">
                     <a:solidFill>
                       <a:srgbClr val="000000"/>
                     </a:solidFill>
@@ -10068,7 +10069,7 @@
               </a:ln>
               <a:extLst>
                 <a:ext uri="{91240B29-F687-4f45-9708-019B960494DF}">
-                  <a14:hiddenLine xmlns:a14="http://schemas.microsoft.com/office/drawing/2010/main" xmlns="" w="9525">
+                  <a14:hiddenLine xmlns="" xmlns:a14="http://schemas.microsoft.com/office/drawing/2010/main" w="9525">
                     <a:solidFill>
                       <a:srgbClr val="000000"/>
                     </a:solidFill>
@@ -10158,7 +10159,7 @@
               </a:ln>
               <a:extLst>
                 <a:ext uri="{91240B29-F687-4f45-9708-019B960494DF}">
-                  <a14:hiddenLine xmlns:a14="http://schemas.microsoft.com/office/drawing/2010/main" xmlns="" w="9525">
+                  <a14:hiddenLine xmlns="" xmlns:a14="http://schemas.microsoft.com/office/drawing/2010/main" w="9525">
                     <a:solidFill>
                       <a:srgbClr val="000000"/>
                     </a:solidFill>
@@ -10192,7 +10193,7 @@
               </a:ln>
               <a:extLst>
                 <a:ext uri="{91240B29-F687-4f45-9708-019B960494DF}">
-                  <a14:hiddenLine xmlns:a14="http://schemas.microsoft.com/office/drawing/2010/main" xmlns="" w="9525">
+                  <a14:hiddenLine xmlns="" xmlns:a14="http://schemas.microsoft.com/office/drawing/2010/main" w="9525">
                     <a:solidFill>
                       <a:srgbClr val="000000"/>
                     </a:solidFill>
@@ -10257,7 +10258,7 @@
               </a:ln>
               <a:extLst>
                 <a:ext uri="{91240B29-F687-4f45-9708-019B960494DF}">
-                  <a14:hiddenLine xmlns:a14="http://schemas.microsoft.com/office/drawing/2010/main" xmlns="" w="9525">
+                  <a14:hiddenLine xmlns="" xmlns:a14="http://schemas.microsoft.com/office/drawing/2010/main" w="9525">
                     <a:solidFill>
                       <a:srgbClr val="000000"/>
                     </a:solidFill>
@@ -10347,7 +10348,7 @@
               </a:ln>
               <a:extLst>
                 <a:ext uri="{91240B29-F687-4f45-9708-019B960494DF}">
-                  <a14:hiddenLine xmlns:a14="http://schemas.microsoft.com/office/drawing/2010/main" xmlns="" w="9525">
+                  <a14:hiddenLine xmlns="" xmlns:a14="http://schemas.microsoft.com/office/drawing/2010/main" w="9525">
                     <a:solidFill>
                       <a:srgbClr val="000000"/>
                     </a:solidFill>
@@ -10409,7 +10410,7 @@
               </a:ln>
               <a:extLst>
                 <a:ext uri="{91240B29-F687-4f45-9708-019B960494DF}">
-                  <a14:hiddenLine xmlns:a14="http://schemas.microsoft.com/office/drawing/2010/main" xmlns="" w="9525">
+                  <a14:hiddenLine xmlns="" xmlns:a14="http://schemas.microsoft.com/office/drawing/2010/main" w="9525">
                     <a:solidFill>
                       <a:srgbClr val="000000"/>
                     </a:solidFill>
@@ -10499,7 +10500,7 @@
               </a:ln>
               <a:extLst>
                 <a:ext uri="{91240B29-F687-4f45-9708-019B960494DF}">
-                  <a14:hiddenLine xmlns:a14="http://schemas.microsoft.com/office/drawing/2010/main" xmlns="" w="9525">
+                  <a14:hiddenLine xmlns="" xmlns:a14="http://schemas.microsoft.com/office/drawing/2010/main" w="9525">
                     <a:solidFill>
                       <a:srgbClr val="000000"/>
                     </a:solidFill>
@@ -10564,7 +10565,7 @@
               </a:ln>
               <a:extLst>
                 <a:ext uri="{91240B29-F687-4f45-9708-019B960494DF}">
-                  <a14:hiddenLine xmlns:a14="http://schemas.microsoft.com/office/drawing/2010/main" xmlns="" w="9525">
+                  <a14:hiddenLine xmlns="" xmlns:a14="http://schemas.microsoft.com/office/drawing/2010/main" w="9525">
                     <a:solidFill>
                       <a:srgbClr val="000000"/>
                     </a:solidFill>
@@ -10626,7 +10627,7 @@
               </a:ln>
               <a:extLst>
                 <a:ext uri="{91240B29-F687-4f45-9708-019B960494DF}">
-                  <a14:hiddenLine xmlns:a14="http://schemas.microsoft.com/office/drawing/2010/main" xmlns="" w="9525">
+                  <a14:hiddenLine xmlns="" xmlns:a14="http://schemas.microsoft.com/office/drawing/2010/main" w="9525">
                     <a:solidFill>
                       <a:srgbClr val="000000"/>
                     </a:solidFill>
@@ -10716,7 +10717,7 @@
               </a:ln>
               <a:extLst>
                 <a:ext uri="{91240B29-F687-4f45-9708-019B960494DF}">
-                  <a14:hiddenLine xmlns:a14="http://schemas.microsoft.com/office/drawing/2010/main" xmlns="" w="9525">
+                  <a14:hiddenLine xmlns="" xmlns:a14="http://schemas.microsoft.com/office/drawing/2010/main" w="9525">
                     <a:solidFill>
                       <a:srgbClr val="000000"/>
                     </a:solidFill>
@@ -10806,7 +10807,7 @@
               </a:ln>
               <a:extLst>
                 <a:ext uri="{91240B29-F687-4f45-9708-019B960494DF}">
-                  <a14:hiddenLine xmlns:a14="http://schemas.microsoft.com/office/drawing/2010/main" xmlns="" w="9525">
+                  <a14:hiddenLine xmlns="" xmlns:a14="http://schemas.microsoft.com/office/drawing/2010/main" w="9525">
                     <a:solidFill>
                       <a:srgbClr val="000000"/>
                     </a:solidFill>
@@ -10871,7 +10872,7 @@
               </a:ln>
               <a:extLst>
                 <a:ext uri="{91240B29-F687-4f45-9708-019B960494DF}">
-                  <a14:hiddenLine xmlns:a14="http://schemas.microsoft.com/office/drawing/2010/main" xmlns="" w="9525">
+                  <a14:hiddenLine xmlns="" xmlns:a14="http://schemas.microsoft.com/office/drawing/2010/main" w="9525">
                     <a:solidFill>
                       <a:srgbClr val="000000"/>
                     </a:solidFill>
@@ -10991,7 +10992,7 @@
               </a:ln>
               <a:extLst>
                 <a:ext uri="{91240B29-F687-4f45-9708-019B960494DF}">
-                  <a14:hiddenLine xmlns:a14="http://schemas.microsoft.com/office/drawing/2010/main" xmlns="" w="9525">
+                  <a14:hiddenLine xmlns="" xmlns:a14="http://schemas.microsoft.com/office/drawing/2010/main" w="9525">
                     <a:solidFill>
                       <a:srgbClr val="000000"/>
                     </a:solidFill>
@@ -11089,7 +11090,7 @@
               </a:ln>
               <a:extLst>
                 <a:ext uri="{91240B29-F687-4f45-9708-019B960494DF}">
-                  <a14:hiddenLine xmlns:a14="http://schemas.microsoft.com/office/drawing/2010/main" xmlns="" w="9525">
+                  <a14:hiddenLine xmlns="" xmlns:a14="http://schemas.microsoft.com/office/drawing/2010/main" w="9525">
                     <a:solidFill>
                       <a:srgbClr val="000000"/>
                     </a:solidFill>
@@ -11204,7 +11205,7 @@
               </a:ln>
               <a:extLst>
                 <a:ext uri="{91240B29-F687-4f45-9708-019B960494DF}">
-                  <a14:hiddenLine xmlns:a14="http://schemas.microsoft.com/office/drawing/2010/main" xmlns="" w="9525">
+                  <a14:hiddenLine xmlns="" xmlns:a14="http://schemas.microsoft.com/office/drawing/2010/main" w="9525">
                     <a:solidFill>
                       <a:srgbClr val="000000"/>
                     </a:solidFill>
@@ -11294,7 +11295,7 @@
               </a:ln>
               <a:extLst>
                 <a:ext uri="{91240B29-F687-4f45-9708-019B960494DF}">
-                  <a14:hiddenLine xmlns:a14="http://schemas.microsoft.com/office/drawing/2010/main" xmlns="" w="9525">
+                  <a14:hiddenLine xmlns="" xmlns:a14="http://schemas.microsoft.com/office/drawing/2010/main" w="9525">
                     <a:solidFill>
                       <a:srgbClr val="000000"/>
                     </a:solidFill>
@@ -11359,7 +11360,7 @@
               </a:ln>
               <a:extLst>
                 <a:ext uri="{91240B29-F687-4f45-9708-019B960494DF}">
-                  <a14:hiddenLine xmlns:a14="http://schemas.microsoft.com/office/drawing/2010/main" xmlns="" w="9525">
+                  <a14:hiddenLine xmlns="" xmlns:a14="http://schemas.microsoft.com/office/drawing/2010/main" w="9525">
                     <a:solidFill>
                       <a:srgbClr val="000000"/>
                     </a:solidFill>
@@ -11449,7 +11450,7 @@
               </a:ln>
               <a:extLst>
                 <a:ext uri="{91240B29-F687-4f45-9708-019B960494DF}">
-                  <a14:hiddenLine xmlns:a14="http://schemas.microsoft.com/office/drawing/2010/main" xmlns="" w="9525">
+                  <a14:hiddenLine xmlns="" xmlns:a14="http://schemas.microsoft.com/office/drawing/2010/main" w="9525">
                     <a:solidFill>
                       <a:srgbClr val="000000"/>
                     </a:solidFill>
@@ -11517,7 +11518,7 @@
               </a:ln>
               <a:extLst>
                 <a:ext uri="{91240B29-F687-4f45-9708-019B960494DF}">
-                  <a14:hiddenLine xmlns:a14="http://schemas.microsoft.com/office/drawing/2010/main" xmlns="" w="9525">
+                  <a14:hiddenLine xmlns="" xmlns:a14="http://schemas.microsoft.com/office/drawing/2010/main" w="9525">
                     <a:solidFill>
                       <a:srgbClr val="000000"/>
                     </a:solidFill>
@@ -11607,7 +11608,7 @@
               </a:ln>
               <a:extLst>
                 <a:ext uri="{91240B29-F687-4f45-9708-019B960494DF}">
-                  <a14:hiddenLine xmlns:a14="http://schemas.microsoft.com/office/drawing/2010/main" xmlns="" w="9525">
+                  <a14:hiddenLine xmlns="" xmlns:a14="http://schemas.microsoft.com/office/drawing/2010/main" w="9525">
                     <a:solidFill>
                       <a:srgbClr val="000000"/>
                     </a:solidFill>
@@ -11675,7 +11676,7 @@
               </a:ln>
               <a:extLst>
                 <a:ext uri="{91240B29-F687-4f45-9708-019B960494DF}">
-                  <a14:hiddenLine xmlns:a14="http://schemas.microsoft.com/office/drawing/2010/main" xmlns="" w="9525">
+                  <a14:hiddenLine xmlns="" xmlns:a14="http://schemas.microsoft.com/office/drawing/2010/main" w="9525">
                     <a:solidFill>
                       <a:srgbClr val="000000"/>
                     </a:solidFill>
@@ -11765,7 +11766,7 @@
               </a:ln>
               <a:extLst>
                 <a:ext uri="{91240B29-F687-4f45-9708-019B960494DF}">
-                  <a14:hiddenLine xmlns:a14="http://schemas.microsoft.com/office/drawing/2010/main" xmlns="" w="9525">
+                  <a14:hiddenLine xmlns="" xmlns:a14="http://schemas.microsoft.com/office/drawing/2010/main" w="9525">
                     <a:solidFill>
                       <a:srgbClr val="000000"/>
                     </a:solidFill>
@@ -11799,7 +11800,7 @@
               </a:ln>
               <a:extLst>
                 <a:ext uri="{91240B29-F687-4f45-9708-019B960494DF}">
-                  <a14:hiddenLine xmlns:a14="http://schemas.microsoft.com/office/drawing/2010/main" xmlns="" w="9525">
+                  <a14:hiddenLine xmlns="" xmlns:a14="http://schemas.microsoft.com/office/drawing/2010/main" w="9525">
                     <a:solidFill>
                       <a:srgbClr val="000000"/>
                     </a:solidFill>
@@ -12427,6 +12428,105 @@
 </p:sld>
 </file>
 
+<file path=ppt/slides/slide10.xml><?xml version="1.0" encoding="utf-8"?>
+<p:sld xmlns:a="http://schemas.openxmlformats.org/drawingml/2006/main" xmlns:r="http://schemas.openxmlformats.org/officeDocument/2006/relationships" xmlns:p="http://schemas.openxmlformats.org/presentationml/2006/main">
+  <p:cSld>
+    <p:spTree>
+      <p:nvGrpSpPr>
+        <p:cNvPr id="1" name=""/>
+        <p:cNvGrpSpPr/>
+        <p:nvPr/>
+      </p:nvGrpSpPr>
+      <p:grpSpPr>
+        <a:xfrm>
+          <a:off x="0" y="0"/>
+          <a:ext cx="0" cy="0"/>
+          <a:chOff x="0" y="0"/>
+          <a:chExt cx="0" cy="0"/>
+        </a:xfrm>
+      </p:grpSpPr>
+      <p:sp>
+        <p:nvSpPr>
+          <p:cNvPr id="2" name="Title 1">
+            <a:extLst>
+              <a:ext uri="{FF2B5EF4-FFF2-40B4-BE49-F238E27FC236}">
+                <a16:creationId xmlns:a16="http://schemas.microsoft.com/office/drawing/2014/main" id="{D6ED6944-D8CA-45F7-A54E-60E892D23081}"/>
+              </a:ext>
+            </a:extLst>
+          </p:cNvPr>
+          <p:cNvSpPr>
+            <a:spLocks noGrp="1"/>
+          </p:cNvSpPr>
+          <p:nvPr>
+            <p:ph type="title"/>
+          </p:nvPr>
+        </p:nvSpPr>
+        <p:spPr/>
+        <p:txBody>
+          <a:bodyPr/>
+          <a:lstStyle/>
+          <a:p>
+            <a:r>
+              <a:rPr lang="en-US" dirty="0"/>
+              <a:t>Results</a:t>
+            </a:r>
+          </a:p>
+        </p:txBody>
+      </p:sp>
+      <p:sp>
+        <p:nvSpPr>
+          <p:cNvPr id="3" name="Content Placeholder 2">
+            <a:extLst>
+              <a:ext uri="{FF2B5EF4-FFF2-40B4-BE49-F238E27FC236}">
+                <a16:creationId xmlns:a16="http://schemas.microsoft.com/office/drawing/2014/main" id="{EFA470FE-90EB-44EA-8722-0FC54521352C}"/>
+              </a:ext>
+            </a:extLst>
+          </p:cNvPr>
+          <p:cNvSpPr>
+            <a:spLocks noGrp="1"/>
+          </p:cNvSpPr>
+          <p:nvPr>
+            <p:ph idx="1"/>
+          </p:nvPr>
+        </p:nvSpPr>
+        <p:spPr/>
+        <p:txBody>
+          <a:bodyPr/>
+          <a:lstStyle/>
+          <a:p>
+            <a:r>
+              <a:rPr lang="en-US" dirty="0"/>
+              <a:t>Data successfully pulled into MongoDB locations for streaming</a:t>
+            </a:r>
+          </a:p>
+          <a:p>
+            <a:r>
+              <a:rPr lang="en-US" dirty="0"/>
+              <a:t>From our sampling, we didn’t find one reference to our initial goal of merge content</a:t>
+            </a:r>
+          </a:p>
+          <a:p>
+            <a:pPr lvl="1"/>
+            <a:r>
+              <a:rPr lang="en-US" dirty="0"/>
+              <a:t>This may be an indicator that this topic may not be drawing a lot of public attention currently</a:t>
+            </a:r>
+          </a:p>
+        </p:txBody>
+      </p:sp>
+    </p:spTree>
+    <p:extLst>
+      <p:ext uri="{BB962C8B-B14F-4D97-AF65-F5344CB8AC3E}">
+        <p14:creationId xmlns:p14="http://schemas.microsoft.com/office/powerpoint/2010/main" val="2903542016"/>
+      </p:ext>
+    </p:extLst>
+  </p:cSld>
+  <p:clrMapOvr>
+    <a:masterClrMapping/>
+  </p:clrMapOvr>
+</p:sld>
+</file>
+
 <file path=ppt/slides/slide2.xml><?xml version="1.0" encoding="utf-8"?>
 <p:sld xmlns:a="http://schemas.openxmlformats.org/drawingml/2006/main" xmlns:r="http://schemas.openxmlformats.org/officeDocument/2006/relationships" xmlns:p="http://schemas.openxmlformats.org/presentationml/2006/main">
   <p:cSld>
@@ -13296,13 +13396,20 @@
             <p:ph type="title"/>
           </p:nvPr>
         </p:nvSpPr>
-        <p:spPr/>
+        <p:spPr>
+          <a:xfrm>
+            <a:off x="152397" y="109729"/>
+            <a:ext cx="4680860" cy="670680"/>
+          </a:xfrm>
+        </p:spPr>
         <p:txBody>
-          <a:bodyPr/>
+          <a:bodyPr>
+            <a:normAutofit/>
+          </a:bodyPr>
           <a:lstStyle/>
           <a:p>
             <a:r>
-              <a:rPr lang="en-US" dirty="0"/>
+              <a:rPr lang="en-US" sz="3200" dirty="0"/>
               <a:t>How the code works</a:t>
             </a:r>
           </a:p>
@@ -13324,15 +13431,1941 @@
             <p:ph idx="1"/>
           </p:nvPr>
         </p:nvSpPr>
-        <p:spPr/>
+        <p:spPr>
+          <a:xfrm>
+            <a:off x="978128" y="2103920"/>
+            <a:ext cx="3299959" cy="665957"/>
+          </a:xfrm>
+        </p:spPr>
         <p:txBody>
           <a:bodyPr/>
           <a:lstStyle/>
           <a:p>
-            <a:endParaRPr lang="en-US" dirty="0"/>
+            <a:pPr marL="0" indent="0" algn="r">
+              <a:buNone/>
+            </a:pPr>
+            <a:r>
+              <a:rPr lang="en-US" dirty="0"/>
+              <a:t>Twitter access data</a:t>
+            </a:r>
           </a:p>
         </p:txBody>
       </p:sp>
+      <p:pic>
+        <p:nvPicPr>
+          <p:cNvPr id="4" name="Picture 3">
+            <a:extLst>
+              <a:ext uri="{FF2B5EF4-FFF2-40B4-BE49-F238E27FC236}">
+                <a16:creationId xmlns:a16="http://schemas.microsoft.com/office/drawing/2014/main" id="{8DB8AD37-438D-4C10-BD9A-A0A80710BA15}"/>
+              </a:ext>
+            </a:extLst>
+          </p:cNvPr>
+          <p:cNvPicPr>
+            <a:picLocks noChangeAspect="1"/>
+          </p:cNvPicPr>
+          <p:nvPr/>
+        </p:nvPicPr>
+        <p:blipFill>
+          <a:blip r:embed="rId2"/>
+          <a:stretch>
+            <a:fillRect/>
+          </a:stretch>
+        </p:blipFill>
+        <p:spPr>
+          <a:xfrm>
+            <a:off x="4833257" y="-1"/>
+            <a:ext cx="7290601" cy="6784587"/>
+          </a:xfrm>
+          <a:prstGeom prst="rect">
+            <a:avLst/>
+          </a:prstGeom>
+        </p:spPr>
+      </p:pic>
+      <p:sp>
+        <p:nvSpPr>
+          <p:cNvPr id="5" name="Content Placeholder 2">
+            <a:extLst>
+              <a:ext uri="{FF2B5EF4-FFF2-40B4-BE49-F238E27FC236}">
+                <a16:creationId xmlns:a16="http://schemas.microsoft.com/office/drawing/2014/main" id="{CF006ACE-1324-473E-A457-F87DEE8E8BC5}"/>
+              </a:ext>
+            </a:extLst>
+          </p:cNvPr>
+          <p:cNvSpPr txBox="1">
+            <a:spLocks/>
+          </p:cNvSpPr>
+          <p:nvPr/>
+        </p:nvSpPr>
+        <p:spPr>
+          <a:xfrm>
+            <a:off x="837406" y="890701"/>
+            <a:ext cx="3299959" cy="665957"/>
+          </a:xfrm>
+          <a:prstGeom prst="rect">
+            <a:avLst/>
+          </a:prstGeom>
+        </p:spPr>
+        <p:txBody>
+          <a:bodyPr vert="horz" lIns="91440" tIns="45720" rIns="91440" bIns="45720" rtlCol="0">
+            <a:normAutofit/>
+          </a:bodyPr>
+          <a:lstStyle>
+            <a:lvl1pPr marL="228600" indent="-228600" algn="l" defTabSz="914400" rtl="0" eaLnBrk="1" latinLnBrk="0" hangingPunct="1">
+              <a:lnSpc>
+                <a:spcPct val="120000"/>
+              </a:lnSpc>
+              <a:spcBef>
+                <a:spcPts val="1000"/>
+              </a:spcBef>
+              <a:buSzPct val="125000"/>
+              <a:buFont typeface="Arial" panose="020B0604020202020204" pitchFamily="34" charset="0"/>
+              <a:buChar char="•"/>
+              <a:defRPr sz="2400" kern="1200">
+                <a:solidFill>
+                  <a:schemeClr val="tx1"/>
+                </a:solidFill>
+                <a:latin typeface="+mn-lt"/>
+                <a:ea typeface="+mn-ea"/>
+                <a:cs typeface="+mn-cs"/>
+              </a:defRPr>
+            </a:lvl1pPr>
+            <a:lvl2pPr marL="685800" indent="-228600" algn="l" defTabSz="914400" rtl="0" eaLnBrk="1" latinLnBrk="0" hangingPunct="1">
+              <a:lnSpc>
+                <a:spcPct val="120000"/>
+              </a:lnSpc>
+              <a:spcBef>
+                <a:spcPts val="500"/>
+              </a:spcBef>
+              <a:buSzPct val="125000"/>
+              <a:buFont typeface="Arial" panose="020B0604020202020204" pitchFamily="34" charset="0"/>
+              <a:buChar char="•"/>
+              <a:defRPr sz="2000" kern="1200">
+                <a:solidFill>
+                  <a:schemeClr val="tx1"/>
+                </a:solidFill>
+                <a:latin typeface="+mn-lt"/>
+                <a:ea typeface="+mn-ea"/>
+                <a:cs typeface="+mn-cs"/>
+              </a:defRPr>
+            </a:lvl2pPr>
+            <a:lvl3pPr marL="1143000" indent="-228600" algn="l" defTabSz="914400" rtl="0" eaLnBrk="1" latinLnBrk="0" hangingPunct="1">
+              <a:lnSpc>
+                <a:spcPct val="120000"/>
+              </a:lnSpc>
+              <a:spcBef>
+                <a:spcPts val="500"/>
+              </a:spcBef>
+              <a:buSzPct val="125000"/>
+              <a:buFont typeface="Arial" panose="020B0604020202020204" pitchFamily="34" charset="0"/>
+              <a:buChar char="•"/>
+              <a:defRPr sz="1800" kern="1200">
+                <a:solidFill>
+                  <a:schemeClr val="tx1"/>
+                </a:solidFill>
+                <a:latin typeface="+mn-lt"/>
+                <a:ea typeface="+mn-ea"/>
+                <a:cs typeface="+mn-cs"/>
+              </a:defRPr>
+            </a:lvl3pPr>
+            <a:lvl4pPr marL="1600200" indent="-228600" algn="l" defTabSz="914400" rtl="0" eaLnBrk="1" latinLnBrk="0" hangingPunct="1">
+              <a:lnSpc>
+                <a:spcPct val="120000"/>
+              </a:lnSpc>
+              <a:spcBef>
+                <a:spcPts val="500"/>
+              </a:spcBef>
+              <a:buSzPct val="125000"/>
+              <a:buFont typeface="Arial" panose="020B0604020202020204" pitchFamily="34" charset="0"/>
+              <a:buChar char="•"/>
+              <a:defRPr sz="1600" kern="1200">
+                <a:solidFill>
+                  <a:schemeClr val="tx1"/>
+                </a:solidFill>
+                <a:latin typeface="+mn-lt"/>
+                <a:ea typeface="+mn-ea"/>
+                <a:cs typeface="+mn-cs"/>
+              </a:defRPr>
+            </a:lvl4pPr>
+            <a:lvl5pPr marL="2057400" indent="-228600" algn="l" defTabSz="914400" rtl="0" eaLnBrk="1" latinLnBrk="0" hangingPunct="1">
+              <a:lnSpc>
+                <a:spcPct val="120000"/>
+              </a:lnSpc>
+              <a:spcBef>
+                <a:spcPts val="500"/>
+              </a:spcBef>
+              <a:buSzPct val="125000"/>
+              <a:buFont typeface="Arial" panose="020B0604020202020204" pitchFamily="34" charset="0"/>
+              <a:buChar char="•"/>
+              <a:defRPr sz="1600" kern="1200">
+                <a:solidFill>
+                  <a:schemeClr val="tx1"/>
+                </a:solidFill>
+                <a:latin typeface="+mn-lt"/>
+                <a:ea typeface="+mn-ea"/>
+                <a:cs typeface="+mn-cs"/>
+              </a:defRPr>
+            </a:lvl5pPr>
+            <a:lvl6pPr marL="2514600" indent="-228600" algn="l" defTabSz="914400" rtl="0" eaLnBrk="1" latinLnBrk="0" hangingPunct="1">
+              <a:lnSpc>
+                <a:spcPct val="120000"/>
+              </a:lnSpc>
+              <a:spcBef>
+                <a:spcPts val="500"/>
+              </a:spcBef>
+              <a:buSzPct val="125000"/>
+              <a:buFont typeface="Arial" panose="020B0604020202020204" pitchFamily="34" charset="0"/>
+              <a:buChar char="•"/>
+              <a:defRPr sz="1400" kern="1200">
+                <a:solidFill>
+                  <a:schemeClr val="tx1"/>
+                </a:solidFill>
+                <a:latin typeface="+mn-lt"/>
+                <a:ea typeface="+mn-ea"/>
+                <a:cs typeface="+mn-cs"/>
+              </a:defRPr>
+            </a:lvl6pPr>
+            <a:lvl7pPr marL="2971800" indent="-228600" algn="l" defTabSz="914400" rtl="0" eaLnBrk="1" latinLnBrk="0" hangingPunct="1">
+              <a:lnSpc>
+                <a:spcPct val="120000"/>
+              </a:lnSpc>
+              <a:spcBef>
+                <a:spcPts val="500"/>
+              </a:spcBef>
+              <a:buSzPct val="125000"/>
+              <a:buFont typeface="Arial" panose="020B0604020202020204" pitchFamily="34" charset="0"/>
+              <a:buChar char="•"/>
+              <a:defRPr sz="1400" kern="1200">
+                <a:solidFill>
+                  <a:schemeClr val="tx1"/>
+                </a:solidFill>
+                <a:latin typeface="+mn-lt"/>
+                <a:ea typeface="+mn-ea"/>
+                <a:cs typeface="+mn-cs"/>
+              </a:defRPr>
+            </a:lvl7pPr>
+            <a:lvl8pPr marL="3429000" indent="-228600" algn="l" defTabSz="914400" rtl="0" eaLnBrk="1" latinLnBrk="0" hangingPunct="1">
+              <a:lnSpc>
+                <a:spcPct val="120000"/>
+              </a:lnSpc>
+              <a:spcBef>
+                <a:spcPts val="500"/>
+              </a:spcBef>
+              <a:buSzPct val="125000"/>
+              <a:buFont typeface="Arial" panose="020B0604020202020204" pitchFamily="34" charset="0"/>
+              <a:buChar char="•"/>
+              <a:defRPr sz="1400" kern="1200">
+                <a:solidFill>
+                  <a:schemeClr val="tx1"/>
+                </a:solidFill>
+                <a:latin typeface="+mn-lt"/>
+                <a:ea typeface="+mn-ea"/>
+                <a:cs typeface="+mn-cs"/>
+              </a:defRPr>
+            </a:lvl8pPr>
+            <a:lvl9pPr marL="3886200" indent="-228600" algn="l" defTabSz="914400" rtl="0" eaLnBrk="1" latinLnBrk="0" hangingPunct="1">
+              <a:lnSpc>
+                <a:spcPct val="120000"/>
+              </a:lnSpc>
+              <a:spcBef>
+                <a:spcPts val="500"/>
+              </a:spcBef>
+              <a:buSzPct val="125000"/>
+              <a:buFont typeface="Arial" panose="020B0604020202020204" pitchFamily="34" charset="0"/>
+              <a:buChar char="•"/>
+              <a:defRPr sz="1400" kern="1200">
+                <a:solidFill>
+                  <a:schemeClr val="tx1"/>
+                </a:solidFill>
+                <a:latin typeface="+mn-lt"/>
+                <a:ea typeface="+mn-ea"/>
+                <a:cs typeface="+mn-cs"/>
+              </a:defRPr>
+            </a:lvl9pPr>
+          </a:lstStyle>
+          <a:p>
+            <a:pPr marL="0" indent="0" algn="r">
+              <a:buFont typeface="Arial" panose="020B0604020202020204" pitchFamily="34" charset="0"/>
+              <a:buNone/>
+            </a:pPr>
+            <a:r>
+              <a:rPr lang="en-US" dirty="0"/>
+              <a:t>Mongo Setup</a:t>
+            </a:r>
+          </a:p>
+        </p:txBody>
+      </p:sp>
+      <p:sp>
+        <p:nvSpPr>
+          <p:cNvPr id="6" name="Content Placeholder 2">
+            <a:extLst>
+              <a:ext uri="{FF2B5EF4-FFF2-40B4-BE49-F238E27FC236}">
+                <a16:creationId xmlns:a16="http://schemas.microsoft.com/office/drawing/2014/main" id="{C3736B55-2C64-4678-BDF4-A1FC9E77F72F}"/>
+              </a:ext>
+            </a:extLst>
+          </p:cNvPr>
+          <p:cNvSpPr txBox="1">
+            <a:spLocks/>
+          </p:cNvSpPr>
+          <p:nvPr/>
+        </p:nvSpPr>
+        <p:spPr>
+          <a:xfrm>
+            <a:off x="847501" y="1309027"/>
+            <a:ext cx="3299959" cy="665957"/>
+          </a:xfrm>
+          <a:prstGeom prst="rect">
+            <a:avLst/>
+          </a:prstGeom>
+        </p:spPr>
+        <p:txBody>
+          <a:bodyPr vert="horz" lIns="91440" tIns="45720" rIns="91440" bIns="45720" rtlCol="0">
+            <a:normAutofit/>
+          </a:bodyPr>
+          <a:lstStyle>
+            <a:lvl1pPr marL="228600" indent="-228600" algn="l" defTabSz="914400" rtl="0" eaLnBrk="1" latinLnBrk="0" hangingPunct="1">
+              <a:lnSpc>
+                <a:spcPct val="120000"/>
+              </a:lnSpc>
+              <a:spcBef>
+                <a:spcPts val="1000"/>
+              </a:spcBef>
+              <a:buSzPct val="125000"/>
+              <a:buFont typeface="Arial" panose="020B0604020202020204" pitchFamily="34" charset="0"/>
+              <a:buChar char="•"/>
+              <a:defRPr sz="2400" kern="1200">
+                <a:solidFill>
+                  <a:schemeClr val="tx1"/>
+                </a:solidFill>
+                <a:latin typeface="+mn-lt"/>
+                <a:ea typeface="+mn-ea"/>
+                <a:cs typeface="+mn-cs"/>
+              </a:defRPr>
+            </a:lvl1pPr>
+            <a:lvl2pPr marL="685800" indent="-228600" algn="l" defTabSz="914400" rtl="0" eaLnBrk="1" latinLnBrk="0" hangingPunct="1">
+              <a:lnSpc>
+                <a:spcPct val="120000"/>
+              </a:lnSpc>
+              <a:spcBef>
+                <a:spcPts val="500"/>
+              </a:spcBef>
+              <a:buSzPct val="125000"/>
+              <a:buFont typeface="Arial" panose="020B0604020202020204" pitchFamily="34" charset="0"/>
+              <a:buChar char="•"/>
+              <a:defRPr sz="2000" kern="1200">
+                <a:solidFill>
+                  <a:schemeClr val="tx1"/>
+                </a:solidFill>
+                <a:latin typeface="+mn-lt"/>
+                <a:ea typeface="+mn-ea"/>
+                <a:cs typeface="+mn-cs"/>
+              </a:defRPr>
+            </a:lvl2pPr>
+            <a:lvl3pPr marL="1143000" indent="-228600" algn="l" defTabSz="914400" rtl="0" eaLnBrk="1" latinLnBrk="0" hangingPunct="1">
+              <a:lnSpc>
+                <a:spcPct val="120000"/>
+              </a:lnSpc>
+              <a:spcBef>
+                <a:spcPts val="500"/>
+              </a:spcBef>
+              <a:buSzPct val="125000"/>
+              <a:buFont typeface="Arial" panose="020B0604020202020204" pitchFamily="34" charset="0"/>
+              <a:buChar char="•"/>
+              <a:defRPr sz="1800" kern="1200">
+                <a:solidFill>
+                  <a:schemeClr val="tx1"/>
+                </a:solidFill>
+                <a:latin typeface="+mn-lt"/>
+                <a:ea typeface="+mn-ea"/>
+                <a:cs typeface="+mn-cs"/>
+              </a:defRPr>
+            </a:lvl3pPr>
+            <a:lvl4pPr marL="1600200" indent="-228600" algn="l" defTabSz="914400" rtl="0" eaLnBrk="1" latinLnBrk="0" hangingPunct="1">
+              <a:lnSpc>
+                <a:spcPct val="120000"/>
+              </a:lnSpc>
+              <a:spcBef>
+                <a:spcPts val="500"/>
+              </a:spcBef>
+              <a:buSzPct val="125000"/>
+              <a:buFont typeface="Arial" panose="020B0604020202020204" pitchFamily="34" charset="0"/>
+              <a:buChar char="•"/>
+              <a:defRPr sz="1600" kern="1200">
+                <a:solidFill>
+                  <a:schemeClr val="tx1"/>
+                </a:solidFill>
+                <a:latin typeface="+mn-lt"/>
+                <a:ea typeface="+mn-ea"/>
+                <a:cs typeface="+mn-cs"/>
+              </a:defRPr>
+            </a:lvl4pPr>
+            <a:lvl5pPr marL="2057400" indent="-228600" algn="l" defTabSz="914400" rtl="0" eaLnBrk="1" latinLnBrk="0" hangingPunct="1">
+              <a:lnSpc>
+                <a:spcPct val="120000"/>
+              </a:lnSpc>
+              <a:spcBef>
+                <a:spcPts val="500"/>
+              </a:spcBef>
+              <a:buSzPct val="125000"/>
+              <a:buFont typeface="Arial" panose="020B0604020202020204" pitchFamily="34" charset="0"/>
+              <a:buChar char="•"/>
+              <a:defRPr sz="1600" kern="1200">
+                <a:solidFill>
+                  <a:schemeClr val="tx1"/>
+                </a:solidFill>
+                <a:latin typeface="+mn-lt"/>
+                <a:ea typeface="+mn-ea"/>
+                <a:cs typeface="+mn-cs"/>
+              </a:defRPr>
+            </a:lvl5pPr>
+            <a:lvl6pPr marL="2514600" indent="-228600" algn="l" defTabSz="914400" rtl="0" eaLnBrk="1" latinLnBrk="0" hangingPunct="1">
+              <a:lnSpc>
+                <a:spcPct val="120000"/>
+              </a:lnSpc>
+              <a:spcBef>
+                <a:spcPts val="500"/>
+              </a:spcBef>
+              <a:buSzPct val="125000"/>
+              <a:buFont typeface="Arial" panose="020B0604020202020204" pitchFamily="34" charset="0"/>
+              <a:buChar char="•"/>
+              <a:defRPr sz="1400" kern="1200">
+                <a:solidFill>
+                  <a:schemeClr val="tx1"/>
+                </a:solidFill>
+                <a:latin typeface="+mn-lt"/>
+                <a:ea typeface="+mn-ea"/>
+                <a:cs typeface="+mn-cs"/>
+              </a:defRPr>
+            </a:lvl6pPr>
+            <a:lvl7pPr marL="2971800" indent="-228600" algn="l" defTabSz="914400" rtl="0" eaLnBrk="1" latinLnBrk="0" hangingPunct="1">
+              <a:lnSpc>
+                <a:spcPct val="120000"/>
+              </a:lnSpc>
+              <a:spcBef>
+                <a:spcPts val="500"/>
+              </a:spcBef>
+              <a:buSzPct val="125000"/>
+              <a:buFont typeface="Arial" panose="020B0604020202020204" pitchFamily="34" charset="0"/>
+              <a:buChar char="•"/>
+              <a:defRPr sz="1400" kern="1200">
+                <a:solidFill>
+                  <a:schemeClr val="tx1"/>
+                </a:solidFill>
+                <a:latin typeface="+mn-lt"/>
+                <a:ea typeface="+mn-ea"/>
+                <a:cs typeface="+mn-cs"/>
+              </a:defRPr>
+            </a:lvl7pPr>
+            <a:lvl8pPr marL="3429000" indent="-228600" algn="l" defTabSz="914400" rtl="0" eaLnBrk="1" latinLnBrk="0" hangingPunct="1">
+              <a:lnSpc>
+                <a:spcPct val="120000"/>
+              </a:lnSpc>
+              <a:spcBef>
+                <a:spcPts val="500"/>
+              </a:spcBef>
+              <a:buSzPct val="125000"/>
+              <a:buFont typeface="Arial" panose="020B0604020202020204" pitchFamily="34" charset="0"/>
+              <a:buChar char="•"/>
+              <a:defRPr sz="1400" kern="1200">
+                <a:solidFill>
+                  <a:schemeClr val="tx1"/>
+                </a:solidFill>
+                <a:latin typeface="+mn-lt"/>
+                <a:ea typeface="+mn-ea"/>
+                <a:cs typeface="+mn-cs"/>
+              </a:defRPr>
+            </a:lvl8pPr>
+            <a:lvl9pPr marL="3886200" indent="-228600" algn="l" defTabSz="914400" rtl="0" eaLnBrk="1" latinLnBrk="0" hangingPunct="1">
+              <a:lnSpc>
+                <a:spcPct val="120000"/>
+              </a:lnSpc>
+              <a:spcBef>
+                <a:spcPts val="500"/>
+              </a:spcBef>
+              <a:buSzPct val="125000"/>
+              <a:buFont typeface="Arial" panose="020B0604020202020204" pitchFamily="34" charset="0"/>
+              <a:buChar char="•"/>
+              <a:defRPr sz="1400" kern="1200">
+                <a:solidFill>
+                  <a:schemeClr val="tx1"/>
+                </a:solidFill>
+                <a:latin typeface="+mn-lt"/>
+                <a:ea typeface="+mn-ea"/>
+                <a:cs typeface="+mn-cs"/>
+              </a:defRPr>
+            </a:lvl9pPr>
+          </a:lstStyle>
+          <a:p>
+            <a:pPr marL="0" indent="0" algn="r">
+              <a:buFont typeface="Arial" panose="020B0604020202020204" pitchFamily="34" charset="0"/>
+              <a:buNone/>
+            </a:pPr>
+            <a:r>
+              <a:rPr lang="en-US" dirty="0"/>
+              <a:t>Search material</a:t>
+            </a:r>
+          </a:p>
+        </p:txBody>
+      </p:sp>
+      <p:cxnSp>
+        <p:nvCxnSpPr>
+          <p:cNvPr id="8" name="Straight Arrow Connector 7">
+            <a:extLst>
+              <a:ext uri="{FF2B5EF4-FFF2-40B4-BE49-F238E27FC236}">
+                <a16:creationId xmlns:a16="http://schemas.microsoft.com/office/drawing/2014/main" id="{21D6F1D9-77F5-4851-97D6-2E157F9D8C03}"/>
+              </a:ext>
+            </a:extLst>
+          </p:cNvPr>
+          <p:cNvCxnSpPr>
+            <a:stCxn id="6" idx="3"/>
+            <a:endCxn id="6" idx="3"/>
+          </p:cNvCxnSpPr>
+          <p:nvPr/>
+        </p:nvCxnSpPr>
+        <p:spPr>
+          <a:xfrm>
+            <a:off x="4147460" y="1642006"/>
+            <a:ext cx="0" cy="0"/>
+          </a:xfrm>
+          <a:prstGeom prst="straightConnector1">
+            <a:avLst/>
+          </a:prstGeom>
+          <a:ln>
+            <a:tailEnd type="triangle"/>
+          </a:ln>
+        </p:spPr>
+        <p:style>
+          <a:lnRef idx="1">
+            <a:schemeClr val="accent1"/>
+          </a:lnRef>
+          <a:fillRef idx="0">
+            <a:schemeClr val="accent1"/>
+          </a:fillRef>
+          <a:effectRef idx="0">
+            <a:schemeClr val="accent1"/>
+          </a:effectRef>
+          <a:fontRef idx="minor">
+            <a:schemeClr val="tx1"/>
+          </a:fontRef>
+        </p:style>
+      </p:cxnSp>
+      <p:cxnSp>
+        <p:nvCxnSpPr>
+          <p:cNvPr id="10" name="Straight Arrow Connector 9">
+            <a:extLst>
+              <a:ext uri="{FF2B5EF4-FFF2-40B4-BE49-F238E27FC236}">
+                <a16:creationId xmlns:a16="http://schemas.microsoft.com/office/drawing/2014/main" id="{3A746785-F3BB-4A60-B82E-7B50816470DF}"/>
+              </a:ext>
+            </a:extLst>
+          </p:cNvPr>
+          <p:cNvCxnSpPr>
+            <a:cxnSpLocks/>
+            <a:stCxn id="6" idx="3"/>
+          </p:cNvCxnSpPr>
+          <p:nvPr/>
+        </p:nvCxnSpPr>
+        <p:spPr>
+          <a:xfrm flipV="1">
+            <a:off x="4147460" y="1474078"/>
+            <a:ext cx="827310" cy="167928"/>
+          </a:xfrm>
+          <a:prstGeom prst="straightConnector1">
+            <a:avLst/>
+          </a:prstGeom>
+          <a:ln w="28575">
+            <a:solidFill>
+              <a:srgbClr val="FF0000"/>
+            </a:solidFill>
+            <a:tailEnd type="triangle"/>
+          </a:ln>
+        </p:spPr>
+        <p:style>
+          <a:lnRef idx="1">
+            <a:schemeClr val="accent1"/>
+          </a:lnRef>
+          <a:fillRef idx="0">
+            <a:schemeClr val="accent1"/>
+          </a:fillRef>
+          <a:effectRef idx="0">
+            <a:schemeClr val="accent1"/>
+          </a:effectRef>
+          <a:fontRef idx="minor">
+            <a:schemeClr val="tx1"/>
+          </a:fontRef>
+        </p:style>
+      </p:cxnSp>
+      <p:cxnSp>
+        <p:nvCxnSpPr>
+          <p:cNvPr id="12" name="Straight Arrow Connector 11">
+            <a:extLst>
+              <a:ext uri="{FF2B5EF4-FFF2-40B4-BE49-F238E27FC236}">
+                <a16:creationId xmlns:a16="http://schemas.microsoft.com/office/drawing/2014/main" id="{1BDF9223-D793-48ED-9C34-6AE829CE3FBC}"/>
+              </a:ext>
+            </a:extLst>
+          </p:cNvPr>
+          <p:cNvCxnSpPr>
+            <a:cxnSpLocks/>
+            <a:stCxn id="5" idx="3"/>
+          </p:cNvCxnSpPr>
+          <p:nvPr/>
+        </p:nvCxnSpPr>
+        <p:spPr>
+          <a:xfrm flipV="1">
+            <a:off x="4137365" y="1141100"/>
+            <a:ext cx="695892" cy="82580"/>
+          </a:xfrm>
+          <a:prstGeom prst="straightConnector1">
+            <a:avLst/>
+          </a:prstGeom>
+          <a:ln w="28575">
+            <a:solidFill>
+              <a:srgbClr val="FF0000"/>
+            </a:solidFill>
+            <a:tailEnd type="triangle"/>
+          </a:ln>
+        </p:spPr>
+        <p:style>
+          <a:lnRef idx="1">
+            <a:schemeClr val="accent1"/>
+          </a:lnRef>
+          <a:fillRef idx="0">
+            <a:schemeClr val="accent1"/>
+          </a:fillRef>
+          <a:effectRef idx="0">
+            <a:schemeClr val="accent1"/>
+          </a:effectRef>
+          <a:fontRef idx="minor">
+            <a:schemeClr val="tx1"/>
+          </a:fontRef>
+        </p:style>
+      </p:cxnSp>
+      <p:cxnSp>
+        <p:nvCxnSpPr>
+          <p:cNvPr id="15" name="Straight Arrow Connector 14">
+            <a:extLst>
+              <a:ext uri="{FF2B5EF4-FFF2-40B4-BE49-F238E27FC236}">
+                <a16:creationId xmlns:a16="http://schemas.microsoft.com/office/drawing/2014/main" id="{D33B12B6-0F58-4375-A72B-41F6D6FCCDB5}"/>
+              </a:ext>
+            </a:extLst>
+          </p:cNvPr>
+          <p:cNvCxnSpPr>
+            <a:cxnSpLocks/>
+            <a:stCxn id="3" idx="3"/>
+          </p:cNvCxnSpPr>
+          <p:nvPr/>
+        </p:nvCxnSpPr>
+        <p:spPr>
+          <a:xfrm flipV="1">
+            <a:off x="4278087" y="2307771"/>
+            <a:ext cx="696683" cy="129128"/>
+          </a:xfrm>
+          <a:prstGeom prst="straightConnector1">
+            <a:avLst/>
+          </a:prstGeom>
+          <a:ln w="28575">
+            <a:solidFill>
+              <a:srgbClr val="FF0000"/>
+            </a:solidFill>
+            <a:tailEnd type="triangle"/>
+          </a:ln>
+        </p:spPr>
+        <p:style>
+          <a:lnRef idx="1">
+            <a:schemeClr val="accent1"/>
+          </a:lnRef>
+          <a:fillRef idx="0">
+            <a:schemeClr val="accent1"/>
+          </a:fillRef>
+          <a:effectRef idx="0">
+            <a:schemeClr val="accent1"/>
+          </a:effectRef>
+          <a:fontRef idx="minor">
+            <a:schemeClr val="tx1"/>
+          </a:fontRef>
+        </p:style>
+      </p:cxnSp>
+      <p:sp>
+        <p:nvSpPr>
+          <p:cNvPr id="18" name="Content Placeholder 2">
+            <a:extLst>
+              <a:ext uri="{FF2B5EF4-FFF2-40B4-BE49-F238E27FC236}">
+                <a16:creationId xmlns:a16="http://schemas.microsoft.com/office/drawing/2014/main" id="{2C4588F1-C7B3-48AD-A21E-2B1FD930FC9C}"/>
+              </a:ext>
+            </a:extLst>
+          </p:cNvPr>
+          <p:cNvSpPr txBox="1">
+            <a:spLocks/>
+          </p:cNvSpPr>
+          <p:nvPr/>
+        </p:nvSpPr>
+        <p:spPr>
+          <a:xfrm>
+            <a:off x="288543" y="2834075"/>
+            <a:ext cx="3989543" cy="477483"/>
+          </a:xfrm>
+          <a:prstGeom prst="rect">
+            <a:avLst/>
+          </a:prstGeom>
+        </p:spPr>
+        <p:txBody>
+          <a:bodyPr vert="horz" lIns="91440" tIns="45720" rIns="91440" bIns="45720" rtlCol="0">
+            <a:normAutofit fontScale="70000" lnSpcReduction="20000"/>
+          </a:bodyPr>
+          <a:lstStyle>
+            <a:lvl1pPr marL="228600" indent="-228600" algn="l" defTabSz="914400" rtl="0" eaLnBrk="1" latinLnBrk="0" hangingPunct="1">
+              <a:lnSpc>
+                <a:spcPct val="120000"/>
+              </a:lnSpc>
+              <a:spcBef>
+                <a:spcPts val="1000"/>
+              </a:spcBef>
+              <a:buSzPct val="125000"/>
+              <a:buFont typeface="Arial" panose="020B0604020202020204" pitchFamily="34" charset="0"/>
+              <a:buChar char="•"/>
+              <a:defRPr sz="2400" kern="1200">
+                <a:solidFill>
+                  <a:schemeClr val="tx1"/>
+                </a:solidFill>
+                <a:latin typeface="+mn-lt"/>
+                <a:ea typeface="+mn-ea"/>
+                <a:cs typeface="+mn-cs"/>
+              </a:defRPr>
+            </a:lvl1pPr>
+            <a:lvl2pPr marL="685800" indent="-228600" algn="l" defTabSz="914400" rtl="0" eaLnBrk="1" latinLnBrk="0" hangingPunct="1">
+              <a:lnSpc>
+                <a:spcPct val="120000"/>
+              </a:lnSpc>
+              <a:spcBef>
+                <a:spcPts val="500"/>
+              </a:spcBef>
+              <a:buSzPct val="125000"/>
+              <a:buFont typeface="Arial" panose="020B0604020202020204" pitchFamily="34" charset="0"/>
+              <a:buChar char="•"/>
+              <a:defRPr sz="2000" kern="1200">
+                <a:solidFill>
+                  <a:schemeClr val="tx1"/>
+                </a:solidFill>
+                <a:latin typeface="+mn-lt"/>
+                <a:ea typeface="+mn-ea"/>
+                <a:cs typeface="+mn-cs"/>
+              </a:defRPr>
+            </a:lvl2pPr>
+            <a:lvl3pPr marL="1143000" indent="-228600" algn="l" defTabSz="914400" rtl="0" eaLnBrk="1" latinLnBrk="0" hangingPunct="1">
+              <a:lnSpc>
+                <a:spcPct val="120000"/>
+              </a:lnSpc>
+              <a:spcBef>
+                <a:spcPts val="500"/>
+              </a:spcBef>
+              <a:buSzPct val="125000"/>
+              <a:buFont typeface="Arial" panose="020B0604020202020204" pitchFamily="34" charset="0"/>
+              <a:buChar char="•"/>
+              <a:defRPr sz="1800" kern="1200">
+                <a:solidFill>
+                  <a:schemeClr val="tx1"/>
+                </a:solidFill>
+                <a:latin typeface="+mn-lt"/>
+                <a:ea typeface="+mn-ea"/>
+                <a:cs typeface="+mn-cs"/>
+              </a:defRPr>
+            </a:lvl3pPr>
+            <a:lvl4pPr marL="1600200" indent="-228600" algn="l" defTabSz="914400" rtl="0" eaLnBrk="1" latinLnBrk="0" hangingPunct="1">
+              <a:lnSpc>
+                <a:spcPct val="120000"/>
+              </a:lnSpc>
+              <a:spcBef>
+                <a:spcPts val="500"/>
+              </a:spcBef>
+              <a:buSzPct val="125000"/>
+              <a:buFont typeface="Arial" panose="020B0604020202020204" pitchFamily="34" charset="0"/>
+              <a:buChar char="•"/>
+              <a:defRPr sz="1600" kern="1200">
+                <a:solidFill>
+                  <a:schemeClr val="tx1"/>
+                </a:solidFill>
+                <a:latin typeface="+mn-lt"/>
+                <a:ea typeface="+mn-ea"/>
+                <a:cs typeface="+mn-cs"/>
+              </a:defRPr>
+            </a:lvl4pPr>
+            <a:lvl5pPr marL="2057400" indent="-228600" algn="l" defTabSz="914400" rtl="0" eaLnBrk="1" latinLnBrk="0" hangingPunct="1">
+              <a:lnSpc>
+                <a:spcPct val="120000"/>
+              </a:lnSpc>
+              <a:spcBef>
+                <a:spcPts val="500"/>
+              </a:spcBef>
+              <a:buSzPct val="125000"/>
+              <a:buFont typeface="Arial" panose="020B0604020202020204" pitchFamily="34" charset="0"/>
+              <a:buChar char="•"/>
+              <a:defRPr sz="1600" kern="1200">
+                <a:solidFill>
+                  <a:schemeClr val="tx1"/>
+                </a:solidFill>
+                <a:latin typeface="+mn-lt"/>
+                <a:ea typeface="+mn-ea"/>
+                <a:cs typeface="+mn-cs"/>
+              </a:defRPr>
+            </a:lvl5pPr>
+            <a:lvl6pPr marL="2514600" indent="-228600" algn="l" defTabSz="914400" rtl="0" eaLnBrk="1" latinLnBrk="0" hangingPunct="1">
+              <a:lnSpc>
+                <a:spcPct val="120000"/>
+              </a:lnSpc>
+              <a:spcBef>
+                <a:spcPts val="500"/>
+              </a:spcBef>
+              <a:buSzPct val="125000"/>
+              <a:buFont typeface="Arial" panose="020B0604020202020204" pitchFamily="34" charset="0"/>
+              <a:buChar char="•"/>
+              <a:defRPr sz="1400" kern="1200">
+                <a:solidFill>
+                  <a:schemeClr val="tx1"/>
+                </a:solidFill>
+                <a:latin typeface="+mn-lt"/>
+                <a:ea typeface="+mn-ea"/>
+                <a:cs typeface="+mn-cs"/>
+              </a:defRPr>
+            </a:lvl6pPr>
+            <a:lvl7pPr marL="2971800" indent="-228600" algn="l" defTabSz="914400" rtl="0" eaLnBrk="1" latinLnBrk="0" hangingPunct="1">
+              <a:lnSpc>
+                <a:spcPct val="120000"/>
+              </a:lnSpc>
+              <a:spcBef>
+                <a:spcPts val="500"/>
+              </a:spcBef>
+              <a:buSzPct val="125000"/>
+              <a:buFont typeface="Arial" panose="020B0604020202020204" pitchFamily="34" charset="0"/>
+              <a:buChar char="•"/>
+              <a:defRPr sz="1400" kern="1200">
+                <a:solidFill>
+                  <a:schemeClr val="tx1"/>
+                </a:solidFill>
+                <a:latin typeface="+mn-lt"/>
+                <a:ea typeface="+mn-ea"/>
+                <a:cs typeface="+mn-cs"/>
+              </a:defRPr>
+            </a:lvl7pPr>
+            <a:lvl8pPr marL="3429000" indent="-228600" algn="l" defTabSz="914400" rtl="0" eaLnBrk="1" latinLnBrk="0" hangingPunct="1">
+              <a:lnSpc>
+                <a:spcPct val="120000"/>
+              </a:lnSpc>
+              <a:spcBef>
+                <a:spcPts val="500"/>
+              </a:spcBef>
+              <a:buSzPct val="125000"/>
+              <a:buFont typeface="Arial" panose="020B0604020202020204" pitchFamily="34" charset="0"/>
+              <a:buChar char="•"/>
+              <a:defRPr sz="1400" kern="1200">
+                <a:solidFill>
+                  <a:schemeClr val="tx1"/>
+                </a:solidFill>
+                <a:latin typeface="+mn-lt"/>
+                <a:ea typeface="+mn-ea"/>
+                <a:cs typeface="+mn-cs"/>
+              </a:defRPr>
+            </a:lvl8pPr>
+            <a:lvl9pPr marL="3886200" indent="-228600" algn="l" defTabSz="914400" rtl="0" eaLnBrk="1" latinLnBrk="0" hangingPunct="1">
+              <a:lnSpc>
+                <a:spcPct val="120000"/>
+              </a:lnSpc>
+              <a:spcBef>
+                <a:spcPts val="500"/>
+              </a:spcBef>
+              <a:buSzPct val="125000"/>
+              <a:buFont typeface="Arial" panose="020B0604020202020204" pitchFamily="34" charset="0"/>
+              <a:buChar char="•"/>
+              <a:defRPr sz="1400" kern="1200">
+                <a:solidFill>
+                  <a:schemeClr val="tx1"/>
+                </a:solidFill>
+                <a:latin typeface="+mn-lt"/>
+                <a:ea typeface="+mn-ea"/>
+                <a:cs typeface="+mn-cs"/>
+              </a:defRPr>
+            </a:lvl9pPr>
+          </a:lstStyle>
+          <a:p>
+            <a:pPr marL="0" indent="0" algn="r">
+              <a:buFont typeface="Arial" panose="020B0604020202020204" pitchFamily="34" charset="0"/>
+              <a:buNone/>
+            </a:pPr>
+            <a:r>
+              <a:rPr lang="en-US" dirty="0"/>
+              <a:t>Pulls the tweet JSON data and assigns it</a:t>
+            </a:r>
+          </a:p>
+        </p:txBody>
+      </p:sp>
+      <p:cxnSp>
+        <p:nvCxnSpPr>
+          <p:cNvPr id="19" name="Straight Arrow Connector 18">
+            <a:extLst>
+              <a:ext uri="{FF2B5EF4-FFF2-40B4-BE49-F238E27FC236}">
+                <a16:creationId xmlns:a16="http://schemas.microsoft.com/office/drawing/2014/main" id="{82556015-E642-4CCF-A188-3C49392FAC6A}"/>
+              </a:ext>
+            </a:extLst>
+          </p:cNvPr>
+          <p:cNvCxnSpPr>
+            <a:cxnSpLocks/>
+            <a:stCxn id="18" idx="3"/>
+          </p:cNvCxnSpPr>
+          <p:nvPr/>
+        </p:nvCxnSpPr>
+        <p:spPr>
+          <a:xfrm>
+            <a:off x="4278086" y="3072817"/>
+            <a:ext cx="827310" cy="43425"/>
+          </a:xfrm>
+          <a:prstGeom prst="straightConnector1">
+            <a:avLst/>
+          </a:prstGeom>
+          <a:ln w="28575">
+            <a:solidFill>
+              <a:srgbClr val="FF0000"/>
+            </a:solidFill>
+            <a:tailEnd type="triangle"/>
+          </a:ln>
+        </p:spPr>
+        <p:style>
+          <a:lnRef idx="1">
+            <a:schemeClr val="accent1"/>
+          </a:lnRef>
+          <a:fillRef idx="0">
+            <a:schemeClr val="accent1"/>
+          </a:fillRef>
+          <a:effectRef idx="0">
+            <a:schemeClr val="accent1"/>
+          </a:effectRef>
+          <a:fontRef idx="minor">
+            <a:schemeClr val="tx1"/>
+          </a:fontRef>
+        </p:style>
+      </p:cxnSp>
+      <p:sp>
+        <p:nvSpPr>
+          <p:cNvPr id="22" name="Content Placeholder 2">
+            <a:extLst>
+              <a:ext uri="{FF2B5EF4-FFF2-40B4-BE49-F238E27FC236}">
+                <a16:creationId xmlns:a16="http://schemas.microsoft.com/office/drawing/2014/main" id="{FF6E3A86-1F21-4AD0-B6B3-ECE43AF39410}"/>
+              </a:ext>
+            </a:extLst>
+          </p:cNvPr>
+          <p:cNvSpPr txBox="1">
+            <a:spLocks/>
+          </p:cNvSpPr>
+          <p:nvPr/>
+        </p:nvSpPr>
+        <p:spPr>
+          <a:xfrm>
+            <a:off x="288543" y="5450373"/>
+            <a:ext cx="3989543" cy="486107"/>
+          </a:xfrm>
+          <a:prstGeom prst="rect">
+            <a:avLst/>
+          </a:prstGeom>
+        </p:spPr>
+        <p:txBody>
+          <a:bodyPr vert="horz" lIns="91440" tIns="45720" rIns="91440" bIns="45720" rtlCol="0">
+            <a:normAutofit fontScale="70000" lnSpcReduction="20000"/>
+          </a:bodyPr>
+          <a:lstStyle>
+            <a:lvl1pPr marL="228600" indent="-228600" algn="l" defTabSz="914400" rtl="0" eaLnBrk="1" latinLnBrk="0" hangingPunct="1">
+              <a:lnSpc>
+                <a:spcPct val="120000"/>
+              </a:lnSpc>
+              <a:spcBef>
+                <a:spcPts val="1000"/>
+              </a:spcBef>
+              <a:buSzPct val="125000"/>
+              <a:buFont typeface="Arial" panose="020B0604020202020204" pitchFamily="34" charset="0"/>
+              <a:buChar char="•"/>
+              <a:defRPr sz="2400" kern="1200">
+                <a:solidFill>
+                  <a:schemeClr val="tx1"/>
+                </a:solidFill>
+                <a:latin typeface="+mn-lt"/>
+                <a:ea typeface="+mn-ea"/>
+                <a:cs typeface="+mn-cs"/>
+              </a:defRPr>
+            </a:lvl1pPr>
+            <a:lvl2pPr marL="685800" indent="-228600" algn="l" defTabSz="914400" rtl="0" eaLnBrk="1" latinLnBrk="0" hangingPunct="1">
+              <a:lnSpc>
+                <a:spcPct val="120000"/>
+              </a:lnSpc>
+              <a:spcBef>
+                <a:spcPts val="500"/>
+              </a:spcBef>
+              <a:buSzPct val="125000"/>
+              <a:buFont typeface="Arial" panose="020B0604020202020204" pitchFamily="34" charset="0"/>
+              <a:buChar char="•"/>
+              <a:defRPr sz="2000" kern="1200">
+                <a:solidFill>
+                  <a:schemeClr val="tx1"/>
+                </a:solidFill>
+                <a:latin typeface="+mn-lt"/>
+                <a:ea typeface="+mn-ea"/>
+                <a:cs typeface="+mn-cs"/>
+              </a:defRPr>
+            </a:lvl2pPr>
+            <a:lvl3pPr marL="1143000" indent="-228600" algn="l" defTabSz="914400" rtl="0" eaLnBrk="1" latinLnBrk="0" hangingPunct="1">
+              <a:lnSpc>
+                <a:spcPct val="120000"/>
+              </a:lnSpc>
+              <a:spcBef>
+                <a:spcPts val="500"/>
+              </a:spcBef>
+              <a:buSzPct val="125000"/>
+              <a:buFont typeface="Arial" panose="020B0604020202020204" pitchFamily="34" charset="0"/>
+              <a:buChar char="•"/>
+              <a:defRPr sz="1800" kern="1200">
+                <a:solidFill>
+                  <a:schemeClr val="tx1"/>
+                </a:solidFill>
+                <a:latin typeface="+mn-lt"/>
+                <a:ea typeface="+mn-ea"/>
+                <a:cs typeface="+mn-cs"/>
+              </a:defRPr>
+            </a:lvl3pPr>
+            <a:lvl4pPr marL="1600200" indent="-228600" algn="l" defTabSz="914400" rtl="0" eaLnBrk="1" latinLnBrk="0" hangingPunct="1">
+              <a:lnSpc>
+                <a:spcPct val="120000"/>
+              </a:lnSpc>
+              <a:spcBef>
+                <a:spcPts val="500"/>
+              </a:spcBef>
+              <a:buSzPct val="125000"/>
+              <a:buFont typeface="Arial" panose="020B0604020202020204" pitchFamily="34" charset="0"/>
+              <a:buChar char="•"/>
+              <a:defRPr sz="1600" kern="1200">
+                <a:solidFill>
+                  <a:schemeClr val="tx1"/>
+                </a:solidFill>
+                <a:latin typeface="+mn-lt"/>
+                <a:ea typeface="+mn-ea"/>
+                <a:cs typeface="+mn-cs"/>
+              </a:defRPr>
+            </a:lvl4pPr>
+            <a:lvl5pPr marL="2057400" indent="-228600" algn="l" defTabSz="914400" rtl="0" eaLnBrk="1" latinLnBrk="0" hangingPunct="1">
+              <a:lnSpc>
+                <a:spcPct val="120000"/>
+              </a:lnSpc>
+              <a:spcBef>
+                <a:spcPts val="500"/>
+              </a:spcBef>
+              <a:buSzPct val="125000"/>
+              <a:buFont typeface="Arial" panose="020B0604020202020204" pitchFamily="34" charset="0"/>
+              <a:buChar char="•"/>
+              <a:defRPr sz="1600" kern="1200">
+                <a:solidFill>
+                  <a:schemeClr val="tx1"/>
+                </a:solidFill>
+                <a:latin typeface="+mn-lt"/>
+                <a:ea typeface="+mn-ea"/>
+                <a:cs typeface="+mn-cs"/>
+              </a:defRPr>
+            </a:lvl5pPr>
+            <a:lvl6pPr marL="2514600" indent="-228600" algn="l" defTabSz="914400" rtl="0" eaLnBrk="1" latinLnBrk="0" hangingPunct="1">
+              <a:lnSpc>
+                <a:spcPct val="120000"/>
+              </a:lnSpc>
+              <a:spcBef>
+                <a:spcPts val="500"/>
+              </a:spcBef>
+              <a:buSzPct val="125000"/>
+              <a:buFont typeface="Arial" panose="020B0604020202020204" pitchFamily="34" charset="0"/>
+              <a:buChar char="•"/>
+              <a:defRPr sz="1400" kern="1200">
+                <a:solidFill>
+                  <a:schemeClr val="tx1"/>
+                </a:solidFill>
+                <a:latin typeface="+mn-lt"/>
+                <a:ea typeface="+mn-ea"/>
+                <a:cs typeface="+mn-cs"/>
+              </a:defRPr>
+            </a:lvl6pPr>
+            <a:lvl7pPr marL="2971800" indent="-228600" algn="l" defTabSz="914400" rtl="0" eaLnBrk="1" latinLnBrk="0" hangingPunct="1">
+              <a:lnSpc>
+                <a:spcPct val="120000"/>
+              </a:lnSpc>
+              <a:spcBef>
+                <a:spcPts val="500"/>
+              </a:spcBef>
+              <a:buSzPct val="125000"/>
+              <a:buFont typeface="Arial" panose="020B0604020202020204" pitchFamily="34" charset="0"/>
+              <a:buChar char="•"/>
+              <a:defRPr sz="1400" kern="1200">
+                <a:solidFill>
+                  <a:schemeClr val="tx1"/>
+                </a:solidFill>
+                <a:latin typeface="+mn-lt"/>
+                <a:ea typeface="+mn-ea"/>
+                <a:cs typeface="+mn-cs"/>
+              </a:defRPr>
+            </a:lvl7pPr>
+            <a:lvl8pPr marL="3429000" indent="-228600" algn="l" defTabSz="914400" rtl="0" eaLnBrk="1" latinLnBrk="0" hangingPunct="1">
+              <a:lnSpc>
+                <a:spcPct val="120000"/>
+              </a:lnSpc>
+              <a:spcBef>
+                <a:spcPts val="500"/>
+              </a:spcBef>
+              <a:buSzPct val="125000"/>
+              <a:buFont typeface="Arial" panose="020B0604020202020204" pitchFamily="34" charset="0"/>
+              <a:buChar char="•"/>
+              <a:defRPr sz="1400" kern="1200">
+                <a:solidFill>
+                  <a:schemeClr val="tx1"/>
+                </a:solidFill>
+                <a:latin typeface="+mn-lt"/>
+                <a:ea typeface="+mn-ea"/>
+                <a:cs typeface="+mn-cs"/>
+              </a:defRPr>
+            </a:lvl8pPr>
+            <a:lvl9pPr marL="3886200" indent="-228600" algn="l" defTabSz="914400" rtl="0" eaLnBrk="1" latinLnBrk="0" hangingPunct="1">
+              <a:lnSpc>
+                <a:spcPct val="120000"/>
+              </a:lnSpc>
+              <a:spcBef>
+                <a:spcPts val="500"/>
+              </a:spcBef>
+              <a:buSzPct val="125000"/>
+              <a:buFont typeface="Arial" panose="020B0604020202020204" pitchFamily="34" charset="0"/>
+              <a:buChar char="•"/>
+              <a:defRPr sz="1400" kern="1200">
+                <a:solidFill>
+                  <a:schemeClr val="tx1"/>
+                </a:solidFill>
+                <a:latin typeface="+mn-lt"/>
+                <a:ea typeface="+mn-ea"/>
+                <a:cs typeface="+mn-cs"/>
+              </a:defRPr>
+            </a:lvl9pPr>
+          </a:lstStyle>
+          <a:p>
+            <a:pPr marL="0" indent="0" algn="r">
+              <a:buFont typeface="Arial" panose="020B0604020202020204" pitchFamily="34" charset="0"/>
+              <a:buNone/>
+            </a:pPr>
+            <a:r>
+              <a:rPr lang="en-US" dirty="0"/>
+              <a:t>420 error code to prevent being booted</a:t>
+            </a:r>
+          </a:p>
+        </p:txBody>
+      </p:sp>
+      <p:cxnSp>
+        <p:nvCxnSpPr>
+          <p:cNvPr id="23" name="Straight Arrow Connector 22">
+            <a:extLst>
+              <a:ext uri="{FF2B5EF4-FFF2-40B4-BE49-F238E27FC236}">
+                <a16:creationId xmlns:a16="http://schemas.microsoft.com/office/drawing/2014/main" id="{1253E0AA-95E3-4CFD-A109-36EA0C5A6CD2}"/>
+              </a:ext>
+            </a:extLst>
+          </p:cNvPr>
+          <p:cNvCxnSpPr>
+            <a:cxnSpLocks/>
+            <a:stCxn id="22" idx="3"/>
+          </p:cNvCxnSpPr>
+          <p:nvPr/>
+        </p:nvCxnSpPr>
+        <p:spPr>
+          <a:xfrm flipV="1">
+            <a:off x="4278086" y="5580160"/>
+            <a:ext cx="827310" cy="113267"/>
+          </a:xfrm>
+          <a:prstGeom prst="straightConnector1">
+            <a:avLst/>
+          </a:prstGeom>
+          <a:ln w="28575">
+            <a:solidFill>
+              <a:srgbClr val="FF0000"/>
+            </a:solidFill>
+            <a:tailEnd type="triangle"/>
+          </a:ln>
+        </p:spPr>
+        <p:style>
+          <a:lnRef idx="1">
+            <a:schemeClr val="accent1"/>
+          </a:lnRef>
+          <a:fillRef idx="0">
+            <a:schemeClr val="accent1"/>
+          </a:fillRef>
+          <a:effectRef idx="0">
+            <a:schemeClr val="accent1"/>
+          </a:effectRef>
+          <a:fontRef idx="minor">
+            <a:schemeClr val="tx1"/>
+          </a:fontRef>
+        </p:style>
+      </p:cxnSp>
+      <p:sp>
+        <p:nvSpPr>
+          <p:cNvPr id="26" name="Content Placeholder 2">
+            <a:extLst>
+              <a:ext uri="{FF2B5EF4-FFF2-40B4-BE49-F238E27FC236}">
+                <a16:creationId xmlns:a16="http://schemas.microsoft.com/office/drawing/2014/main" id="{76D1F5D5-2341-4565-9E42-A82E7DFCCAFC}"/>
+              </a:ext>
+            </a:extLst>
+          </p:cNvPr>
+          <p:cNvSpPr txBox="1">
+            <a:spLocks/>
+          </p:cNvSpPr>
+          <p:nvPr/>
+        </p:nvSpPr>
+        <p:spPr>
+          <a:xfrm>
+            <a:off x="978127" y="6065166"/>
+            <a:ext cx="3299959" cy="665957"/>
+          </a:xfrm>
+          <a:prstGeom prst="rect">
+            <a:avLst/>
+          </a:prstGeom>
+        </p:spPr>
+        <p:txBody>
+          <a:bodyPr vert="horz" lIns="91440" tIns="45720" rIns="91440" bIns="45720" rtlCol="0">
+            <a:normAutofit fontScale="92500"/>
+          </a:bodyPr>
+          <a:lstStyle>
+            <a:lvl1pPr marL="228600" indent="-228600" algn="l" defTabSz="914400" rtl="0" eaLnBrk="1" latinLnBrk="0" hangingPunct="1">
+              <a:lnSpc>
+                <a:spcPct val="120000"/>
+              </a:lnSpc>
+              <a:spcBef>
+                <a:spcPts val="1000"/>
+              </a:spcBef>
+              <a:buSzPct val="125000"/>
+              <a:buFont typeface="Arial" panose="020B0604020202020204" pitchFamily="34" charset="0"/>
+              <a:buChar char="•"/>
+              <a:defRPr sz="2400" kern="1200">
+                <a:solidFill>
+                  <a:schemeClr val="tx1"/>
+                </a:solidFill>
+                <a:latin typeface="+mn-lt"/>
+                <a:ea typeface="+mn-ea"/>
+                <a:cs typeface="+mn-cs"/>
+              </a:defRPr>
+            </a:lvl1pPr>
+            <a:lvl2pPr marL="685800" indent="-228600" algn="l" defTabSz="914400" rtl="0" eaLnBrk="1" latinLnBrk="0" hangingPunct="1">
+              <a:lnSpc>
+                <a:spcPct val="120000"/>
+              </a:lnSpc>
+              <a:spcBef>
+                <a:spcPts val="500"/>
+              </a:spcBef>
+              <a:buSzPct val="125000"/>
+              <a:buFont typeface="Arial" panose="020B0604020202020204" pitchFamily="34" charset="0"/>
+              <a:buChar char="•"/>
+              <a:defRPr sz="2000" kern="1200">
+                <a:solidFill>
+                  <a:schemeClr val="tx1"/>
+                </a:solidFill>
+                <a:latin typeface="+mn-lt"/>
+                <a:ea typeface="+mn-ea"/>
+                <a:cs typeface="+mn-cs"/>
+              </a:defRPr>
+            </a:lvl2pPr>
+            <a:lvl3pPr marL="1143000" indent="-228600" algn="l" defTabSz="914400" rtl="0" eaLnBrk="1" latinLnBrk="0" hangingPunct="1">
+              <a:lnSpc>
+                <a:spcPct val="120000"/>
+              </a:lnSpc>
+              <a:spcBef>
+                <a:spcPts val="500"/>
+              </a:spcBef>
+              <a:buSzPct val="125000"/>
+              <a:buFont typeface="Arial" panose="020B0604020202020204" pitchFamily="34" charset="0"/>
+              <a:buChar char="•"/>
+              <a:defRPr sz="1800" kern="1200">
+                <a:solidFill>
+                  <a:schemeClr val="tx1"/>
+                </a:solidFill>
+                <a:latin typeface="+mn-lt"/>
+                <a:ea typeface="+mn-ea"/>
+                <a:cs typeface="+mn-cs"/>
+              </a:defRPr>
+            </a:lvl3pPr>
+            <a:lvl4pPr marL="1600200" indent="-228600" algn="l" defTabSz="914400" rtl="0" eaLnBrk="1" latinLnBrk="0" hangingPunct="1">
+              <a:lnSpc>
+                <a:spcPct val="120000"/>
+              </a:lnSpc>
+              <a:spcBef>
+                <a:spcPts val="500"/>
+              </a:spcBef>
+              <a:buSzPct val="125000"/>
+              <a:buFont typeface="Arial" panose="020B0604020202020204" pitchFamily="34" charset="0"/>
+              <a:buChar char="•"/>
+              <a:defRPr sz="1600" kern="1200">
+                <a:solidFill>
+                  <a:schemeClr val="tx1"/>
+                </a:solidFill>
+                <a:latin typeface="+mn-lt"/>
+                <a:ea typeface="+mn-ea"/>
+                <a:cs typeface="+mn-cs"/>
+              </a:defRPr>
+            </a:lvl4pPr>
+            <a:lvl5pPr marL="2057400" indent="-228600" algn="l" defTabSz="914400" rtl="0" eaLnBrk="1" latinLnBrk="0" hangingPunct="1">
+              <a:lnSpc>
+                <a:spcPct val="120000"/>
+              </a:lnSpc>
+              <a:spcBef>
+                <a:spcPts val="500"/>
+              </a:spcBef>
+              <a:buSzPct val="125000"/>
+              <a:buFont typeface="Arial" panose="020B0604020202020204" pitchFamily="34" charset="0"/>
+              <a:buChar char="•"/>
+              <a:defRPr sz="1600" kern="1200">
+                <a:solidFill>
+                  <a:schemeClr val="tx1"/>
+                </a:solidFill>
+                <a:latin typeface="+mn-lt"/>
+                <a:ea typeface="+mn-ea"/>
+                <a:cs typeface="+mn-cs"/>
+              </a:defRPr>
+            </a:lvl5pPr>
+            <a:lvl6pPr marL="2514600" indent="-228600" algn="l" defTabSz="914400" rtl="0" eaLnBrk="1" latinLnBrk="0" hangingPunct="1">
+              <a:lnSpc>
+                <a:spcPct val="120000"/>
+              </a:lnSpc>
+              <a:spcBef>
+                <a:spcPts val="500"/>
+              </a:spcBef>
+              <a:buSzPct val="125000"/>
+              <a:buFont typeface="Arial" panose="020B0604020202020204" pitchFamily="34" charset="0"/>
+              <a:buChar char="•"/>
+              <a:defRPr sz="1400" kern="1200">
+                <a:solidFill>
+                  <a:schemeClr val="tx1"/>
+                </a:solidFill>
+                <a:latin typeface="+mn-lt"/>
+                <a:ea typeface="+mn-ea"/>
+                <a:cs typeface="+mn-cs"/>
+              </a:defRPr>
+            </a:lvl6pPr>
+            <a:lvl7pPr marL="2971800" indent="-228600" algn="l" defTabSz="914400" rtl="0" eaLnBrk="1" latinLnBrk="0" hangingPunct="1">
+              <a:lnSpc>
+                <a:spcPct val="120000"/>
+              </a:lnSpc>
+              <a:spcBef>
+                <a:spcPts val="500"/>
+              </a:spcBef>
+              <a:buSzPct val="125000"/>
+              <a:buFont typeface="Arial" panose="020B0604020202020204" pitchFamily="34" charset="0"/>
+              <a:buChar char="•"/>
+              <a:defRPr sz="1400" kern="1200">
+                <a:solidFill>
+                  <a:schemeClr val="tx1"/>
+                </a:solidFill>
+                <a:latin typeface="+mn-lt"/>
+                <a:ea typeface="+mn-ea"/>
+                <a:cs typeface="+mn-cs"/>
+              </a:defRPr>
+            </a:lvl7pPr>
+            <a:lvl8pPr marL="3429000" indent="-228600" algn="l" defTabSz="914400" rtl="0" eaLnBrk="1" latinLnBrk="0" hangingPunct="1">
+              <a:lnSpc>
+                <a:spcPct val="120000"/>
+              </a:lnSpc>
+              <a:spcBef>
+                <a:spcPts val="500"/>
+              </a:spcBef>
+              <a:buSzPct val="125000"/>
+              <a:buFont typeface="Arial" panose="020B0604020202020204" pitchFamily="34" charset="0"/>
+              <a:buChar char="•"/>
+              <a:defRPr sz="1400" kern="1200">
+                <a:solidFill>
+                  <a:schemeClr val="tx1"/>
+                </a:solidFill>
+                <a:latin typeface="+mn-lt"/>
+                <a:ea typeface="+mn-ea"/>
+                <a:cs typeface="+mn-cs"/>
+              </a:defRPr>
+            </a:lvl8pPr>
+            <a:lvl9pPr marL="3886200" indent="-228600" algn="l" defTabSz="914400" rtl="0" eaLnBrk="1" latinLnBrk="0" hangingPunct="1">
+              <a:lnSpc>
+                <a:spcPct val="120000"/>
+              </a:lnSpc>
+              <a:spcBef>
+                <a:spcPts val="500"/>
+              </a:spcBef>
+              <a:buSzPct val="125000"/>
+              <a:buFont typeface="Arial" panose="020B0604020202020204" pitchFamily="34" charset="0"/>
+              <a:buChar char="•"/>
+              <a:defRPr sz="1400" kern="1200">
+                <a:solidFill>
+                  <a:schemeClr val="tx1"/>
+                </a:solidFill>
+                <a:latin typeface="+mn-lt"/>
+                <a:ea typeface="+mn-ea"/>
+                <a:cs typeface="+mn-cs"/>
+              </a:defRPr>
+            </a:lvl9pPr>
+          </a:lstStyle>
+          <a:p>
+            <a:pPr marL="0" indent="0" algn="r">
+              <a:buFont typeface="Arial" panose="020B0604020202020204" pitchFamily="34" charset="0"/>
+              <a:buNone/>
+            </a:pPr>
+            <a:r>
+              <a:rPr lang="en-US" dirty="0"/>
+              <a:t>Works of body of the code</a:t>
+            </a:r>
+          </a:p>
+        </p:txBody>
+      </p:sp>
+      <p:cxnSp>
+        <p:nvCxnSpPr>
+          <p:cNvPr id="27" name="Straight Arrow Connector 26">
+            <a:extLst>
+              <a:ext uri="{FF2B5EF4-FFF2-40B4-BE49-F238E27FC236}">
+                <a16:creationId xmlns:a16="http://schemas.microsoft.com/office/drawing/2014/main" id="{F4F0CCF9-FE24-42DC-8C87-896D88EC2773}"/>
+              </a:ext>
+            </a:extLst>
+          </p:cNvPr>
+          <p:cNvCxnSpPr>
+            <a:cxnSpLocks/>
+          </p:cNvCxnSpPr>
+          <p:nvPr/>
+        </p:nvCxnSpPr>
+        <p:spPr>
+          <a:xfrm flipV="1">
+            <a:off x="4278086" y="6362368"/>
+            <a:ext cx="827310" cy="3292"/>
+          </a:xfrm>
+          <a:prstGeom prst="straightConnector1">
+            <a:avLst/>
+          </a:prstGeom>
+          <a:ln w="28575">
+            <a:solidFill>
+              <a:srgbClr val="FF0000"/>
+            </a:solidFill>
+            <a:tailEnd type="triangle"/>
+          </a:ln>
+        </p:spPr>
+        <p:style>
+          <a:lnRef idx="1">
+            <a:schemeClr val="accent1"/>
+          </a:lnRef>
+          <a:fillRef idx="0">
+            <a:schemeClr val="accent1"/>
+          </a:fillRef>
+          <a:effectRef idx="0">
+            <a:schemeClr val="accent1"/>
+          </a:effectRef>
+          <a:fontRef idx="minor">
+            <a:schemeClr val="tx1"/>
+          </a:fontRef>
+        </p:style>
+      </p:cxnSp>
+      <p:sp>
+        <p:nvSpPr>
+          <p:cNvPr id="30" name="Content Placeholder 2">
+            <a:extLst>
+              <a:ext uri="{FF2B5EF4-FFF2-40B4-BE49-F238E27FC236}">
+                <a16:creationId xmlns:a16="http://schemas.microsoft.com/office/drawing/2014/main" id="{5C5D5740-8D72-48B3-A029-D0DB41BA8D69}"/>
+              </a:ext>
+            </a:extLst>
+          </p:cNvPr>
+          <p:cNvSpPr txBox="1">
+            <a:spLocks/>
+          </p:cNvSpPr>
+          <p:nvPr/>
+        </p:nvSpPr>
+        <p:spPr>
+          <a:xfrm>
+            <a:off x="108857" y="4145251"/>
+            <a:ext cx="4169229" cy="368420"/>
+          </a:xfrm>
+          <a:prstGeom prst="rect">
+            <a:avLst/>
+          </a:prstGeom>
+        </p:spPr>
+        <p:txBody>
+          <a:bodyPr vert="horz" lIns="91440" tIns="45720" rIns="91440" bIns="45720" rtlCol="0">
+            <a:normAutofit fontScale="70000" lnSpcReduction="20000"/>
+          </a:bodyPr>
+          <a:lstStyle>
+            <a:lvl1pPr marL="228600" indent="-228600" algn="l" defTabSz="914400" rtl="0" eaLnBrk="1" latinLnBrk="0" hangingPunct="1">
+              <a:lnSpc>
+                <a:spcPct val="120000"/>
+              </a:lnSpc>
+              <a:spcBef>
+                <a:spcPts val="1000"/>
+              </a:spcBef>
+              <a:buSzPct val="125000"/>
+              <a:buFont typeface="Arial" panose="020B0604020202020204" pitchFamily="34" charset="0"/>
+              <a:buChar char="•"/>
+              <a:defRPr sz="2400" kern="1200">
+                <a:solidFill>
+                  <a:schemeClr val="tx1"/>
+                </a:solidFill>
+                <a:latin typeface="+mn-lt"/>
+                <a:ea typeface="+mn-ea"/>
+                <a:cs typeface="+mn-cs"/>
+              </a:defRPr>
+            </a:lvl1pPr>
+            <a:lvl2pPr marL="685800" indent="-228600" algn="l" defTabSz="914400" rtl="0" eaLnBrk="1" latinLnBrk="0" hangingPunct="1">
+              <a:lnSpc>
+                <a:spcPct val="120000"/>
+              </a:lnSpc>
+              <a:spcBef>
+                <a:spcPts val="500"/>
+              </a:spcBef>
+              <a:buSzPct val="125000"/>
+              <a:buFont typeface="Arial" panose="020B0604020202020204" pitchFamily="34" charset="0"/>
+              <a:buChar char="•"/>
+              <a:defRPr sz="2000" kern="1200">
+                <a:solidFill>
+                  <a:schemeClr val="tx1"/>
+                </a:solidFill>
+                <a:latin typeface="+mn-lt"/>
+                <a:ea typeface="+mn-ea"/>
+                <a:cs typeface="+mn-cs"/>
+              </a:defRPr>
+            </a:lvl2pPr>
+            <a:lvl3pPr marL="1143000" indent="-228600" algn="l" defTabSz="914400" rtl="0" eaLnBrk="1" latinLnBrk="0" hangingPunct="1">
+              <a:lnSpc>
+                <a:spcPct val="120000"/>
+              </a:lnSpc>
+              <a:spcBef>
+                <a:spcPts val="500"/>
+              </a:spcBef>
+              <a:buSzPct val="125000"/>
+              <a:buFont typeface="Arial" panose="020B0604020202020204" pitchFamily="34" charset="0"/>
+              <a:buChar char="•"/>
+              <a:defRPr sz="1800" kern="1200">
+                <a:solidFill>
+                  <a:schemeClr val="tx1"/>
+                </a:solidFill>
+                <a:latin typeface="+mn-lt"/>
+                <a:ea typeface="+mn-ea"/>
+                <a:cs typeface="+mn-cs"/>
+              </a:defRPr>
+            </a:lvl3pPr>
+            <a:lvl4pPr marL="1600200" indent="-228600" algn="l" defTabSz="914400" rtl="0" eaLnBrk="1" latinLnBrk="0" hangingPunct="1">
+              <a:lnSpc>
+                <a:spcPct val="120000"/>
+              </a:lnSpc>
+              <a:spcBef>
+                <a:spcPts val="500"/>
+              </a:spcBef>
+              <a:buSzPct val="125000"/>
+              <a:buFont typeface="Arial" panose="020B0604020202020204" pitchFamily="34" charset="0"/>
+              <a:buChar char="•"/>
+              <a:defRPr sz="1600" kern="1200">
+                <a:solidFill>
+                  <a:schemeClr val="tx1"/>
+                </a:solidFill>
+                <a:latin typeface="+mn-lt"/>
+                <a:ea typeface="+mn-ea"/>
+                <a:cs typeface="+mn-cs"/>
+              </a:defRPr>
+            </a:lvl4pPr>
+            <a:lvl5pPr marL="2057400" indent="-228600" algn="l" defTabSz="914400" rtl="0" eaLnBrk="1" latinLnBrk="0" hangingPunct="1">
+              <a:lnSpc>
+                <a:spcPct val="120000"/>
+              </a:lnSpc>
+              <a:spcBef>
+                <a:spcPts val="500"/>
+              </a:spcBef>
+              <a:buSzPct val="125000"/>
+              <a:buFont typeface="Arial" panose="020B0604020202020204" pitchFamily="34" charset="0"/>
+              <a:buChar char="•"/>
+              <a:defRPr sz="1600" kern="1200">
+                <a:solidFill>
+                  <a:schemeClr val="tx1"/>
+                </a:solidFill>
+                <a:latin typeface="+mn-lt"/>
+                <a:ea typeface="+mn-ea"/>
+                <a:cs typeface="+mn-cs"/>
+              </a:defRPr>
+            </a:lvl5pPr>
+            <a:lvl6pPr marL="2514600" indent="-228600" algn="l" defTabSz="914400" rtl="0" eaLnBrk="1" latinLnBrk="0" hangingPunct="1">
+              <a:lnSpc>
+                <a:spcPct val="120000"/>
+              </a:lnSpc>
+              <a:spcBef>
+                <a:spcPts val="500"/>
+              </a:spcBef>
+              <a:buSzPct val="125000"/>
+              <a:buFont typeface="Arial" panose="020B0604020202020204" pitchFamily="34" charset="0"/>
+              <a:buChar char="•"/>
+              <a:defRPr sz="1400" kern="1200">
+                <a:solidFill>
+                  <a:schemeClr val="tx1"/>
+                </a:solidFill>
+                <a:latin typeface="+mn-lt"/>
+                <a:ea typeface="+mn-ea"/>
+                <a:cs typeface="+mn-cs"/>
+              </a:defRPr>
+            </a:lvl6pPr>
+            <a:lvl7pPr marL="2971800" indent="-228600" algn="l" defTabSz="914400" rtl="0" eaLnBrk="1" latinLnBrk="0" hangingPunct="1">
+              <a:lnSpc>
+                <a:spcPct val="120000"/>
+              </a:lnSpc>
+              <a:spcBef>
+                <a:spcPts val="500"/>
+              </a:spcBef>
+              <a:buSzPct val="125000"/>
+              <a:buFont typeface="Arial" panose="020B0604020202020204" pitchFamily="34" charset="0"/>
+              <a:buChar char="•"/>
+              <a:defRPr sz="1400" kern="1200">
+                <a:solidFill>
+                  <a:schemeClr val="tx1"/>
+                </a:solidFill>
+                <a:latin typeface="+mn-lt"/>
+                <a:ea typeface="+mn-ea"/>
+                <a:cs typeface="+mn-cs"/>
+              </a:defRPr>
+            </a:lvl7pPr>
+            <a:lvl8pPr marL="3429000" indent="-228600" algn="l" defTabSz="914400" rtl="0" eaLnBrk="1" latinLnBrk="0" hangingPunct="1">
+              <a:lnSpc>
+                <a:spcPct val="120000"/>
+              </a:lnSpc>
+              <a:spcBef>
+                <a:spcPts val="500"/>
+              </a:spcBef>
+              <a:buSzPct val="125000"/>
+              <a:buFont typeface="Arial" panose="020B0604020202020204" pitchFamily="34" charset="0"/>
+              <a:buChar char="•"/>
+              <a:defRPr sz="1400" kern="1200">
+                <a:solidFill>
+                  <a:schemeClr val="tx1"/>
+                </a:solidFill>
+                <a:latin typeface="+mn-lt"/>
+                <a:ea typeface="+mn-ea"/>
+                <a:cs typeface="+mn-cs"/>
+              </a:defRPr>
+            </a:lvl8pPr>
+            <a:lvl9pPr marL="3886200" indent="-228600" algn="l" defTabSz="914400" rtl="0" eaLnBrk="1" latinLnBrk="0" hangingPunct="1">
+              <a:lnSpc>
+                <a:spcPct val="120000"/>
+              </a:lnSpc>
+              <a:spcBef>
+                <a:spcPts val="500"/>
+              </a:spcBef>
+              <a:buSzPct val="125000"/>
+              <a:buFont typeface="Arial" panose="020B0604020202020204" pitchFamily="34" charset="0"/>
+              <a:buChar char="•"/>
+              <a:defRPr sz="1400" kern="1200">
+                <a:solidFill>
+                  <a:schemeClr val="tx1"/>
+                </a:solidFill>
+                <a:latin typeface="+mn-lt"/>
+                <a:ea typeface="+mn-ea"/>
+                <a:cs typeface="+mn-cs"/>
+              </a:defRPr>
+            </a:lvl9pPr>
+          </a:lstStyle>
+          <a:p>
+            <a:pPr marL="0" indent="0" algn="r">
+              <a:buFont typeface="Arial" panose="020B0604020202020204" pitchFamily="34" charset="0"/>
+              <a:buNone/>
+            </a:pPr>
+            <a:r>
+              <a:rPr lang="en-US" dirty="0"/>
+              <a:t>Turns data into single unit and saves to mongo</a:t>
+            </a:r>
+          </a:p>
+        </p:txBody>
+      </p:sp>
+      <p:cxnSp>
+        <p:nvCxnSpPr>
+          <p:cNvPr id="31" name="Straight Arrow Connector 30">
+            <a:extLst>
+              <a:ext uri="{FF2B5EF4-FFF2-40B4-BE49-F238E27FC236}">
+                <a16:creationId xmlns:a16="http://schemas.microsoft.com/office/drawing/2014/main" id="{3F7B2346-07E4-4216-BB09-27DC3D7D190F}"/>
+              </a:ext>
+            </a:extLst>
+          </p:cNvPr>
+          <p:cNvCxnSpPr>
+            <a:cxnSpLocks/>
+            <a:stCxn id="30" idx="3"/>
+          </p:cNvCxnSpPr>
+          <p:nvPr/>
+        </p:nvCxnSpPr>
+        <p:spPr>
+          <a:xfrm>
+            <a:off x="4278086" y="4329461"/>
+            <a:ext cx="827310" cy="232796"/>
+          </a:xfrm>
+          <a:prstGeom prst="straightConnector1">
+            <a:avLst/>
+          </a:prstGeom>
+          <a:ln w="28575">
+            <a:solidFill>
+              <a:srgbClr val="FF0000"/>
+            </a:solidFill>
+            <a:tailEnd type="triangle"/>
+          </a:ln>
+        </p:spPr>
+        <p:style>
+          <a:lnRef idx="1">
+            <a:schemeClr val="accent1"/>
+          </a:lnRef>
+          <a:fillRef idx="0">
+            <a:schemeClr val="accent1"/>
+          </a:fillRef>
+          <a:effectRef idx="0">
+            <a:schemeClr val="accent1"/>
+          </a:effectRef>
+          <a:fontRef idx="minor">
+            <a:schemeClr val="tx1"/>
+          </a:fontRef>
+        </p:style>
+      </p:cxnSp>
+      <p:sp>
+        <p:nvSpPr>
+          <p:cNvPr id="37" name="Content Placeholder 2">
+            <a:extLst>
+              <a:ext uri="{FF2B5EF4-FFF2-40B4-BE49-F238E27FC236}">
+                <a16:creationId xmlns:a16="http://schemas.microsoft.com/office/drawing/2014/main" id="{BD406D52-8483-42D8-909E-12C18E39FCB2}"/>
+              </a:ext>
+            </a:extLst>
+          </p:cNvPr>
+          <p:cNvSpPr txBox="1">
+            <a:spLocks/>
+          </p:cNvSpPr>
+          <p:nvPr/>
+        </p:nvSpPr>
+        <p:spPr>
+          <a:xfrm>
+            <a:off x="108857" y="4805310"/>
+            <a:ext cx="4169229" cy="486107"/>
+          </a:xfrm>
+          <a:prstGeom prst="rect">
+            <a:avLst/>
+          </a:prstGeom>
+        </p:spPr>
+        <p:txBody>
+          <a:bodyPr vert="horz" lIns="91440" tIns="45720" rIns="91440" bIns="45720" rtlCol="0">
+            <a:normAutofit lnSpcReduction="10000"/>
+          </a:bodyPr>
+          <a:lstStyle>
+            <a:lvl1pPr marL="228600" indent="-228600" algn="l" defTabSz="914400" rtl="0" eaLnBrk="1" latinLnBrk="0" hangingPunct="1">
+              <a:lnSpc>
+                <a:spcPct val="120000"/>
+              </a:lnSpc>
+              <a:spcBef>
+                <a:spcPts val="1000"/>
+              </a:spcBef>
+              <a:buSzPct val="125000"/>
+              <a:buFont typeface="Arial" panose="020B0604020202020204" pitchFamily="34" charset="0"/>
+              <a:buChar char="•"/>
+              <a:defRPr sz="2400" kern="1200">
+                <a:solidFill>
+                  <a:schemeClr val="tx1"/>
+                </a:solidFill>
+                <a:latin typeface="+mn-lt"/>
+                <a:ea typeface="+mn-ea"/>
+                <a:cs typeface="+mn-cs"/>
+              </a:defRPr>
+            </a:lvl1pPr>
+            <a:lvl2pPr marL="685800" indent="-228600" algn="l" defTabSz="914400" rtl="0" eaLnBrk="1" latinLnBrk="0" hangingPunct="1">
+              <a:lnSpc>
+                <a:spcPct val="120000"/>
+              </a:lnSpc>
+              <a:spcBef>
+                <a:spcPts val="500"/>
+              </a:spcBef>
+              <a:buSzPct val="125000"/>
+              <a:buFont typeface="Arial" panose="020B0604020202020204" pitchFamily="34" charset="0"/>
+              <a:buChar char="•"/>
+              <a:defRPr sz="2000" kern="1200">
+                <a:solidFill>
+                  <a:schemeClr val="tx1"/>
+                </a:solidFill>
+                <a:latin typeface="+mn-lt"/>
+                <a:ea typeface="+mn-ea"/>
+                <a:cs typeface="+mn-cs"/>
+              </a:defRPr>
+            </a:lvl2pPr>
+            <a:lvl3pPr marL="1143000" indent="-228600" algn="l" defTabSz="914400" rtl="0" eaLnBrk="1" latinLnBrk="0" hangingPunct="1">
+              <a:lnSpc>
+                <a:spcPct val="120000"/>
+              </a:lnSpc>
+              <a:spcBef>
+                <a:spcPts val="500"/>
+              </a:spcBef>
+              <a:buSzPct val="125000"/>
+              <a:buFont typeface="Arial" panose="020B0604020202020204" pitchFamily="34" charset="0"/>
+              <a:buChar char="•"/>
+              <a:defRPr sz="1800" kern="1200">
+                <a:solidFill>
+                  <a:schemeClr val="tx1"/>
+                </a:solidFill>
+                <a:latin typeface="+mn-lt"/>
+                <a:ea typeface="+mn-ea"/>
+                <a:cs typeface="+mn-cs"/>
+              </a:defRPr>
+            </a:lvl3pPr>
+            <a:lvl4pPr marL="1600200" indent="-228600" algn="l" defTabSz="914400" rtl="0" eaLnBrk="1" latinLnBrk="0" hangingPunct="1">
+              <a:lnSpc>
+                <a:spcPct val="120000"/>
+              </a:lnSpc>
+              <a:spcBef>
+                <a:spcPts val="500"/>
+              </a:spcBef>
+              <a:buSzPct val="125000"/>
+              <a:buFont typeface="Arial" panose="020B0604020202020204" pitchFamily="34" charset="0"/>
+              <a:buChar char="•"/>
+              <a:defRPr sz="1600" kern="1200">
+                <a:solidFill>
+                  <a:schemeClr val="tx1"/>
+                </a:solidFill>
+                <a:latin typeface="+mn-lt"/>
+                <a:ea typeface="+mn-ea"/>
+                <a:cs typeface="+mn-cs"/>
+              </a:defRPr>
+            </a:lvl4pPr>
+            <a:lvl5pPr marL="2057400" indent="-228600" algn="l" defTabSz="914400" rtl="0" eaLnBrk="1" latinLnBrk="0" hangingPunct="1">
+              <a:lnSpc>
+                <a:spcPct val="120000"/>
+              </a:lnSpc>
+              <a:spcBef>
+                <a:spcPts val="500"/>
+              </a:spcBef>
+              <a:buSzPct val="125000"/>
+              <a:buFont typeface="Arial" panose="020B0604020202020204" pitchFamily="34" charset="0"/>
+              <a:buChar char="•"/>
+              <a:defRPr sz="1600" kern="1200">
+                <a:solidFill>
+                  <a:schemeClr val="tx1"/>
+                </a:solidFill>
+                <a:latin typeface="+mn-lt"/>
+                <a:ea typeface="+mn-ea"/>
+                <a:cs typeface="+mn-cs"/>
+              </a:defRPr>
+            </a:lvl5pPr>
+            <a:lvl6pPr marL="2514600" indent="-228600" algn="l" defTabSz="914400" rtl="0" eaLnBrk="1" latinLnBrk="0" hangingPunct="1">
+              <a:lnSpc>
+                <a:spcPct val="120000"/>
+              </a:lnSpc>
+              <a:spcBef>
+                <a:spcPts val="500"/>
+              </a:spcBef>
+              <a:buSzPct val="125000"/>
+              <a:buFont typeface="Arial" panose="020B0604020202020204" pitchFamily="34" charset="0"/>
+              <a:buChar char="•"/>
+              <a:defRPr sz="1400" kern="1200">
+                <a:solidFill>
+                  <a:schemeClr val="tx1"/>
+                </a:solidFill>
+                <a:latin typeface="+mn-lt"/>
+                <a:ea typeface="+mn-ea"/>
+                <a:cs typeface="+mn-cs"/>
+              </a:defRPr>
+            </a:lvl6pPr>
+            <a:lvl7pPr marL="2971800" indent="-228600" algn="l" defTabSz="914400" rtl="0" eaLnBrk="1" latinLnBrk="0" hangingPunct="1">
+              <a:lnSpc>
+                <a:spcPct val="120000"/>
+              </a:lnSpc>
+              <a:spcBef>
+                <a:spcPts val="500"/>
+              </a:spcBef>
+              <a:buSzPct val="125000"/>
+              <a:buFont typeface="Arial" panose="020B0604020202020204" pitchFamily="34" charset="0"/>
+              <a:buChar char="•"/>
+              <a:defRPr sz="1400" kern="1200">
+                <a:solidFill>
+                  <a:schemeClr val="tx1"/>
+                </a:solidFill>
+                <a:latin typeface="+mn-lt"/>
+                <a:ea typeface="+mn-ea"/>
+                <a:cs typeface="+mn-cs"/>
+              </a:defRPr>
+            </a:lvl7pPr>
+            <a:lvl8pPr marL="3429000" indent="-228600" algn="l" defTabSz="914400" rtl="0" eaLnBrk="1" latinLnBrk="0" hangingPunct="1">
+              <a:lnSpc>
+                <a:spcPct val="120000"/>
+              </a:lnSpc>
+              <a:spcBef>
+                <a:spcPts val="500"/>
+              </a:spcBef>
+              <a:buSzPct val="125000"/>
+              <a:buFont typeface="Arial" panose="020B0604020202020204" pitchFamily="34" charset="0"/>
+              <a:buChar char="•"/>
+              <a:defRPr sz="1400" kern="1200">
+                <a:solidFill>
+                  <a:schemeClr val="tx1"/>
+                </a:solidFill>
+                <a:latin typeface="+mn-lt"/>
+                <a:ea typeface="+mn-ea"/>
+                <a:cs typeface="+mn-cs"/>
+              </a:defRPr>
+            </a:lvl8pPr>
+            <a:lvl9pPr marL="3886200" indent="-228600" algn="l" defTabSz="914400" rtl="0" eaLnBrk="1" latinLnBrk="0" hangingPunct="1">
+              <a:lnSpc>
+                <a:spcPct val="120000"/>
+              </a:lnSpc>
+              <a:spcBef>
+                <a:spcPts val="500"/>
+              </a:spcBef>
+              <a:buSzPct val="125000"/>
+              <a:buFont typeface="Arial" panose="020B0604020202020204" pitchFamily="34" charset="0"/>
+              <a:buChar char="•"/>
+              <a:defRPr sz="1400" kern="1200">
+                <a:solidFill>
+                  <a:schemeClr val="tx1"/>
+                </a:solidFill>
+                <a:latin typeface="+mn-lt"/>
+                <a:ea typeface="+mn-ea"/>
+                <a:cs typeface="+mn-cs"/>
+              </a:defRPr>
+            </a:lvl9pPr>
+          </a:lstStyle>
+          <a:p>
+            <a:pPr marL="0" indent="0" algn="r">
+              <a:buFont typeface="Arial" panose="020B0604020202020204" pitchFamily="34" charset="0"/>
+              <a:buNone/>
+            </a:pPr>
+            <a:r>
+              <a:rPr lang="en-US" dirty="0"/>
+              <a:t>Prints tweet in real time</a:t>
+            </a:r>
+          </a:p>
+        </p:txBody>
+      </p:sp>
+      <p:cxnSp>
+        <p:nvCxnSpPr>
+          <p:cNvPr id="38" name="Straight Arrow Connector 37">
+            <a:extLst>
+              <a:ext uri="{FF2B5EF4-FFF2-40B4-BE49-F238E27FC236}">
+                <a16:creationId xmlns:a16="http://schemas.microsoft.com/office/drawing/2014/main" id="{F46279FF-6D13-4C4D-8C41-7DD3005E9F13}"/>
+              </a:ext>
+            </a:extLst>
+          </p:cNvPr>
+          <p:cNvCxnSpPr>
+            <a:cxnSpLocks/>
+            <a:stCxn id="37" idx="3"/>
+          </p:cNvCxnSpPr>
+          <p:nvPr/>
+        </p:nvCxnSpPr>
+        <p:spPr>
+          <a:xfrm>
+            <a:off x="4278086" y="5048364"/>
+            <a:ext cx="827310" cy="0"/>
+          </a:xfrm>
+          <a:prstGeom prst="straightConnector1">
+            <a:avLst/>
+          </a:prstGeom>
+          <a:ln w="28575">
+            <a:solidFill>
+              <a:srgbClr val="FF0000"/>
+            </a:solidFill>
+            <a:tailEnd type="triangle"/>
+          </a:ln>
+        </p:spPr>
+        <p:style>
+          <a:lnRef idx="1">
+            <a:schemeClr val="accent1"/>
+          </a:lnRef>
+          <a:fillRef idx="0">
+            <a:schemeClr val="accent1"/>
+          </a:fillRef>
+          <a:effectRef idx="0">
+            <a:schemeClr val="accent1"/>
+          </a:effectRef>
+          <a:fontRef idx="minor">
+            <a:schemeClr val="tx1"/>
+          </a:fontRef>
+        </p:style>
+      </p:cxnSp>
     </p:spTree>
     <p:extLst>
       <p:ext uri="{BB962C8B-B14F-4D97-AF65-F5344CB8AC3E}">
@@ -13368,7 +15401,7 @@
           <p:cNvPr id="2" name="Title 1">
             <a:extLst>
               <a:ext uri="{FF2B5EF4-FFF2-40B4-BE49-F238E27FC236}">
-                <a16:creationId xmlns:a16="http://schemas.microsoft.com/office/drawing/2014/main" id="{D6ED6944-D8CA-45F7-A54E-60E892D23081}"/>
+                <a16:creationId xmlns:a16="http://schemas.microsoft.com/office/drawing/2014/main" id="{D046FEAA-2516-4736-B556-1F95AC0802AF}"/>
               </a:ext>
             </a:extLst>
           </p:cNvPr>
@@ -13379,24 +15412,29 @@
             <p:ph type="title"/>
           </p:nvPr>
         </p:nvSpPr>
-        <p:spPr/>
+        <p:spPr>
+          <a:xfrm>
+            <a:off x="4" y="0"/>
+            <a:ext cx="5934508" cy="697424"/>
+          </a:xfrm>
+        </p:spPr>
         <p:txBody>
           <a:bodyPr/>
           <a:lstStyle/>
           <a:p>
             <a:r>
               <a:rPr lang="en-US" dirty="0"/>
-              <a:t>Results</a:t>
+              <a:t>Running the script</a:t>
             </a:r>
           </a:p>
         </p:txBody>
       </p:sp>
       <p:sp>
         <p:nvSpPr>
-          <p:cNvPr id="3" name="Content Placeholder 2">
+          <p:cNvPr id="4" name="Text Placeholder 3">
             <a:extLst>
               <a:ext uri="{FF2B5EF4-FFF2-40B4-BE49-F238E27FC236}">
-                <a16:creationId xmlns:a16="http://schemas.microsoft.com/office/drawing/2014/main" id="{EFA470FE-90EB-44EA-8722-0FC54521352C}"/>
+                <a16:creationId xmlns:a16="http://schemas.microsoft.com/office/drawing/2014/main" id="{6310E25D-6CF1-4510-AA6A-B458E4AD2AFC}"/>
               </a:ext>
             </a:extLst>
           </p:cNvPr>
@@ -13404,25 +15442,150 @@
             <a:spLocks noGrp="1"/>
           </p:cNvSpPr>
           <p:nvPr>
-            <p:ph idx="1"/>
+            <p:ph type="body" sz="half" idx="2"/>
           </p:nvPr>
         </p:nvSpPr>
-        <p:spPr/>
+        <p:spPr>
+          <a:xfrm>
+            <a:off x="161489" y="901777"/>
+            <a:ext cx="5934511" cy="3541714"/>
+          </a:xfrm>
+        </p:spPr>
         <p:txBody>
-          <a:bodyPr/>
+          <a:bodyPr>
+            <a:normAutofit/>
+          </a:bodyPr>
           <a:lstStyle/>
           <a:p>
+            <a:pPr marL="342900" indent="-342900">
+              <a:buFont typeface="Arial" panose="020B0604020202020204" pitchFamily="34" charset="0"/>
+              <a:buChar char="•"/>
+            </a:pPr>
             <a:r>
-              <a:rPr lang="en-US" dirty="0"/>
-              <a:t>Data successfully pulled into two different MongoDB locations for streaming and batch lookups</a:t>
+              <a:rPr lang="en-US" sz="2000" dirty="0"/>
+              <a:t>Setup MongoDB database first…</a:t>
             </a:r>
+          </a:p>
+          <a:p>
+            <a:pPr marL="342900" indent="-342900">
+              <a:buFont typeface="Arial" panose="020B0604020202020204" pitchFamily="34" charset="0"/>
+              <a:buChar char="•"/>
+            </a:pPr>
+            <a:r>
+              <a:rPr lang="en-US" sz="2000" dirty="0"/>
+              <a:t>Start MongoDB</a:t>
+            </a:r>
+          </a:p>
+          <a:p>
+            <a:pPr marL="342900" indent="-342900">
+              <a:buFont typeface="Arial" panose="020B0604020202020204" pitchFamily="34" charset="0"/>
+              <a:buChar char="•"/>
+            </a:pPr>
+            <a:r>
+              <a:rPr lang="en-US" sz="2000" dirty="0"/>
+              <a:t>End the program after sometime and refresh MongoDB to ensure the data </a:t>
+            </a:r>
+            <a:r>
+              <a:rPr lang="en-US" sz="2000" dirty="0" err="1"/>
+              <a:t>transfered</a:t>
+            </a:r>
+            <a:endParaRPr lang="en-US" sz="2000" dirty="0"/>
           </a:p>
         </p:txBody>
       </p:sp>
+      <p:pic>
+        <p:nvPicPr>
+          <p:cNvPr id="6" name="Picture 5">
+            <a:extLst>
+              <a:ext uri="{FF2B5EF4-FFF2-40B4-BE49-F238E27FC236}">
+                <a16:creationId xmlns:a16="http://schemas.microsoft.com/office/drawing/2014/main" id="{45A1D5E0-985B-4A78-A878-819C5DD4DF05}"/>
+              </a:ext>
+            </a:extLst>
+          </p:cNvPr>
+          <p:cNvPicPr>
+            <a:picLocks noChangeAspect="1"/>
+          </p:cNvPicPr>
+          <p:nvPr/>
+        </p:nvPicPr>
+        <p:blipFill>
+          <a:blip r:embed="rId2"/>
+          <a:stretch>
+            <a:fillRect/>
+          </a:stretch>
+        </p:blipFill>
+        <p:spPr>
+          <a:xfrm>
+            <a:off x="501407" y="4106704"/>
+            <a:ext cx="4931701" cy="1467163"/>
+          </a:xfrm>
+          <a:prstGeom prst="rect">
+            <a:avLst/>
+          </a:prstGeom>
+        </p:spPr>
+      </p:pic>
+      <p:pic>
+        <p:nvPicPr>
+          <p:cNvPr id="7" name="Picture 6">
+            <a:extLst>
+              <a:ext uri="{FF2B5EF4-FFF2-40B4-BE49-F238E27FC236}">
+                <a16:creationId xmlns:a16="http://schemas.microsoft.com/office/drawing/2014/main" id="{64F73B09-31AF-4BF8-B385-FA7851F1FAEC}"/>
+              </a:ext>
+            </a:extLst>
+          </p:cNvPr>
+          <p:cNvPicPr>
+            <a:picLocks noChangeAspect="1"/>
+          </p:cNvPicPr>
+          <p:nvPr/>
+        </p:nvPicPr>
+        <p:blipFill rotWithShape="1">
+          <a:blip r:embed="rId3"/>
+          <a:srcRect l="486" r="1780"/>
+          <a:stretch/>
+        </p:blipFill>
+        <p:spPr>
+          <a:xfrm>
+            <a:off x="6257489" y="205003"/>
+            <a:ext cx="5934511" cy="2044483"/>
+          </a:xfrm>
+          <a:prstGeom prst="rect">
+            <a:avLst/>
+          </a:prstGeom>
+        </p:spPr>
+      </p:pic>
+      <p:pic>
+        <p:nvPicPr>
+          <p:cNvPr id="8" name="Picture 7">
+            <a:extLst>
+              <a:ext uri="{FF2B5EF4-FFF2-40B4-BE49-F238E27FC236}">
+                <a16:creationId xmlns:a16="http://schemas.microsoft.com/office/drawing/2014/main" id="{495504F1-92A1-4DC4-B1B6-FDEEBE465196}"/>
+              </a:ext>
+            </a:extLst>
+          </p:cNvPr>
+          <p:cNvPicPr>
+            <a:picLocks noChangeAspect="1"/>
+          </p:cNvPicPr>
+          <p:nvPr/>
+        </p:nvPicPr>
+        <p:blipFill>
+          <a:blip r:embed="rId4"/>
+          <a:stretch>
+            <a:fillRect/>
+          </a:stretch>
+        </p:blipFill>
+        <p:spPr>
+          <a:xfrm>
+            <a:off x="6235717" y="2350351"/>
+            <a:ext cx="4857001" cy="4335304"/>
+          </a:xfrm>
+          <a:prstGeom prst="rect">
+            <a:avLst/>
+          </a:prstGeom>
+        </p:spPr>
+      </p:pic>
     </p:spTree>
     <p:extLst>
       <p:ext uri="{BB962C8B-B14F-4D97-AF65-F5344CB8AC3E}">
-        <p14:creationId xmlns:p14="http://schemas.microsoft.com/office/powerpoint/2010/main" val="2903542016"/>
+        <p14:creationId xmlns:p14="http://schemas.microsoft.com/office/powerpoint/2010/main" val="3535489338"/>
       </p:ext>
     </p:extLst>
   </p:cSld>
